--- a/example/Illustration.pptx
+++ b/example/Illustration.pptx
@@ -7,6 +7,8 @@
   <p:sldIdLst>
     <p:sldId id="256" r:id="rId2"/>
     <p:sldId id="257" r:id="rId3"/>
+    <p:sldId id="258" r:id="rId4"/>
+    <p:sldId id="259" r:id="rId5"/>
   </p:sldIdLst>
   <p:sldSz cx="12192000" cy="6858000"/>
   <p:notesSz cx="6858000" cy="9144000"/>
@@ -260,7 +262,7 @@
           <a:p>
             <a:fld id="{72FE935D-B1BD-4A3D-9A0C-E0D098B103D6}" type="datetimeFigureOut">
               <a:rPr lang="en-US" smtClean="0"/>
-              <a:t>10/7/2019</a:t>
+              <a:t>10/14/2019</a:t>
             </a:fld>
             <a:endParaRPr lang="en-US"/>
           </a:p>
@@ -458,7 +460,7 @@
           <a:p>
             <a:fld id="{72FE935D-B1BD-4A3D-9A0C-E0D098B103D6}" type="datetimeFigureOut">
               <a:rPr lang="en-US" smtClean="0"/>
-              <a:t>10/7/2019</a:t>
+              <a:t>10/14/2019</a:t>
             </a:fld>
             <a:endParaRPr lang="en-US"/>
           </a:p>
@@ -666,7 +668,7 @@
           <a:p>
             <a:fld id="{72FE935D-B1BD-4A3D-9A0C-E0D098B103D6}" type="datetimeFigureOut">
               <a:rPr lang="en-US" smtClean="0"/>
-              <a:t>10/7/2019</a:t>
+              <a:t>10/14/2019</a:t>
             </a:fld>
             <a:endParaRPr lang="en-US"/>
           </a:p>
@@ -864,7 +866,7 @@
           <a:p>
             <a:fld id="{72FE935D-B1BD-4A3D-9A0C-E0D098B103D6}" type="datetimeFigureOut">
               <a:rPr lang="en-US" smtClean="0"/>
-              <a:t>10/7/2019</a:t>
+              <a:t>10/14/2019</a:t>
             </a:fld>
             <a:endParaRPr lang="en-US"/>
           </a:p>
@@ -1139,7 +1141,7 @@
           <a:p>
             <a:fld id="{72FE935D-B1BD-4A3D-9A0C-E0D098B103D6}" type="datetimeFigureOut">
               <a:rPr lang="en-US" smtClean="0"/>
-              <a:t>10/7/2019</a:t>
+              <a:t>10/14/2019</a:t>
             </a:fld>
             <a:endParaRPr lang="en-US"/>
           </a:p>
@@ -1404,7 +1406,7 @@
           <a:p>
             <a:fld id="{72FE935D-B1BD-4A3D-9A0C-E0D098B103D6}" type="datetimeFigureOut">
               <a:rPr lang="en-US" smtClean="0"/>
-              <a:t>10/7/2019</a:t>
+              <a:t>10/14/2019</a:t>
             </a:fld>
             <a:endParaRPr lang="en-US"/>
           </a:p>
@@ -1816,7 +1818,7 @@
           <a:p>
             <a:fld id="{72FE935D-B1BD-4A3D-9A0C-E0D098B103D6}" type="datetimeFigureOut">
               <a:rPr lang="en-US" smtClean="0"/>
-              <a:t>10/7/2019</a:t>
+              <a:t>10/14/2019</a:t>
             </a:fld>
             <a:endParaRPr lang="en-US"/>
           </a:p>
@@ -1957,7 +1959,7 @@
           <a:p>
             <a:fld id="{72FE935D-B1BD-4A3D-9A0C-E0D098B103D6}" type="datetimeFigureOut">
               <a:rPr lang="en-US" smtClean="0"/>
-              <a:t>10/7/2019</a:t>
+              <a:t>10/14/2019</a:t>
             </a:fld>
             <a:endParaRPr lang="en-US"/>
           </a:p>
@@ -2070,7 +2072,7 @@
           <a:p>
             <a:fld id="{72FE935D-B1BD-4A3D-9A0C-E0D098B103D6}" type="datetimeFigureOut">
               <a:rPr lang="en-US" smtClean="0"/>
-              <a:t>10/7/2019</a:t>
+              <a:t>10/14/2019</a:t>
             </a:fld>
             <a:endParaRPr lang="en-US"/>
           </a:p>
@@ -2381,7 +2383,7 @@
           <a:p>
             <a:fld id="{72FE935D-B1BD-4A3D-9A0C-E0D098B103D6}" type="datetimeFigureOut">
               <a:rPr lang="en-US" smtClean="0"/>
-              <a:t>10/7/2019</a:t>
+              <a:t>10/14/2019</a:t>
             </a:fld>
             <a:endParaRPr lang="en-US"/>
           </a:p>
@@ -2669,7 +2671,7 @@
           <a:p>
             <a:fld id="{72FE935D-B1BD-4A3D-9A0C-E0D098B103D6}" type="datetimeFigureOut">
               <a:rPr lang="en-US" smtClean="0"/>
-              <a:t>10/7/2019</a:t>
+              <a:t>10/14/2019</a:t>
             </a:fld>
             <a:endParaRPr lang="en-US"/>
           </a:p>
@@ -2910,7 +2912,7 @@
           <a:p>
             <a:fld id="{72FE935D-B1BD-4A3D-9A0C-E0D098B103D6}" type="datetimeFigureOut">
               <a:rPr lang="en-US" smtClean="0"/>
-              <a:t>10/7/2019</a:t>
+              <a:t>10/14/2019</a:t>
             </a:fld>
             <a:endParaRPr lang="en-US"/>
           </a:p>
@@ -9232,6 +9234,3250 @@
 </p:sld>
 </file>
 
+<file path=ppt/slides/slide3.xml><?xml version="1.0" encoding="utf-8"?>
+<p:sld xmlns:a="http://schemas.openxmlformats.org/drawingml/2006/main" xmlns:r="http://schemas.openxmlformats.org/officeDocument/2006/relationships" xmlns:p="http://schemas.openxmlformats.org/presentationml/2006/main">
+  <p:cSld>
+    <p:spTree>
+      <p:nvGrpSpPr>
+        <p:cNvPr id="1" name=""/>
+        <p:cNvGrpSpPr/>
+        <p:nvPr/>
+      </p:nvGrpSpPr>
+      <p:grpSpPr>
+        <a:xfrm>
+          <a:off x="0" y="0"/>
+          <a:ext cx="0" cy="0"/>
+          <a:chOff x="0" y="0"/>
+          <a:chExt cx="0" cy="0"/>
+        </a:xfrm>
+      </p:grpSpPr>
+      <p:sp>
+        <p:nvSpPr>
+          <p:cNvPr id="7" name="Oval 6">
+            <a:extLst>
+              <a:ext uri="{FF2B5EF4-FFF2-40B4-BE49-F238E27FC236}">
+                <a16:creationId xmlns:a16="http://schemas.microsoft.com/office/drawing/2014/main" id="{BD730A45-8478-4BE1-8FE2-56DD5B271D8C}"/>
+              </a:ext>
+            </a:extLst>
+          </p:cNvPr>
+          <p:cNvSpPr/>
+          <p:nvPr/>
+        </p:nvSpPr>
+        <p:spPr>
+          <a:xfrm>
+            <a:off x="4960706" y="2066389"/>
+            <a:ext cx="2270588" cy="2725221"/>
+          </a:xfrm>
+          <a:prstGeom prst="ellipse">
+            <a:avLst/>
+          </a:prstGeom>
+          <a:noFill/>
+          <a:ln w="57150"/>
+        </p:spPr>
+        <p:style>
+          <a:lnRef idx="2">
+            <a:schemeClr val="accent1">
+              <a:shade val="50000"/>
+            </a:schemeClr>
+          </a:lnRef>
+          <a:fillRef idx="1">
+            <a:schemeClr val="accent1"/>
+          </a:fillRef>
+          <a:effectRef idx="0">
+            <a:schemeClr val="accent1"/>
+          </a:effectRef>
+          <a:fontRef idx="minor">
+            <a:schemeClr val="lt1"/>
+          </a:fontRef>
+        </p:style>
+        <p:txBody>
+          <a:bodyPr rtlCol="0" anchor="ctr"/>
+          <a:lstStyle/>
+          <a:p>
+            <a:pPr algn="ctr"/>
+            <a:endParaRPr lang="en-US"/>
+          </a:p>
+        </p:txBody>
+      </p:sp>
+      <p:sp>
+        <p:nvSpPr>
+          <p:cNvPr id="8" name="Oval 7">
+            <a:extLst>
+              <a:ext uri="{FF2B5EF4-FFF2-40B4-BE49-F238E27FC236}">
+                <a16:creationId xmlns:a16="http://schemas.microsoft.com/office/drawing/2014/main" id="{8855DE05-40D4-4780-8528-921B11F84BCD}"/>
+              </a:ext>
+            </a:extLst>
+          </p:cNvPr>
+          <p:cNvSpPr/>
+          <p:nvPr/>
+        </p:nvSpPr>
+        <p:spPr>
+          <a:xfrm>
+            <a:off x="6902521" y="3414871"/>
+            <a:ext cx="657546" cy="647272"/>
+          </a:xfrm>
+          <a:prstGeom prst="ellipse">
+            <a:avLst/>
+          </a:prstGeom>
+          <a:solidFill>
+            <a:schemeClr val="bg1"/>
+          </a:solidFill>
+          <a:ln w="28575"/>
+        </p:spPr>
+        <p:style>
+          <a:lnRef idx="2">
+            <a:schemeClr val="accent1">
+              <a:shade val="50000"/>
+            </a:schemeClr>
+          </a:lnRef>
+          <a:fillRef idx="1">
+            <a:schemeClr val="accent1"/>
+          </a:fillRef>
+          <a:effectRef idx="0">
+            <a:schemeClr val="accent1"/>
+          </a:effectRef>
+          <a:fontRef idx="minor">
+            <a:schemeClr val="lt1"/>
+          </a:fontRef>
+        </p:style>
+        <p:txBody>
+          <a:bodyPr rtlCol="0" anchor="ctr"/>
+          <a:lstStyle/>
+          <a:p>
+            <a:pPr algn="ctr"/>
+            <a:endParaRPr lang="en-US"/>
+          </a:p>
+        </p:txBody>
+      </p:sp>
+      <p:sp>
+        <p:nvSpPr>
+          <p:cNvPr id="9" name="Oval 8">
+            <a:extLst>
+              <a:ext uri="{FF2B5EF4-FFF2-40B4-BE49-F238E27FC236}">
+                <a16:creationId xmlns:a16="http://schemas.microsoft.com/office/drawing/2014/main" id="{8631747E-5D35-4B91-BE7C-EA798CC9558F}"/>
+              </a:ext>
+            </a:extLst>
+          </p:cNvPr>
+          <p:cNvSpPr/>
+          <p:nvPr/>
+        </p:nvSpPr>
+        <p:spPr>
+          <a:xfrm>
+            <a:off x="4998379" y="2066389"/>
+            <a:ext cx="657546" cy="647272"/>
+          </a:xfrm>
+          <a:prstGeom prst="ellipse">
+            <a:avLst/>
+          </a:prstGeom>
+          <a:solidFill>
+            <a:schemeClr val="bg1"/>
+          </a:solidFill>
+          <a:ln w="28575"/>
+        </p:spPr>
+        <p:style>
+          <a:lnRef idx="2">
+            <a:schemeClr val="accent1">
+              <a:shade val="50000"/>
+            </a:schemeClr>
+          </a:lnRef>
+          <a:fillRef idx="1">
+            <a:schemeClr val="accent1"/>
+          </a:fillRef>
+          <a:effectRef idx="0">
+            <a:schemeClr val="accent1"/>
+          </a:effectRef>
+          <a:fontRef idx="minor">
+            <a:schemeClr val="lt1"/>
+          </a:fontRef>
+        </p:style>
+        <p:txBody>
+          <a:bodyPr rtlCol="0" anchor="ctr"/>
+          <a:lstStyle/>
+          <a:p>
+            <a:pPr algn="ctr"/>
+            <a:endParaRPr lang="en-US"/>
+          </a:p>
+        </p:txBody>
+      </p:sp>
+      <p:sp>
+        <p:nvSpPr>
+          <p:cNvPr id="10" name="Oval 9">
+            <a:extLst>
+              <a:ext uri="{FF2B5EF4-FFF2-40B4-BE49-F238E27FC236}">
+                <a16:creationId xmlns:a16="http://schemas.microsoft.com/office/drawing/2014/main" id="{A281482C-74B6-40E7-8767-87EADE21D64A}"/>
+              </a:ext>
+            </a:extLst>
+          </p:cNvPr>
+          <p:cNvSpPr/>
+          <p:nvPr/>
+        </p:nvSpPr>
+        <p:spPr>
+          <a:xfrm>
+            <a:off x="4928171" y="4062143"/>
+            <a:ext cx="657546" cy="647272"/>
+          </a:xfrm>
+          <a:prstGeom prst="ellipse">
+            <a:avLst/>
+          </a:prstGeom>
+          <a:solidFill>
+            <a:schemeClr val="bg1"/>
+          </a:solidFill>
+          <a:ln w="28575"/>
+        </p:spPr>
+        <p:style>
+          <a:lnRef idx="2">
+            <a:schemeClr val="accent1">
+              <a:shade val="50000"/>
+            </a:schemeClr>
+          </a:lnRef>
+          <a:fillRef idx="1">
+            <a:schemeClr val="accent1"/>
+          </a:fillRef>
+          <a:effectRef idx="0">
+            <a:schemeClr val="accent1"/>
+          </a:effectRef>
+          <a:fontRef idx="minor">
+            <a:schemeClr val="lt1"/>
+          </a:fontRef>
+        </p:style>
+        <p:txBody>
+          <a:bodyPr rtlCol="0" anchor="ctr"/>
+          <a:lstStyle/>
+          <a:p>
+            <a:pPr algn="ctr"/>
+            <a:endParaRPr lang="en-US"/>
+          </a:p>
+        </p:txBody>
+      </p:sp>
+      <p:sp>
+        <p:nvSpPr>
+          <p:cNvPr id="11" name="Oval 10">
+            <a:extLst>
+              <a:ext uri="{FF2B5EF4-FFF2-40B4-BE49-F238E27FC236}">
+                <a16:creationId xmlns:a16="http://schemas.microsoft.com/office/drawing/2014/main" id="{F31980CB-BBDC-4515-98C7-16E37520B3BB}"/>
+              </a:ext>
+            </a:extLst>
+          </p:cNvPr>
+          <p:cNvSpPr/>
+          <p:nvPr/>
+        </p:nvSpPr>
+        <p:spPr>
+          <a:xfrm>
+            <a:off x="3929867" y="1244456"/>
+            <a:ext cx="657546" cy="647272"/>
+          </a:xfrm>
+          <a:prstGeom prst="ellipse">
+            <a:avLst/>
+          </a:prstGeom>
+          <a:solidFill>
+            <a:schemeClr val="bg1"/>
+          </a:solidFill>
+          <a:ln w="28575"/>
+        </p:spPr>
+        <p:style>
+          <a:lnRef idx="2">
+            <a:schemeClr val="accent1">
+              <a:shade val="50000"/>
+            </a:schemeClr>
+          </a:lnRef>
+          <a:fillRef idx="1">
+            <a:schemeClr val="accent1"/>
+          </a:fillRef>
+          <a:effectRef idx="0">
+            <a:schemeClr val="accent1"/>
+          </a:effectRef>
+          <a:fontRef idx="minor">
+            <a:schemeClr val="lt1"/>
+          </a:fontRef>
+        </p:style>
+        <p:txBody>
+          <a:bodyPr rtlCol="0" anchor="ctr"/>
+          <a:lstStyle/>
+          <a:p>
+            <a:pPr algn="ctr"/>
+            <a:endParaRPr lang="en-US"/>
+          </a:p>
+        </p:txBody>
+      </p:sp>
+      <p:sp>
+        <p:nvSpPr>
+          <p:cNvPr id="12" name="Oval 11">
+            <a:extLst>
+              <a:ext uri="{FF2B5EF4-FFF2-40B4-BE49-F238E27FC236}">
+                <a16:creationId xmlns:a16="http://schemas.microsoft.com/office/drawing/2014/main" id="{13C704E2-29CB-45C1-B395-FEB0B35D6B52}"/>
+              </a:ext>
+            </a:extLst>
+          </p:cNvPr>
+          <p:cNvSpPr/>
+          <p:nvPr/>
+        </p:nvSpPr>
+        <p:spPr>
+          <a:xfrm>
+            <a:off x="2354498" y="1568092"/>
+            <a:ext cx="657546" cy="647272"/>
+          </a:xfrm>
+          <a:prstGeom prst="ellipse">
+            <a:avLst/>
+          </a:prstGeom>
+          <a:solidFill>
+            <a:schemeClr val="bg1"/>
+          </a:solidFill>
+          <a:ln w="28575"/>
+        </p:spPr>
+        <p:style>
+          <a:lnRef idx="2">
+            <a:schemeClr val="accent1">
+              <a:shade val="50000"/>
+            </a:schemeClr>
+          </a:lnRef>
+          <a:fillRef idx="1">
+            <a:schemeClr val="accent1"/>
+          </a:fillRef>
+          <a:effectRef idx="0">
+            <a:schemeClr val="accent1"/>
+          </a:effectRef>
+          <a:fontRef idx="minor">
+            <a:schemeClr val="lt1"/>
+          </a:fontRef>
+        </p:style>
+        <p:txBody>
+          <a:bodyPr rtlCol="0" anchor="ctr"/>
+          <a:lstStyle/>
+          <a:p>
+            <a:pPr algn="ctr"/>
+            <a:endParaRPr lang="en-US"/>
+          </a:p>
+        </p:txBody>
+      </p:sp>
+      <p:sp>
+        <p:nvSpPr>
+          <p:cNvPr id="13" name="Oval 12">
+            <a:extLst>
+              <a:ext uri="{FF2B5EF4-FFF2-40B4-BE49-F238E27FC236}">
+                <a16:creationId xmlns:a16="http://schemas.microsoft.com/office/drawing/2014/main" id="{F84BB5AA-A117-48B1-BAB3-AA73E91DA6AE}"/>
+              </a:ext>
+            </a:extLst>
+          </p:cNvPr>
+          <p:cNvSpPr/>
+          <p:nvPr/>
+        </p:nvSpPr>
+        <p:spPr>
+          <a:xfrm>
+            <a:off x="3657602" y="4709415"/>
+            <a:ext cx="657546" cy="647272"/>
+          </a:xfrm>
+          <a:prstGeom prst="ellipse">
+            <a:avLst/>
+          </a:prstGeom>
+          <a:solidFill>
+            <a:schemeClr val="bg1"/>
+          </a:solidFill>
+          <a:ln w="28575"/>
+        </p:spPr>
+        <p:style>
+          <a:lnRef idx="2">
+            <a:schemeClr val="accent1">
+              <a:shade val="50000"/>
+            </a:schemeClr>
+          </a:lnRef>
+          <a:fillRef idx="1">
+            <a:schemeClr val="accent1"/>
+          </a:fillRef>
+          <a:effectRef idx="0">
+            <a:schemeClr val="accent1"/>
+          </a:effectRef>
+          <a:fontRef idx="minor">
+            <a:schemeClr val="lt1"/>
+          </a:fontRef>
+        </p:style>
+        <p:txBody>
+          <a:bodyPr rtlCol="0" anchor="ctr"/>
+          <a:lstStyle/>
+          <a:p>
+            <a:pPr algn="ctr"/>
+            <a:endParaRPr lang="en-US"/>
+          </a:p>
+        </p:txBody>
+      </p:sp>
+      <p:sp>
+        <p:nvSpPr>
+          <p:cNvPr id="14" name="Oval 13">
+            <a:extLst>
+              <a:ext uri="{FF2B5EF4-FFF2-40B4-BE49-F238E27FC236}">
+                <a16:creationId xmlns:a16="http://schemas.microsoft.com/office/drawing/2014/main" id="{3F24E8A3-3EBB-4C41-A6A6-A3EBC91A01C9}"/>
+              </a:ext>
+            </a:extLst>
+          </p:cNvPr>
+          <p:cNvSpPr/>
+          <p:nvPr/>
+        </p:nvSpPr>
+        <p:spPr>
+          <a:xfrm>
+            <a:off x="4604537" y="6057897"/>
+            <a:ext cx="657546" cy="647272"/>
+          </a:xfrm>
+          <a:prstGeom prst="ellipse">
+            <a:avLst/>
+          </a:prstGeom>
+          <a:solidFill>
+            <a:schemeClr val="bg1"/>
+          </a:solidFill>
+          <a:ln w="28575"/>
+        </p:spPr>
+        <p:style>
+          <a:lnRef idx="2">
+            <a:schemeClr val="accent1">
+              <a:shade val="50000"/>
+            </a:schemeClr>
+          </a:lnRef>
+          <a:fillRef idx="1">
+            <a:schemeClr val="accent1"/>
+          </a:fillRef>
+          <a:effectRef idx="0">
+            <a:schemeClr val="accent1"/>
+          </a:effectRef>
+          <a:fontRef idx="minor">
+            <a:schemeClr val="lt1"/>
+          </a:fontRef>
+        </p:style>
+        <p:txBody>
+          <a:bodyPr rtlCol="0" anchor="ctr"/>
+          <a:lstStyle/>
+          <a:p>
+            <a:pPr algn="ctr"/>
+            <a:endParaRPr lang="en-US"/>
+          </a:p>
+        </p:txBody>
+      </p:sp>
+      <p:sp>
+        <p:nvSpPr>
+          <p:cNvPr id="15" name="Oval 14">
+            <a:extLst>
+              <a:ext uri="{FF2B5EF4-FFF2-40B4-BE49-F238E27FC236}">
+                <a16:creationId xmlns:a16="http://schemas.microsoft.com/office/drawing/2014/main" id="{88BF534D-CE1A-4BFD-8442-320F894163F0}"/>
+              </a:ext>
+            </a:extLst>
+          </p:cNvPr>
+          <p:cNvSpPr/>
+          <p:nvPr/>
+        </p:nvSpPr>
+        <p:spPr>
+          <a:xfrm>
+            <a:off x="6244975" y="5492820"/>
+            <a:ext cx="657546" cy="647272"/>
+          </a:xfrm>
+          <a:prstGeom prst="ellipse">
+            <a:avLst/>
+          </a:prstGeom>
+          <a:solidFill>
+            <a:schemeClr val="bg1"/>
+          </a:solidFill>
+          <a:ln w="28575"/>
+        </p:spPr>
+        <p:style>
+          <a:lnRef idx="2">
+            <a:schemeClr val="accent1">
+              <a:shade val="50000"/>
+            </a:schemeClr>
+          </a:lnRef>
+          <a:fillRef idx="1">
+            <a:schemeClr val="accent1"/>
+          </a:fillRef>
+          <a:effectRef idx="0">
+            <a:schemeClr val="accent1"/>
+          </a:effectRef>
+          <a:fontRef idx="minor">
+            <a:schemeClr val="lt1"/>
+          </a:fontRef>
+        </p:style>
+        <p:txBody>
+          <a:bodyPr rtlCol="0" anchor="ctr"/>
+          <a:lstStyle/>
+          <a:p>
+            <a:pPr algn="ctr"/>
+            <a:endParaRPr lang="en-US"/>
+          </a:p>
+        </p:txBody>
+      </p:sp>
+      <p:sp>
+        <p:nvSpPr>
+          <p:cNvPr id="16" name="Oval 15">
+            <a:extLst>
+              <a:ext uri="{FF2B5EF4-FFF2-40B4-BE49-F238E27FC236}">
+                <a16:creationId xmlns:a16="http://schemas.microsoft.com/office/drawing/2014/main" id="{F9DE1A95-3E99-417D-A110-64A0678A1818}"/>
+              </a:ext>
+            </a:extLst>
+          </p:cNvPr>
+          <p:cNvSpPr/>
+          <p:nvPr/>
+        </p:nvSpPr>
+        <p:spPr>
+          <a:xfrm>
+            <a:off x="8279257" y="2893459"/>
+            <a:ext cx="657546" cy="647272"/>
+          </a:xfrm>
+          <a:prstGeom prst="ellipse">
+            <a:avLst/>
+          </a:prstGeom>
+          <a:solidFill>
+            <a:schemeClr val="bg1"/>
+          </a:solidFill>
+          <a:ln w="28575"/>
+        </p:spPr>
+        <p:style>
+          <a:lnRef idx="2">
+            <a:schemeClr val="accent1">
+              <a:shade val="50000"/>
+            </a:schemeClr>
+          </a:lnRef>
+          <a:fillRef idx="1">
+            <a:schemeClr val="accent1"/>
+          </a:fillRef>
+          <a:effectRef idx="0">
+            <a:schemeClr val="accent1"/>
+          </a:effectRef>
+          <a:fontRef idx="minor">
+            <a:schemeClr val="lt1"/>
+          </a:fontRef>
+        </p:style>
+        <p:txBody>
+          <a:bodyPr rtlCol="0" anchor="ctr"/>
+          <a:lstStyle/>
+          <a:p>
+            <a:pPr algn="ctr"/>
+            <a:endParaRPr lang="en-US"/>
+          </a:p>
+        </p:txBody>
+      </p:sp>
+      <p:sp>
+        <p:nvSpPr>
+          <p:cNvPr id="17" name="Oval 16">
+            <a:extLst>
+              <a:ext uri="{FF2B5EF4-FFF2-40B4-BE49-F238E27FC236}">
+                <a16:creationId xmlns:a16="http://schemas.microsoft.com/office/drawing/2014/main" id="{E84AD8EE-092F-4130-9944-14D90230824C}"/>
+              </a:ext>
+            </a:extLst>
+          </p:cNvPr>
+          <p:cNvSpPr/>
+          <p:nvPr/>
+        </p:nvSpPr>
+        <p:spPr>
+          <a:xfrm>
+            <a:off x="8851183" y="1568092"/>
+            <a:ext cx="657546" cy="647272"/>
+          </a:xfrm>
+          <a:prstGeom prst="ellipse">
+            <a:avLst/>
+          </a:prstGeom>
+          <a:solidFill>
+            <a:schemeClr val="bg1"/>
+          </a:solidFill>
+          <a:ln w="28575"/>
+        </p:spPr>
+        <p:style>
+          <a:lnRef idx="2">
+            <a:schemeClr val="accent1">
+              <a:shade val="50000"/>
+            </a:schemeClr>
+          </a:lnRef>
+          <a:fillRef idx="1">
+            <a:schemeClr val="accent1"/>
+          </a:fillRef>
+          <a:effectRef idx="0">
+            <a:schemeClr val="accent1"/>
+          </a:effectRef>
+          <a:fontRef idx="minor">
+            <a:schemeClr val="lt1"/>
+          </a:fontRef>
+        </p:style>
+        <p:txBody>
+          <a:bodyPr rtlCol="0" anchor="ctr"/>
+          <a:lstStyle/>
+          <a:p>
+            <a:pPr algn="ctr"/>
+            <a:endParaRPr lang="en-US"/>
+          </a:p>
+        </p:txBody>
+      </p:sp>
+      <p:sp>
+        <p:nvSpPr>
+          <p:cNvPr id="18" name="Oval 17">
+            <a:extLst>
+              <a:ext uri="{FF2B5EF4-FFF2-40B4-BE49-F238E27FC236}">
+                <a16:creationId xmlns:a16="http://schemas.microsoft.com/office/drawing/2014/main" id="{C047CBCE-551D-4180-81F1-ED4A1FCA05D5}"/>
+              </a:ext>
+            </a:extLst>
+          </p:cNvPr>
+          <p:cNvSpPr/>
+          <p:nvPr/>
+        </p:nvSpPr>
+        <p:spPr>
+          <a:xfrm>
+            <a:off x="9590922" y="324919"/>
+            <a:ext cx="657546" cy="647272"/>
+          </a:xfrm>
+          <a:prstGeom prst="ellipse">
+            <a:avLst/>
+          </a:prstGeom>
+          <a:solidFill>
+            <a:schemeClr val="bg1"/>
+          </a:solidFill>
+          <a:ln w="28575"/>
+        </p:spPr>
+        <p:style>
+          <a:lnRef idx="2">
+            <a:schemeClr val="accent1">
+              <a:shade val="50000"/>
+            </a:schemeClr>
+          </a:lnRef>
+          <a:fillRef idx="1">
+            <a:schemeClr val="accent1"/>
+          </a:fillRef>
+          <a:effectRef idx="0">
+            <a:schemeClr val="accent1"/>
+          </a:effectRef>
+          <a:fontRef idx="minor">
+            <a:schemeClr val="lt1"/>
+          </a:fontRef>
+        </p:style>
+        <p:txBody>
+          <a:bodyPr rtlCol="0" anchor="ctr"/>
+          <a:lstStyle/>
+          <a:p>
+            <a:pPr algn="ctr"/>
+            <a:endParaRPr lang="en-US"/>
+          </a:p>
+        </p:txBody>
+      </p:sp>
+      <p:cxnSp>
+        <p:nvCxnSpPr>
+          <p:cNvPr id="20" name="Straight Connector 19">
+            <a:extLst>
+              <a:ext uri="{FF2B5EF4-FFF2-40B4-BE49-F238E27FC236}">
+                <a16:creationId xmlns:a16="http://schemas.microsoft.com/office/drawing/2014/main" id="{5E863939-D1DD-40FC-AB37-D1691DA1285E}"/>
+              </a:ext>
+            </a:extLst>
+          </p:cNvPr>
+          <p:cNvCxnSpPr>
+            <a:cxnSpLocks/>
+            <a:stCxn id="9" idx="1"/>
+            <a:endCxn id="11" idx="5"/>
+          </p:cNvCxnSpPr>
+          <p:nvPr/>
+        </p:nvCxnSpPr>
+        <p:spPr>
+          <a:xfrm flipH="1" flipV="1">
+            <a:off x="4491118" y="1796937"/>
+            <a:ext cx="603556" cy="364243"/>
+          </a:xfrm>
+          <a:prstGeom prst="line">
+            <a:avLst/>
+          </a:prstGeom>
+          <a:ln w="28575"/>
+        </p:spPr>
+        <p:style>
+          <a:lnRef idx="1">
+            <a:schemeClr val="accent1"/>
+          </a:lnRef>
+          <a:fillRef idx="0">
+            <a:schemeClr val="accent1"/>
+          </a:fillRef>
+          <a:effectRef idx="0">
+            <a:schemeClr val="accent1"/>
+          </a:effectRef>
+          <a:fontRef idx="minor">
+            <a:schemeClr val="tx1"/>
+          </a:fontRef>
+        </p:style>
+      </p:cxnSp>
+      <p:cxnSp>
+        <p:nvCxnSpPr>
+          <p:cNvPr id="23" name="Straight Connector 22">
+            <a:extLst>
+              <a:ext uri="{FF2B5EF4-FFF2-40B4-BE49-F238E27FC236}">
+                <a16:creationId xmlns:a16="http://schemas.microsoft.com/office/drawing/2014/main" id="{22ED63BB-FFD0-4E93-8440-E49253CF0E62}"/>
+              </a:ext>
+            </a:extLst>
+          </p:cNvPr>
+          <p:cNvCxnSpPr>
+            <a:cxnSpLocks/>
+            <a:stCxn id="11" idx="2"/>
+            <a:endCxn id="12" idx="6"/>
+          </p:cNvCxnSpPr>
+          <p:nvPr/>
+        </p:nvCxnSpPr>
+        <p:spPr>
+          <a:xfrm flipH="1">
+            <a:off x="3012044" y="1568092"/>
+            <a:ext cx="917823" cy="323636"/>
+          </a:xfrm>
+          <a:prstGeom prst="line">
+            <a:avLst/>
+          </a:prstGeom>
+          <a:ln w="28575"/>
+        </p:spPr>
+        <p:style>
+          <a:lnRef idx="1">
+            <a:schemeClr val="accent1"/>
+          </a:lnRef>
+          <a:fillRef idx="0">
+            <a:schemeClr val="accent1"/>
+          </a:fillRef>
+          <a:effectRef idx="0">
+            <a:schemeClr val="accent1"/>
+          </a:effectRef>
+          <a:fontRef idx="minor">
+            <a:schemeClr val="tx1"/>
+          </a:fontRef>
+        </p:style>
+      </p:cxnSp>
+      <p:cxnSp>
+        <p:nvCxnSpPr>
+          <p:cNvPr id="24" name="Straight Connector 23">
+            <a:extLst>
+              <a:ext uri="{FF2B5EF4-FFF2-40B4-BE49-F238E27FC236}">
+                <a16:creationId xmlns:a16="http://schemas.microsoft.com/office/drawing/2014/main" id="{AF58BE33-2770-4A8D-BC06-98AC27A837F6}"/>
+              </a:ext>
+            </a:extLst>
+          </p:cNvPr>
+          <p:cNvCxnSpPr>
+            <a:cxnSpLocks/>
+            <a:stCxn id="15" idx="3"/>
+            <a:endCxn id="14" idx="6"/>
+          </p:cNvCxnSpPr>
+          <p:nvPr/>
+        </p:nvCxnSpPr>
+        <p:spPr>
+          <a:xfrm flipH="1">
+            <a:off x="5262083" y="6045301"/>
+            <a:ext cx="1079187" cy="336232"/>
+          </a:xfrm>
+          <a:prstGeom prst="line">
+            <a:avLst/>
+          </a:prstGeom>
+          <a:ln w="28575"/>
+        </p:spPr>
+        <p:style>
+          <a:lnRef idx="1">
+            <a:schemeClr val="accent1"/>
+          </a:lnRef>
+          <a:fillRef idx="0">
+            <a:schemeClr val="accent1"/>
+          </a:fillRef>
+          <a:effectRef idx="0">
+            <a:schemeClr val="accent1"/>
+          </a:effectRef>
+          <a:fontRef idx="minor">
+            <a:schemeClr val="tx1"/>
+          </a:fontRef>
+        </p:style>
+      </p:cxnSp>
+      <p:cxnSp>
+        <p:nvCxnSpPr>
+          <p:cNvPr id="25" name="Straight Connector 24">
+            <a:extLst>
+              <a:ext uri="{FF2B5EF4-FFF2-40B4-BE49-F238E27FC236}">
+                <a16:creationId xmlns:a16="http://schemas.microsoft.com/office/drawing/2014/main" id="{47B4AE04-E3A1-4D7D-BE18-B0C933745C4E}"/>
+              </a:ext>
+            </a:extLst>
+          </p:cNvPr>
+          <p:cNvCxnSpPr>
+            <a:cxnSpLocks/>
+            <a:stCxn id="10" idx="3"/>
+            <a:endCxn id="13" idx="7"/>
+          </p:cNvCxnSpPr>
+          <p:nvPr/>
+        </p:nvCxnSpPr>
+        <p:spPr>
+          <a:xfrm flipH="1">
+            <a:off x="4218853" y="4614624"/>
+            <a:ext cx="805613" cy="189582"/>
+          </a:xfrm>
+          <a:prstGeom prst="line">
+            <a:avLst/>
+          </a:prstGeom>
+          <a:ln w="28575"/>
+        </p:spPr>
+        <p:style>
+          <a:lnRef idx="1">
+            <a:schemeClr val="accent1"/>
+          </a:lnRef>
+          <a:fillRef idx="0">
+            <a:schemeClr val="accent1"/>
+          </a:fillRef>
+          <a:effectRef idx="0">
+            <a:schemeClr val="accent1"/>
+          </a:effectRef>
+          <a:fontRef idx="minor">
+            <a:schemeClr val="tx1"/>
+          </a:fontRef>
+        </p:style>
+      </p:cxnSp>
+      <p:cxnSp>
+        <p:nvCxnSpPr>
+          <p:cNvPr id="26" name="Straight Connector 25">
+            <a:extLst>
+              <a:ext uri="{FF2B5EF4-FFF2-40B4-BE49-F238E27FC236}">
+                <a16:creationId xmlns:a16="http://schemas.microsoft.com/office/drawing/2014/main" id="{9A19224C-783B-4DA5-895D-ADB0AFFDBECF}"/>
+              </a:ext>
+            </a:extLst>
+          </p:cNvPr>
+          <p:cNvCxnSpPr>
+            <a:cxnSpLocks/>
+            <a:stCxn id="14" idx="1"/>
+            <a:endCxn id="13" idx="5"/>
+          </p:cNvCxnSpPr>
+          <p:nvPr/>
+        </p:nvCxnSpPr>
+        <p:spPr>
+          <a:xfrm flipH="1" flipV="1">
+            <a:off x="4218853" y="5261896"/>
+            <a:ext cx="481979" cy="890792"/>
+          </a:xfrm>
+          <a:prstGeom prst="line">
+            <a:avLst/>
+          </a:prstGeom>
+          <a:ln w="28575"/>
+        </p:spPr>
+        <p:style>
+          <a:lnRef idx="1">
+            <a:schemeClr val="accent1"/>
+          </a:lnRef>
+          <a:fillRef idx="0">
+            <a:schemeClr val="accent1"/>
+          </a:fillRef>
+          <a:effectRef idx="0">
+            <a:schemeClr val="accent1"/>
+          </a:effectRef>
+          <a:fontRef idx="minor">
+            <a:schemeClr val="tx1"/>
+          </a:fontRef>
+        </p:style>
+      </p:cxnSp>
+      <p:cxnSp>
+        <p:nvCxnSpPr>
+          <p:cNvPr id="27" name="Straight Connector 26">
+            <a:extLst>
+              <a:ext uri="{FF2B5EF4-FFF2-40B4-BE49-F238E27FC236}">
+                <a16:creationId xmlns:a16="http://schemas.microsoft.com/office/drawing/2014/main" id="{0E2D8688-5B9E-4A40-8E71-5C075B863792}"/>
+              </a:ext>
+            </a:extLst>
+          </p:cNvPr>
+          <p:cNvCxnSpPr>
+            <a:cxnSpLocks/>
+            <a:stCxn id="16" idx="3"/>
+            <a:endCxn id="8" idx="6"/>
+          </p:cNvCxnSpPr>
+          <p:nvPr/>
+        </p:nvCxnSpPr>
+        <p:spPr>
+          <a:xfrm flipH="1">
+            <a:off x="7560067" y="3445940"/>
+            <a:ext cx="815485" cy="292567"/>
+          </a:xfrm>
+          <a:prstGeom prst="line">
+            <a:avLst/>
+          </a:prstGeom>
+          <a:ln w="28575"/>
+        </p:spPr>
+        <p:style>
+          <a:lnRef idx="1">
+            <a:schemeClr val="accent1"/>
+          </a:lnRef>
+          <a:fillRef idx="0">
+            <a:schemeClr val="accent1"/>
+          </a:fillRef>
+          <a:effectRef idx="0">
+            <a:schemeClr val="accent1"/>
+          </a:effectRef>
+          <a:fontRef idx="minor">
+            <a:schemeClr val="tx1"/>
+          </a:fontRef>
+        </p:style>
+      </p:cxnSp>
+      <p:cxnSp>
+        <p:nvCxnSpPr>
+          <p:cNvPr id="28" name="Straight Connector 27">
+            <a:extLst>
+              <a:ext uri="{FF2B5EF4-FFF2-40B4-BE49-F238E27FC236}">
+                <a16:creationId xmlns:a16="http://schemas.microsoft.com/office/drawing/2014/main" id="{A142ED20-339A-4695-B1C2-792E2E457E48}"/>
+              </a:ext>
+            </a:extLst>
+          </p:cNvPr>
+          <p:cNvCxnSpPr>
+            <a:cxnSpLocks/>
+            <a:stCxn id="17" idx="4"/>
+            <a:endCxn id="16" idx="7"/>
+          </p:cNvCxnSpPr>
+          <p:nvPr/>
+        </p:nvCxnSpPr>
+        <p:spPr>
+          <a:xfrm flipH="1">
+            <a:off x="8840508" y="2215364"/>
+            <a:ext cx="339448" cy="772886"/>
+          </a:xfrm>
+          <a:prstGeom prst="line">
+            <a:avLst/>
+          </a:prstGeom>
+          <a:ln w="28575"/>
+        </p:spPr>
+        <p:style>
+          <a:lnRef idx="1">
+            <a:schemeClr val="accent1"/>
+          </a:lnRef>
+          <a:fillRef idx="0">
+            <a:schemeClr val="accent1"/>
+          </a:fillRef>
+          <a:effectRef idx="0">
+            <a:schemeClr val="accent1"/>
+          </a:effectRef>
+          <a:fontRef idx="minor">
+            <a:schemeClr val="tx1"/>
+          </a:fontRef>
+        </p:style>
+      </p:cxnSp>
+      <p:cxnSp>
+        <p:nvCxnSpPr>
+          <p:cNvPr id="29" name="Straight Connector 28">
+            <a:extLst>
+              <a:ext uri="{FF2B5EF4-FFF2-40B4-BE49-F238E27FC236}">
+                <a16:creationId xmlns:a16="http://schemas.microsoft.com/office/drawing/2014/main" id="{4DCEB948-9119-481D-9706-B54ECF9ADBC2}"/>
+              </a:ext>
+            </a:extLst>
+          </p:cNvPr>
+          <p:cNvCxnSpPr>
+            <a:cxnSpLocks/>
+            <a:stCxn id="18" idx="3"/>
+            <a:endCxn id="17" idx="7"/>
+          </p:cNvCxnSpPr>
+          <p:nvPr/>
+        </p:nvCxnSpPr>
+        <p:spPr>
+          <a:xfrm flipH="1">
+            <a:off x="9412434" y="877400"/>
+            <a:ext cx="274783" cy="785483"/>
+          </a:xfrm>
+          <a:prstGeom prst="line">
+            <a:avLst/>
+          </a:prstGeom>
+          <a:ln w="28575"/>
+        </p:spPr>
+        <p:style>
+          <a:lnRef idx="1">
+            <a:schemeClr val="accent1"/>
+          </a:lnRef>
+          <a:fillRef idx="0">
+            <a:schemeClr val="accent1"/>
+          </a:fillRef>
+          <a:effectRef idx="0">
+            <a:schemeClr val="accent1"/>
+          </a:effectRef>
+          <a:fontRef idx="minor">
+            <a:schemeClr val="tx1"/>
+          </a:fontRef>
+        </p:style>
+      </p:cxnSp>
+      <p:sp>
+        <p:nvSpPr>
+          <p:cNvPr id="48" name="TextBox 47">
+            <a:extLst>
+              <a:ext uri="{FF2B5EF4-FFF2-40B4-BE49-F238E27FC236}">
+                <a16:creationId xmlns:a16="http://schemas.microsoft.com/office/drawing/2014/main" id="{113AD278-6891-44C0-B60A-0E5100C2ADDA}"/>
+              </a:ext>
+            </a:extLst>
+          </p:cNvPr>
+          <p:cNvSpPr txBox="1"/>
+          <p:nvPr/>
+        </p:nvSpPr>
+        <p:spPr>
+          <a:xfrm>
+            <a:off x="2546681" y="1729910"/>
+            <a:ext cx="573241" cy="369332"/>
+          </a:xfrm>
+          <a:prstGeom prst="rect">
+            <a:avLst/>
+          </a:prstGeom>
+          <a:noFill/>
+        </p:spPr>
+        <p:txBody>
+          <a:bodyPr wrap="square" rtlCol="0">
+            <a:spAutoFit/>
+          </a:bodyPr>
+          <a:lstStyle/>
+          <a:p>
+            <a:r>
+              <a:rPr lang="en-US" b="1" dirty="0">
+                <a:solidFill>
+                  <a:srgbClr val="FF0000"/>
+                </a:solidFill>
+              </a:rPr>
+              <a:t>1</a:t>
+            </a:r>
+          </a:p>
+        </p:txBody>
+      </p:sp>
+      <p:sp>
+        <p:nvSpPr>
+          <p:cNvPr id="49" name="TextBox 48">
+            <a:extLst>
+              <a:ext uri="{FF2B5EF4-FFF2-40B4-BE49-F238E27FC236}">
+                <a16:creationId xmlns:a16="http://schemas.microsoft.com/office/drawing/2014/main" id="{A60BFAE8-7EE1-4BE7-945E-1BCE55D93E72}"/>
+              </a:ext>
+            </a:extLst>
+          </p:cNvPr>
+          <p:cNvSpPr txBox="1"/>
+          <p:nvPr/>
+        </p:nvSpPr>
+        <p:spPr>
+          <a:xfrm>
+            <a:off x="4137414" y="1380210"/>
+            <a:ext cx="573241" cy="369332"/>
+          </a:xfrm>
+          <a:prstGeom prst="rect">
+            <a:avLst/>
+          </a:prstGeom>
+          <a:noFill/>
+        </p:spPr>
+        <p:txBody>
+          <a:bodyPr wrap="square" rtlCol="0">
+            <a:spAutoFit/>
+          </a:bodyPr>
+          <a:lstStyle/>
+          <a:p>
+            <a:r>
+              <a:rPr lang="en-US" b="1" dirty="0">
+                <a:solidFill>
+                  <a:srgbClr val="FF0000"/>
+                </a:solidFill>
+              </a:rPr>
+              <a:t>2</a:t>
+            </a:r>
+          </a:p>
+        </p:txBody>
+      </p:sp>
+      <p:sp>
+        <p:nvSpPr>
+          <p:cNvPr id="50" name="TextBox 49">
+            <a:extLst>
+              <a:ext uri="{FF2B5EF4-FFF2-40B4-BE49-F238E27FC236}">
+                <a16:creationId xmlns:a16="http://schemas.microsoft.com/office/drawing/2014/main" id="{95D3573C-158E-40B5-AB69-637883F345DB}"/>
+              </a:ext>
+            </a:extLst>
+          </p:cNvPr>
+          <p:cNvSpPr txBox="1"/>
+          <p:nvPr/>
+        </p:nvSpPr>
+        <p:spPr>
+          <a:xfrm>
+            <a:off x="5171928" y="2165961"/>
+            <a:ext cx="573241" cy="369332"/>
+          </a:xfrm>
+          <a:prstGeom prst="rect">
+            <a:avLst/>
+          </a:prstGeom>
+          <a:noFill/>
+        </p:spPr>
+        <p:txBody>
+          <a:bodyPr wrap="square" rtlCol="0">
+            <a:spAutoFit/>
+          </a:bodyPr>
+          <a:lstStyle/>
+          <a:p>
+            <a:r>
+              <a:rPr lang="en-US" b="1" dirty="0">
+                <a:solidFill>
+                  <a:srgbClr val="FF0000"/>
+                </a:solidFill>
+              </a:rPr>
+              <a:t>3</a:t>
+            </a:r>
+          </a:p>
+        </p:txBody>
+      </p:sp>
+      <p:sp>
+        <p:nvSpPr>
+          <p:cNvPr id="51" name="TextBox 50">
+            <a:extLst>
+              <a:ext uri="{FF2B5EF4-FFF2-40B4-BE49-F238E27FC236}">
+                <a16:creationId xmlns:a16="http://schemas.microsoft.com/office/drawing/2014/main" id="{1D716997-CD65-409E-A936-53650B49FC12}"/>
+              </a:ext>
+            </a:extLst>
+          </p:cNvPr>
+          <p:cNvSpPr txBox="1"/>
+          <p:nvPr/>
+        </p:nvSpPr>
+        <p:spPr>
+          <a:xfrm>
+            <a:off x="5094674" y="4201113"/>
+            <a:ext cx="573241" cy="369332"/>
+          </a:xfrm>
+          <a:prstGeom prst="rect">
+            <a:avLst/>
+          </a:prstGeom>
+          <a:noFill/>
+        </p:spPr>
+        <p:txBody>
+          <a:bodyPr wrap="square" rtlCol="0">
+            <a:spAutoFit/>
+          </a:bodyPr>
+          <a:lstStyle/>
+          <a:p>
+            <a:r>
+              <a:rPr lang="en-US" b="1" dirty="0">
+                <a:solidFill>
+                  <a:srgbClr val="FF0000"/>
+                </a:solidFill>
+              </a:rPr>
+              <a:t>4</a:t>
+            </a:r>
+          </a:p>
+        </p:txBody>
+      </p:sp>
+      <p:sp>
+        <p:nvSpPr>
+          <p:cNvPr id="52" name="TextBox 51">
+            <a:extLst>
+              <a:ext uri="{FF2B5EF4-FFF2-40B4-BE49-F238E27FC236}">
+                <a16:creationId xmlns:a16="http://schemas.microsoft.com/office/drawing/2014/main" id="{5D0D2FB2-2D58-4E3B-BE6D-896D55F7A09F}"/>
+              </a:ext>
+            </a:extLst>
+          </p:cNvPr>
+          <p:cNvSpPr txBox="1"/>
+          <p:nvPr/>
+        </p:nvSpPr>
+        <p:spPr>
+          <a:xfrm>
+            <a:off x="3850793" y="4821415"/>
+            <a:ext cx="573241" cy="369332"/>
+          </a:xfrm>
+          <a:prstGeom prst="rect">
+            <a:avLst/>
+          </a:prstGeom>
+          <a:noFill/>
+        </p:spPr>
+        <p:txBody>
+          <a:bodyPr wrap="square" rtlCol="0">
+            <a:spAutoFit/>
+          </a:bodyPr>
+          <a:lstStyle/>
+          <a:p>
+            <a:r>
+              <a:rPr lang="en-US" b="1" dirty="0">
+                <a:solidFill>
+                  <a:srgbClr val="FF0000"/>
+                </a:solidFill>
+              </a:rPr>
+              <a:t>5</a:t>
+            </a:r>
+          </a:p>
+        </p:txBody>
+      </p:sp>
+      <p:sp>
+        <p:nvSpPr>
+          <p:cNvPr id="53" name="TextBox 52">
+            <a:extLst>
+              <a:ext uri="{FF2B5EF4-FFF2-40B4-BE49-F238E27FC236}">
+                <a16:creationId xmlns:a16="http://schemas.microsoft.com/office/drawing/2014/main" id="{BB7773DD-ACC2-423C-8ED2-56A7497190D5}"/>
+              </a:ext>
+            </a:extLst>
+          </p:cNvPr>
+          <p:cNvSpPr txBox="1"/>
+          <p:nvPr/>
+        </p:nvSpPr>
+        <p:spPr>
+          <a:xfrm>
+            <a:off x="4763530" y="6209463"/>
+            <a:ext cx="573241" cy="369332"/>
+          </a:xfrm>
+          <a:prstGeom prst="rect">
+            <a:avLst/>
+          </a:prstGeom>
+          <a:noFill/>
+        </p:spPr>
+        <p:txBody>
+          <a:bodyPr wrap="square" rtlCol="0">
+            <a:spAutoFit/>
+          </a:bodyPr>
+          <a:lstStyle/>
+          <a:p>
+            <a:r>
+              <a:rPr lang="en-US" b="1" dirty="0">
+                <a:solidFill>
+                  <a:srgbClr val="FF0000"/>
+                </a:solidFill>
+              </a:rPr>
+              <a:t>6</a:t>
+            </a:r>
+          </a:p>
+        </p:txBody>
+      </p:sp>
+      <p:sp>
+        <p:nvSpPr>
+          <p:cNvPr id="54" name="TextBox 53">
+            <a:extLst>
+              <a:ext uri="{FF2B5EF4-FFF2-40B4-BE49-F238E27FC236}">
+                <a16:creationId xmlns:a16="http://schemas.microsoft.com/office/drawing/2014/main" id="{9EEB98FB-F0F9-44B7-AB95-AEFC1FD9E9DC}"/>
+              </a:ext>
+            </a:extLst>
+          </p:cNvPr>
+          <p:cNvSpPr txBox="1"/>
+          <p:nvPr/>
+        </p:nvSpPr>
+        <p:spPr>
+          <a:xfrm>
+            <a:off x="6458766" y="5631790"/>
+            <a:ext cx="573241" cy="369332"/>
+          </a:xfrm>
+          <a:prstGeom prst="rect">
+            <a:avLst/>
+          </a:prstGeom>
+          <a:noFill/>
+        </p:spPr>
+        <p:txBody>
+          <a:bodyPr wrap="square" rtlCol="0">
+            <a:spAutoFit/>
+          </a:bodyPr>
+          <a:lstStyle/>
+          <a:p>
+            <a:r>
+              <a:rPr lang="en-US" b="1" dirty="0">
+                <a:solidFill>
+                  <a:srgbClr val="FF0000"/>
+                </a:solidFill>
+              </a:rPr>
+              <a:t>7</a:t>
+            </a:r>
+          </a:p>
+        </p:txBody>
+      </p:sp>
+      <p:sp>
+        <p:nvSpPr>
+          <p:cNvPr id="55" name="TextBox 54">
+            <a:extLst>
+              <a:ext uri="{FF2B5EF4-FFF2-40B4-BE49-F238E27FC236}">
+                <a16:creationId xmlns:a16="http://schemas.microsoft.com/office/drawing/2014/main" id="{7597D9FD-347A-4AEA-94B8-C736E74693E7}"/>
+              </a:ext>
+            </a:extLst>
+          </p:cNvPr>
+          <p:cNvSpPr txBox="1"/>
+          <p:nvPr/>
+        </p:nvSpPr>
+        <p:spPr>
+          <a:xfrm>
+            <a:off x="7095106" y="3549242"/>
+            <a:ext cx="573241" cy="369332"/>
+          </a:xfrm>
+          <a:prstGeom prst="rect">
+            <a:avLst/>
+          </a:prstGeom>
+          <a:noFill/>
+        </p:spPr>
+        <p:txBody>
+          <a:bodyPr wrap="square" rtlCol="0">
+            <a:spAutoFit/>
+          </a:bodyPr>
+          <a:lstStyle/>
+          <a:p>
+            <a:r>
+              <a:rPr lang="en-US" b="1" dirty="0">
+                <a:solidFill>
+                  <a:srgbClr val="FF0000"/>
+                </a:solidFill>
+              </a:rPr>
+              <a:t>8</a:t>
+            </a:r>
+          </a:p>
+        </p:txBody>
+      </p:sp>
+      <p:sp>
+        <p:nvSpPr>
+          <p:cNvPr id="56" name="TextBox 55">
+            <a:extLst>
+              <a:ext uri="{FF2B5EF4-FFF2-40B4-BE49-F238E27FC236}">
+                <a16:creationId xmlns:a16="http://schemas.microsoft.com/office/drawing/2014/main" id="{31C808EF-4808-49DF-AC0A-55EC6EE8F920}"/>
+              </a:ext>
+            </a:extLst>
+          </p:cNvPr>
+          <p:cNvSpPr txBox="1"/>
+          <p:nvPr/>
+        </p:nvSpPr>
+        <p:spPr>
+          <a:xfrm>
+            <a:off x="8485138" y="3064325"/>
+            <a:ext cx="573241" cy="369332"/>
+          </a:xfrm>
+          <a:prstGeom prst="rect">
+            <a:avLst/>
+          </a:prstGeom>
+          <a:noFill/>
+        </p:spPr>
+        <p:txBody>
+          <a:bodyPr wrap="square" rtlCol="0">
+            <a:spAutoFit/>
+          </a:bodyPr>
+          <a:lstStyle/>
+          <a:p>
+            <a:r>
+              <a:rPr lang="en-US" b="1" dirty="0">
+                <a:solidFill>
+                  <a:srgbClr val="FF0000"/>
+                </a:solidFill>
+              </a:rPr>
+              <a:t>9</a:t>
+            </a:r>
+          </a:p>
+        </p:txBody>
+      </p:sp>
+      <p:sp>
+        <p:nvSpPr>
+          <p:cNvPr id="57" name="TextBox 56">
+            <a:extLst>
+              <a:ext uri="{FF2B5EF4-FFF2-40B4-BE49-F238E27FC236}">
+                <a16:creationId xmlns:a16="http://schemas.microsoft.com/office/drawing/2014/main" id="{832F08EA-1C86-4EB7-9035-748DF39EACC4}"/>
+              </a:ext>
+            </a:extLst>
+          </p:cNvPr>
+          <p:cNvSpPr txBox="1"/>
+          <p:nvPr/>
+        </p:nvSpPr>
+        <p:spPr>
+          <a:xfrm>
+            <a:off x="8974425" y="1718755"/>
+            <a:ext cx="573241" cy="369332"/>
+          </a:xfrm>
+          <a:prstGeom prst="rect">
+            <a:avLst/>
+          </a:prstGeom>
+          <a:noFill/>
+        </p:spPr>
+        <p:txBody>
+          <a:bodyPr wrap="square" rtlCol="0">
+            <a:spAutoFit/>
+          </a:bodyPr>
+          <a:lstStyle/>
+          <a:p>
+            <a:r>
+              <a:rPr lang="en-US" b="1" dirty="0">
+                <a:solidFill>
+                  <a:srgbClr val="FF0000"/>
+                </a:solidFill>
+              </a:rPr>
+              <a:t>10</a:t>
+            </a:r>
+          </a:p>
+        </p:txBody>
+      </p:sp>
+      <p:sp>
+        <p:nvSpPr>
+          <p:cNvPr id="58" name="TextBox 57">
+            <a:extLst>
+              <a:ext uri="{FF2B5EF4-FFF2-40B4-BE49-F238E27FC236}">
+                <a16:creationId xmlns:a16="http://schemas.microsoft.com/office/drawing/2014/main" id="{D58E369A-C701-4134-B077-8D6714203D0C}"/>
+              </a:ext>
+            </a:extLst>
+          </p:cNvPr>
+          <p:cNvSpPr txBox="1"/>
+          <p:nvPr/>
+        </p:nvSpPr>
+        <p:spPr>
+          <a:xfrm>
+            <a:off x="9687217" y="463889"/>
+            <a:ext cx="573241" cy="369332"/>
+          </a:xfrm>
+          <a:prstGeom prst="rect">
+            <a:avLst/>
+          </a:prstGeom>
+          <a:noFill/>
+        </p:spPr>
+        <p:txBody>
+          <a:bodyPr wrap="square" rtlCol="0">
+            <a:spAutoFit/>
+          </a:bodyPr>
+          <a:lstStyle/>
+          <a:p>
+            <a:r>
+              <a:rPr lang="en-US" b="1" dirty="0">
+                <a:solidFill>
+                  <a:srgbClr val="FF0000"/>
+                </a:solidFill>
+              </a:rPr>
+              <a:t>11</a:t>
+            </a:r>
+          </a:p>
+        </p:txBody>
+      </p:sp>
+      <p:sp>
+        <p:nvSpPr>
+          <p:cNvPr id="59" name="TextBox 58">
+            <a:extLst>
+              <a:ext uri="{FF2B5EF4-FFF2-40B4-BE49-F238E27FC236}">
+                <a16:creationId xmlns:a16="http://schemas.microsoft.com/office/drawing/2014/main" id="{417B9EB3-F88A-427E-B702-D08F1A2F775D}"/>
+              </a:ext>
+            </a:extLst>
+          </p:cNvPr>
+          <p:cNvSpPr txBox="1"/>
+          <p:nvPr/>
+        </p:nvSpPr>
+        <p:spPr>
+          <a:xfrm>
+            <a:off x="3319381" y="1296486"/>
+            <a:ext cx="573241" cy="369332"/>
+          </a:xfrm>
+          <a:prstGeom prst="rect">
+            <a:avLst/>
+          </a:prstGeom>
+          <a:noFill/>
+        </p:spPr>
+        <p:txBody>
+          <a:bodyPr wrap="square" rtlCol="0">
+            <a:spAutoFit/>
+          </a:bodyPr>
+          <a:lstStyle/>
+          <a:p>
+            <a:r>
+              <a:rPr lang="en-US" b="1" dirty="0">
+                <a:solidFill>
+                  <a:srgbClr val="7030A0"/>
+                </a:solidFill>
+              </a:rPr>
+              <a:t>4</a:t>
+            </a:r>
+          </a:p>
+        </p:txBody>
+      </p:sp>
+      <p:sp>
+        <p:nvSpPr>
+          <p:cNvPr id="60" name="TextBox 59">
+            <a:extLst>
+              <a:ext uri="{FF2B5EF4-FFF2-40B4-BE49-F238E27FC236}">
+                <a16:creationId xmlns:a16="http://schemas.microsoft.com/office/drawing/2014/main" id="{587AC5B0-1A7A-4732-A5E0-68DD1ED89815}"/>
+              </a:ext>
+            </a:extLst>
+          </p:cNvPr>
+          <p:cNvSpPr txBox="1"/>
+          <p:nvPr/>
+        </p:nvSpPr>
+        <p:spPr>
+          <a:xfrm>
+            <a:off x="4849653" y="1608624"/>
+            <a:ext cx="573241" cy="369332"/>
+          </a:xfrm>
+          <a:prstGeom prst="rect">
+            <a:avLst/>
+          </a:prstGeom>
+          <a:noFill/>
+        </p:spPr>
+        <p:txBody>
+          <a:bodyPr wrap="square" rtlCol="0">
+            <a:spAutoFit/>
+          </a:bodyPr>
+          <a:lstStyle/>
+          <a:p>
+            <a:r>
+              <a:rPr lang="en-US" b="1" dirty="0">
+                <a:solidFill>
+                  <a:srgbClr val="7030A0"/>
+                </a:solidFill>
+              </a:rPr>
+              <a:t>5</a:t>
+            </a:r>
+          </a:p>
+        </p:txBody>
+      </p:sp>
+      <p:sp>
+        <p:nvSpPr>
+          <p:cNvPr id="61" name="TextBox 60">
+            <a:extLst>
+              <a:ext uri="{FF2B5EF4-FFF2-40B4-BE49-F238E27FC236}">
+                <a16:creationId xmlns:a16="http://schemas.microsoft.com/office/drawing/2014/main" id="{52D12B92-BA33-4956-85CD-2459E70AEAAB}"/>
+              </a:ext>
+            </a:extLst>
+          </p:cNvPr>
+          <p:cNvSpPr txBox="1"/>
+          <p:nvPr/>
+        </p:nvSpPr>
+        <p:spPr>
+          <a:xfrm>
+            <a:off x="6927822" y="2088087"/>
+            <a:ext cx="573241" cy="369332"/>
+          </a:xfrm>
+          <a:prstGeom prst="rect">
+            <a:avLst/>
+          </a:prstGeom>
+          <a:noFill/>
+        </p:spPr>
+        <p:txBody>
+          <a:bodyPr wrap="square" rtlCol="0">
+            <a:spAutoFit/>
+          </a:bodyPr>
+          <a:lstStyle/>
+          <a:p>
+            <a:r>
+              <a:rPr lang="en-US" b="1" dirty="0">
+                <a:solidFill>
+                  <a:srgbClr val="7030A0"/>
+                </a:solidFill>
+              </a:rPr>
+              <a:t>2</a:t>
+            </a:r>
+          </a:p>
+        </p:txBody>
+      </p:sp>
+      <p:sp>
+        <p:nvSpPr>
+          <p:cNvPr id="62" name="TextBox 61">
+            <a:extLst>
+              <a:ext uri="{FF2B5EF4-FFF2-40B4-BE49-F238E27FC236}">
+                <a16:creationId xmlns:a16="http://schemas.microsoft.com/office/drawing/2014/main" id="{420C291C-F10C-4C01-843B-C263F3E57A79}"/>
+              </a:ext>
+            </a:extLst>
+          </p:cNvPr>
+          <p:cNvSpPr txBox="1"/>
+          <p:nvPr/>
+        </p:nvSpPr>
+        <p:spPr>
+          <a:xfrm>
+            <a:off x="4552509" y="3064325"/>
+            <a:ext cx="573241" cy="369332"/>
+          </a:xfrm>
+          <a:prstGeom prst="rect">
+            <a:avLst/>
+          </a:prstGeom>
+          <a:noFill/>
+        </p:spPr>
+        <p:txBody>
+          <a:bodyPr wrap="square" rtlCol="0">
+            <a:spAutoFit/>
+          </a:bodyPr>
+          <a:lstStyle/>
+          <a:p>
+            <a:r>
+              <a:rPr lang="en-US" b="1" dirty="0">
+                <a:solidFill>
+                  <a:srgbClr val="7030A0"/>
+                </a:solidFill>
+              </a:rPr>
+              <a:t>1</a:t>
+            </a:r>
+          </a:p>
+        </p:txBody>
+      </p:sp>
+      <p:sp>
+        <p:nvSpPr>
+          <p:cNvPr id="63" name="TextBox 62">
+            <a:extLst>
+              <a:ext uri="{FF2B5EF4-FFF2-40B4-BE49-F238E27FC236}">
+                <a16:creationId xmlns:a16="http://schemas.microsoft.com/office/drawing/2014/main" id="{DA0527FF-940F-4700-9E2E-0A1F46324E48}"/>
+              </a:ext>
+            </a:extLst>
+          </p:cNvPr>
+          <p:cNvSpPr txBox="1"/>
+          <p:nvPr/>
+        </p:nvSpPr>
+        <p:spPr>
+          <a:xfrm>
+            <a:off x="6399887" y="4772883"/>
+            <a:ext cx="573241" cy="369332"/>
+          </a:xfrm>
+          <a:prstGeom prst="rect">
+            <a:avLst/>
+          </a:prstGeom>
+          <a:noFill/>
+        </p:spPr>
+        <p:txBody>
+          <a:bodyPr wrap="square" rtlCol="0">
+            <a:spAutoFit/>
+          </a:bodyPr>
+          <a:lstStyle/>
+          <a:p>
+            <a:r>
+              <a:rPr lang="en-US" b="1" dirty="0">
+                <a:solidFill>
+                  <a:srgbClr val="7030A0"/>
+                </a:solidFill>
+              </a:rPr>
+              <a:t>3</a:t>
+            </a:r>
+          </a:p>
+        </p:txBody>
+      </p:sp>
+      <p:sp>
+        <p:nvSpPr>
+          <p:cNvPr id="65" name="TextBox 64">
+            <a:extLst>
+              <a:ext uri="{FF2B5EF4-FFF2-40B4-BE49-F238E27FC236}">
+                <a16:creationId xmlns:a16="http://schemas.microsoft.com/office/drawing/2014/main" id="{E13CD4CD-8219-472E-8183-93DCF5B71BD9}"/>
+              </a:ext>
+            </a:extLst>
+          </p:cNvPr>
+          <p:cNvSpPr txBox="1"/>
+          <p:nvPr/>
+        </p:nvSpPr>
+        <p:spPr>
+          <a:xfrm>
+            <a:off x="4320481" y="4271648"/>
+            <a:ext cx="573241" cy="369332"/>
+          </a:xfrm>
+          <a:prstGeom prst="rect">
+            <a:avLst/>
+          </a:prstGeom>
+          <a:noFill/>
+        </p:spPr>
+        <p:txBody>
+          <a:bodyPr wrap="square" rtlCol="0">
+            <a:spAutoFit/>
+          </a:bodyPr>
+          <a:lstStyle/>
+          <a:p>
+            <a:r>
+              <a:rPr lang="en-US" b="1" dirty="0">
+                <a:solidFill>
+                  <a:srgbClr val="7030A0"/>
+                </a:solidFill>
+              </a:rPr>
+              <a:t>6</a:t>
+            </a:r>
+          </a:p>
+        </p:txBody>
+      </p:sp>
+      <p:sp>
+        <p:nvSpPr>
+          <p:cNvPr id="66" name="TextBox 65">
+            <a:extLst>
+              <a:ext uri="{FF2B5EF4-FFF2-40B4-BE49-F238E27FC236}">
+                <a16:creationId xmlns:a16="http://schemas.microsoft.com/office/drawing/2014/main" id="{76792D48-B488-48F3-88BC-A85AB0250156}"/>
+              </a:ext>
+            </a:extLst>
+          </p:cNvPr>
+          <p:cNvSpPr txBox="1"/>
+          <p:nvPr/>
+        </p:nvSpPr>
+        <p:spPr>
+          <a:xfrm>
+            <a:off x="4063376" y="5628911"/>
+            <a:ext cx="573241" cy="369332"/>
+          </a:xfrm>
+          <a:prstGeom prst="rect">
+            <a:avLst/>
+          </a:prstGeom>
+          <a:noFill/>
+        </p:spPr>
+        <p:txBody>
+          <a:bodyPr wrap="square" rtlCol="0">
+            <a:spAutoFit/>
+          </a:bodyPr>
+          <a:lstStyle/>
+          <a:p>
+            <a:r>
+              <a:rPr lang="en-US" b="1" dirty="0">
+                <a:solidFill>
+                  <a:srgbClr val="7030A0"/>
+                </a:solidFill>
+              </a:rPr>
+              <a:t>7</a:t>
+            </a:r>
+          </a:p>
+        </p:txBody>
+      </p:sp>
+      <p:sp>
+        <p:nvSpPr>
+          <p:cNvPr id="67" name="TextBox 66">
+            <a:extLst>
+              <a:ext uri="{FF2B5EF4-FFF2-40B4-BE49-F238E27FC236}">
+                <a16:creationId xmlns:a16="http://schemas.microsoft.com/office/drawing/2014/main" id="{E0D3FB1D-3CD4-4A93-9C6F-212E244D064E}"/>
+              </a:ext>
+            </a:extLst>
+          </p:cNvPr>
+          <p:cNvSpPr txBox="1"/>
+          <p:nvPr/>
+        </p:nvSpPr>
+        <p:spPr>
+          <a:xfrm>
+            <a:off x="5919629" y="6260335"/>
+            <a:ext cx="573241" cy="369332"/>
+          </a:xfrm>
+          <a:prstGeom prst="rect">
+            <a:avLst/>
+          </a:prstGeom>
+          <a:noFill/>
+        </p:spPr>
+        <p:txBody>
+          <a:bodyPr wrap="square" rtlCol="0">
+            <a:spAutoFit/>
+          </a:bodyPr>
+          <a:lstStyle/>
+          <a:p>
+            <a:r>
+              <a:rPr lang="en-US" b="1" dirty="0">
+                <a:solidFill>
+                  <a:srgbClr val="7030A0"/>
+                </a:solidFill>
+              </a:rPr>
+              <a:t>8</a:t>
+            </a:r>
+          </a:p>
+        </p:txBody>
+      </p:sp>
+      <p:sp>
+        <p:nvSpPr>
+          <p:cNvPr id="68" name="TextBox 67">
+            <a:extLst>
+              <a:ext uri="{FF2B5EF4-FFF2-40B4-BE49-F238E27FC236}">
+                <a16:creationId xmlns:a16="http://schemas.microsoft.com/office/drawing/2014/main" id="{4E05D2C9-FC23-4DEB-9C25-090F511E5950}"/>
+              </a:ext>
+            </a:extLst>
+          </p:cNvPr>
+          <p:cNvSpPr txBox="1"/>
+          <p:nvPr/>
+        </p:nvSpPr>
+        <p:spPr>
+          <a:xfrm>
+            <a:off x="7960703" y="3685910"/>
+            <a:ext cx="573241" cy="369332"/>
+          </a:xfrm>
+          <a:prstGeom prst="rect">
+            <a:avLst/>
+          </a:prstGeom>
+          <a:noFill/>
+        </p:spPr>
+        <p:txBody>
+          <a:bodyPr wrap="square" rtlCol="0">
+            <a:spAutoFit/>
+          </a:bodyPr>
+          <a:lstStyle/>
+          <a:p>
+            <a:r>
+              <a:rPr lang="en-US" b="1" dirty="0">
+                <a:solidFill>
+                  <a:srgbClr val="7030A0"/>
+                </a:solidFill>
+              </a:rPr>
+              <a:t>9</a:t>
+            </a:r>
+          </a:p>
+        </p:txBody>
+      </p:sp>
+      <p:sp>
+        <p:nvSpPr>
+          <p:cNvPr id="69" name="TextBox 68">
+            <a:extLst>
+              <a:ext uri="{FF2B5EF4-FFF2-40B4-BE49-F238E27FC236}">
+                <a16:creationId xmlns:a16="http://schemas.microsoft.com/office/drawing/2014/main" id="{DCFA9742-5860-4516-806D-2A924DB9EE65}"/>
+              </a:ext>
+            </a:extLst>
+          </p:cNvPr>
+          <p:cNvSpPr txBox="1"/>
+          <p:nvPr/>
+        </p:nvSpPr>
+        <p:spPr>
+          <a:xfrm>
+            <a:off x="9146254" y="2521615"/>
+            <a:ext cx="573241" cy="369332"/>
+          </a:xfrm>
+          <a:prstGeom prst="rect">
+            <a:avLst/>
+          </a:prstGeom>
+          <a:noFill/>
+        </p:spPr>
+        <p:txBody>
+          <a:bodyPr wrap="square" rtlCol="0">
+            <a:spAutoFit/>
+          </a:bodyPr>
+          <a:lstStyle/>
+          <a:p>
+            <a:r>
+              <a:rPr lang="en-US" b="1" dirty="0">
+                <a:solidFill>
+                  <a:srgbClr val="7030A0"/>
+                </a:solidFill>
+              </a:rPr>
+              <a:t>10</a:t>
+            </a:r>
+          </a:p>
+        </p:txBody>
+      </p:sp>
+      <p:sp>
+        <p:nvSpPr>
+          <p:cNvPr id="70" name="TextBox 69">
+            <a:extLst>
+              <a:ext uri="{FF2B5EF4-FFF2-40B4-BE49-F238E27FC236}">
+                <a16:creationId xmlns:a16="http://schemas.microsoft.com/office/drawing/2014/main" id="{5C36E05A-9F83-4EAF-8297-FE3EF98DAF7F}"/>
+              </a:ext>
+            </a:extLst>
+          </p:cNvPr>
+          <p:cNvSpPr txBox="1"/>
+          <p:nvPr/>
+        </p:nvSpPr>
+        <p:spPr>
+          <a:xfrm>
+            <a:off x="9690191" y="1216891"/>
+            <a:ext cx="573241" cy="369332"/>
+          </a:xfrm>
+          <a:prstGeom prst="rect">
+            <a:avLst/>
+          </a:prstGeom>
+          <a:noFill/>
+        </p:spPr>
+        <p:txBody>
+          <a:bodyPr wrap="square" rtlCol="0">
+            <a:spAutoFit/>
+          </a:bodyPr>
+          <a:lstStyle/>
+          <a:p>
+            <a:r>
+              <a:rPr lang="en-US" b="1" dirty="0">
+                <a:solidFill>
+                  <a:srgbClr val="7030A0"/>
+                </a:solidFill>
+              </a:rPr>
+              <a:t>11</a:t>
+            </a:r>
+          </a:p>
+        </p:txBody>
+      </p:sp>
+    </p:spTree>
+    <p:extLst>
+      <p:ext uri="{BB962C8B-B14F-4D97-AF65-F5344CB8AC3E}">
+        <p14:creationId xmlns:p14="http://schemas.microsoft.com/office/powerpoint/2010/main" val="316385290"/>
+      </p:ext>
+    </p:extLst>
+  </p:cSld>
+  <p:clrMapOvr>
+    <a:masterClrMapping/>
+  </p:clrMapOvr>
+</p:sld>
+</file>
+
+<file path=ppt/slides/slide4.xml><?xml version="1.0" encoding="utf-8"?>
+<p:sld xmlns:a="http://schemas.openxmlformats.org/drawingml/2006/main" xmlns:r="http://schemas.openxmlformats.org/officeDocument/2006/relationships" xmlns:p="http://schemas.openxmlformats.org/presentationml/2006/main">
+  <p:cSld>
+    <p:spTree>
+      <p:nvGrpSpPr>
+        <p:cNvPr id="1" name=""/>
+        <p:cNvGrpSpPr/>
+        <p:nvPr/>
+      </p:nvGrpSpPr>
+      <p:grpSpPr>
+        <a:xfrm>
+          <a:off x="0" y="0"/>
+          <a:ext cx="0" cy="0"/>
+          <a:chOff x="0" y="0"/>
+          <a:chExt cx="0" cy="0"/>
+        </a:xfrm>
+      </p:grpSpPr>
+      <p:sp>
+        <p:nvSpPr>
+          <p:cNvPr id="2" name="Rectangle 1">
+            <a:extLst>
+              <a:ext uri="{FF2B5EF4-FFF2-40B4-BE49-F238E27FC236}">
+                <a16:creationId xmlns:a16="http://schemas.microsoft.com/office/drawing/2014/main" id="{11F65175-003D-4BA1-9662-C0FD4B2BDFA8}"/>
+              </a:ext>
+            </a:extLst>
+          </p:cNvPr>
+          <p:cNvSpPr/>
+          <p:nvPr/>
+        </p:nvSpPr>
+        <p:spPr>
+          <a:xfrm>
+            <a:off x="1655855" y="474607"/>
+            <a:ext cx="1780854" cy="4524315"/>
+          </a:xfrm>
+          <a:prstGeom prst="rect">
+            <a:avLst/>
+          </a:prstGeom>
+        </p:spPr>
+        <p:txBody>
+          <a:bodyPr wrap="square">
+            <a:spAutoFit/>
+          </a:bodyPr>
+          <a:lstStyle/>
+          <a:p>
+            <a:r>
+              <a:rPr lang="en-US" sz="2400" dirty="0"/>
+              <a:t>10 11</a:t>
+            </a:r>
+          </a:p>
+          <a:p>
+            <a:r>
+              <a:rPr lang="en-US" sz="2400" dirty="0"/>
+              <a:t>1 2</a:t>
+            </a:r>
+          </a:p>
+          <a:p>
+            <a:r>
+              <a:rPr lang="en-US" sz="2400" dirty="0"/>
+              <a:t>3 1</a:t>
+            </a:r>
+          </a:p>
+          <a:p>
+            <a:r>
+              <a:rPr lang="en-US" sz="2400" dirty="0"/>
+              <a:t>3 4</a:t>
+            </a:r>
+          </a:p>
+          <a:p>
+            <a:r>
+              <a:rPr lang="en-US" sz="2400" dirty="0"/>
+              <a:t>5 4</a:t>
+            </a:r>
+          </a:p>
+          <a:p>
+            <a:r>
+              <a:rPr lang="en-US" sz="2400" dirty="0"/>
+              <a:t>3 5</a:t>
+            </a:r>
+          </a:p>
+          <a:p>
+            <a:r>
+              <a:rPr lang="en-US" sz="2400" dirty="0"/>
+              <a:t>4 6</a:t>
+            </a:r>
+          </a:p>
+          <a:p>
+            <a:r>
+              <a:rPr lang="en-US" sz="2400" dirty="0"/>
+              <a:t>5 2</a:t>
+            </a:r>
+          </a:p>
+          <a:p>
+            <a:r>
+              <a:rPr lang="en-US" sz="2400" dirty="0"/>
+              <a:t>2 1</a:t>
+            </a:r>
+          </a:p>
+          <a:p>
+            <a:r>
+              <a:rPr lang="en-US" sz="2400" dirty="0"/>
+              <a:t>7 1</a:t>
+            </a:r>
+          </a:p>
+          <a:p>
+            <a:r>
+              <a:rPr lang="en-US" sz="2400" dirty="0"/>
+              <a:t>9 10</a:t>
+            </a:r>
+          </a:p>
+          <a:p>
+            <a:r>
+              <a:rPr lang="en-US" sz="2400" dirty="0"/>
+              <a:t>8 9</a:t>
+            </a:r>
+          </a:p>
+        </p:txBody>
+      </p:sp>
+      <p:sp>
+        <p:nvSpPr>
+          <p:cNvPr id="32" name="Oval 31">
+            <a:extLst>
+              <a:ext uri="{FF2B5EF4-FFF2-40B4-BE49-F238E27FC236}">
+                <a16:creationId xmlns:a16="http://schemas.microsoft.com/office/drawing/2014/main" id="{8CFCCA12-BC6A-4E72-8FDA-C9C80690CB00}"/>
+              </a:ext>
+            </a:extLst>
+          </p:cNvPr>
+          <p:cNvSpPr/>
+          <p:nvPr/>
+        </p:nvSpPr>
+        <p:spPr>
+          <a:xfrm>
+            <a:off x="4162749" y="592047"/>
+            <a:ext cx="657546" cy="647272"/>
+          </a:xfrm>
+          <a:prstGeom prst="ellipse">
+            <a:avLst/>
+          </a:prstGeom>
+          <a:solidFill>
+            <a:schemeClr val="bg1"/>
+          </a:solidFill>
+          <a:ln w="28575"/>
+        </p:spPr>
+        <p:style>
+          <a:lnRef idx="2">
+            <a:schemeClr val="accent1">
+              <a:shade val="50000"/>
+            </a:schemeClr>
+          </a:lnRef>
+          <a:fillRef idx="1">
+            <a:schemeClr val="accent1"/>
+          </a:fillRef>
+          <a:effectRef idx="0">
+            <a:schemeClr val="accent1"/>
+          </a:effectRef>
+          <a:fontRef idx="minor">
+            <a:schemeClr val="lt1"/>
+          </a:fontRef>
+        </p:style>
+        <p:txBody>
+          <a:bodyPr rtlCol="0" anchor="ctr"/>
+          <a:lstStyle/>
+          <a:p>
+            <a:pPr algn="ctr"/>
+            <a:endParaRPr lang="en-US"/>
+          </a:p>
+        </p:txBody>
+      </p:sp>
+      <p:sp>
+        <p:nvSpPr>
+          <p:cNvPr id="37" name="TextBox 36">
+            <a:extLst>
+              <a:ext uri="{FF2B5EF4-FFF2-40B4-BE49-F238E27FC236}">
+                <a16:creationId xmlns:a16="http://schemas.microsoft.com/office/drawing/2014/main" id="{584BA91B-3B9C-411C-B8BE-B67558D86450}"/>
+              </a:ext>
+            </a:extLst>
+          </p:cNvPr>
+          <p:cNvSpPr txBox="1"/>
+          <p:nvPr/>
+        </p:nvSpPr>
+        <p:spPr>
+          <a:xfrm>
+            <a:off x="4354932" y="753865"/>
+            <a:ext cx="573241" cy="369332"/>
+          </a:xfrm>
+          <a:prstGeom prst="rect">
+            <a:avLst/>
+          </a:prstGeom>
+          <a:noFill/>
+        </p:spPr>
+        <p:txBody>
+          <a:bodyPr wrap="square" rtlCol="0">
+            <a:spAutoFit/>
+          </a:bodyPr>
+          <a:lstStyle/>
+          <a:p>
+            <a:r>
+              <a:rPr lang="en-US" b="1" dirty="0">
+                <a:solidFill>
+                  <a:srgbClr val="FF0000"/>
+                </a:solidFill>
+              </a:rPr>
+              <a:t>1</a:t>
+            </a:r>
+          </a:p>
+        </p:txBody>
+      </p:sp>
+      <p:sp>
+        <p:nvSpPr>
+          <p:cNvPr id="38" name="Oval 37">
+            <a:extLst>
+              <a:ext uri="{FF2B5EF4-FFF2-40B4-BE49-F238E27FC236}">
+                <a16:creationId xmlns:a16="http://schemas.microsoft.com/office/drawing/2014/main" id="{A9E6FE30-D632-4274-A1B9-54770038074A}"/>
+              </a:ext>
+            </a:extLst>
+          </p:cNvPr>
+          <p:cNvSpPr/>
+          <p:nvPr/>
+        </p:nvSpPr>
+        <p:spPr>
+          <a:xfrm>
+            <a:off x="4162749" y="1736452"/>
+            <a:ext cx="657546" cy="647272"/>
+          </a:xfrm>
+          <a:prstGeom prst="ellipse">
+            <a:avLst/>
+          </a:prstGeom>
+          <a:solidFill>
+            <a:schemeClr val="bg1"/>
+          </a:solidFill>
+          <a:ln w="28575"/>
+        </p:spPr>
+        <p:style>
+          <a:lnRef idx="2">
+            <a:schemeClr val="accent1">
+              <a:shade val="50000"/>
+            </a:schemeClr>
+          </a:lnRef>
+          <a:fillRef idx="1">
+            <a:schemeClr val="accent1"/>
+          </a:fillRef>
+          <a:effectRef idx="0">
+            <a:schemeClr val="accent1"/>
+          </a:effectRef>
+          <a:fontRef idx="minor">
+            <a:schemeClr val="lt1"/>
+          </a:fontRef>
+        </p:style>
+        <p:txBody>
+          <a:bodyPr rtlCol="0" anchor="ctr"/>
+          <a:lstStyle/>
+          <a:p>
+            <a:pPr algn="ctr"/>
+            <a:endParaRPr lang="en-US"/>
+          </a:p>
+        </p:txBody>
+      </p:sp>
+      <p:sp>
+        <p:nvSpPr>
+          <p:cNvPr id="39" name="TextBox 38">
+            <a:extLst>
+              <a:ext uri="{FF2B5EF4-FFF2-40B4-BE49-F238E27FC236}">
+                <a16:creationId xmlns:a16="http://schemas.microsoft.com/office/drawing/2014/main" id="{207757C9-57CA-457D-BD58-AD59F6408D79}"/>
+              </a:ext>
+            </a:extLst>
+          </p:cNvPr>
+          <p:cNvSpPr txBox="1"/>
+          <p:nvPr/>
+        </p:nvSpPr>
+        <p:spPr>
+          <a:xfrm>
+            <a:off x="4354932" y="1898270"/>
+            <a:ext cx="573241" cy="369332"/>
+          </a:xfrm>
+          <a:prstGeom prst="rect">
+            <a:avLst/>
+          </a:prstGeom>
+          <a:noFill/>
+        </p:spPr>
+        <p:txBody>
+          <a:bodyPr wrap="square" rtlCol="0">
+            <a:spAutoFit/>
+          </a:bodyPr>
+          <a:lstStyle/>
+          <a:p>
+            <a:r>
+              <a:rPr lang="en-US" b="1" dirty="0">
+                <a:solidFill>
+                  <a:srgbClr val="FF0000"/>
+                </a:solidFill>
+              </a:rPr>
+              <a:t>2</a:t>
+            </a:r>
+          </a:p>
+        </p:txBody>
+      </p:sp>
+      <p:sp>
+        <p:nvSpPr>
+          <p:cNvPr id="40" name="Oval 39">
+            <a:extLst>
+              <a:ext uri="{FF2B5EF4-FFF2-40B4-BE49-F238E27FC236}">
+                <a16:creationId xmlns:a16="http://schemas.microsoft.com/office/drawing/2014/main" id="{2EECB9E8-3A0E-4D9D-AAE9-F8AFE7A3C25A}"/>
+              </a:ext>
+            </a:extLst>
+          </p:cNvPr>
+          <p:cNvSpPr/>
+          <p:nvPr/>
+        </p:nvSpPr>
+        <p:spPr>
+          <a:xfrm>
+            <a:off x="5585719" y="1736452"/>
+            <a:ext cx="657546" cy="647272"/>
+          </a:xfrm>
+          <a:prstGeom prst="ellipse">
+            <a:avLst/>
+          </a:prstGeom>
+          <a:solidFill>
+            <a:schemeClr val="bg1"/>
+          </a:solidFill>
+          <a:ln w="28575"/>
+        </p:spPr>
+        <p:style>
+          <a:lnRef idx="2">
+            <a:schemeClr val="accent1">
+              <a:shade val="50000"/>
+            </a:schemeClr>
+          </a:lnRef>
+          <a:fillRef idx="1">
+            <a:schemeClr val="accent1"/>
+          </a:fillRef>
+          <a:effectRef idx="0">
+            <a:schemeClr val="accent1"/>
+          </a:effectRef>
+          <a:fontRef idx="minor">
+            <a:schemeClr val="lt1"/>
+          </a:fontRef>
+        </p:style>
+        <p:txBody>
+          <a:bodyPr rtlCol="0" anchor="ctr"/>
+          <a:lstStyle/>
+          <a:p>
+            <a:pPr algn="ctr"/>
+            <a:endParaRPr lang="en-US"/>
+          </a:p>
+        </p:txBody>
+      </p:sp>
+      <p:sp>
+        <p:nvSpPr>
+          <p:cNvPr id="41" name="TextBox 40">
+            <a:extLst>
+              <a:ext uri="{FF2B5EF4-FFF2-40B4-BE49-F238E27FC236}">
+                <a16:creationId xmlns:a16="http://schemas.microsoft.com/office/drawing/2014/main" id="{63B0418E-A20F-4CB6-A4A4-C39EE350A9F6}"/>
+              </a:ext>
+            </a:extLst>
+          </p:cNvPr>
+          <p:cNvSpPr txBox="1"/>
+          <p:nvPr/>
+        </p:nvSpPr>
+        <p:spPr>
+          <a:xfrm>
+            <a:off x="5777902" y="1898270"/>
+            <a:ext cx="573241" cy="369332"/>
+          </a:xfrm>
+          <a:prstGeom prst="rect">
+            <a:avLst/>
+          </a:prstGeom>
+          <a:noFill/>
+        </p:spPr>
+        <p:txBody>
+          <a:bodyPr wrap="square" rtlCol="0">
+            <a:spAutoFit/>
+          </a:bodyPr>
+          <a:lstStyle/>
+          <a:p>
+            <a:r>
+              <a:rPr lang="en-US" b="1" dirty="0">
+                <a:solidFill>
+                  <a:srgbClr val="FF0000"/>
+                </a:solidFill>
+              </a:rPr>
+              <a:t>3</a:t>
+            </a:r>
+          </a:p>
+        </p:txBody>
+      </p:sp>
+      <p:sp>
+        <p:nvSpPr>
+          <p:cNvPr id="42" name="Oval 41">
+            <a:extLst>
+              <a:ext uri="{FF2B5EF4-FFF2-40B4-BE49-F238E27FC236}">
+                <a16:creationId xmlns:a16="http://schemas.microsoft.com/office/drawing/2014/main" id="{4F5F53CB-4088-4482-9821-63C866DB8E60}"/>
+              </a:ext>
+            </a:extLst>
+          </p:cNvPr>
+          <p:cNvSpPr/>
+          <p:nvPr/>
+        </p:nvSpPr>
+        <p:spPr>
+          <a:xfrm>
+            <a:off x="2847657" y="1764288"/>
+            <a:ext cx="657546" cy="647272"/>
+          </a:xfrm>
+          <a:prstGeom prst="ellipse">
+            <a:avLst/>
+          </a:prstGeom>
+          <a:solidFill>
+            <a:schemeClr val="bg1"/>
+          </a:solidFill>
+          <a:ln w="28575"/>
+        </p:spPr>
+        <p:style>
+          <a:lnRef idx="2">
+            <a:schemeClr val="accent1">
+              <a:shade val="50000"/>
+            </a:schemeClr>
+          </a:lnRef>
+          <a:fillRef idx="1">
+            <a:schemeClr val="accent1"/>
+          </a:fillRef>
+          <a:effectRef idx="0">
+            <a:schemeClr val="accent1"/>
+          </a:effectRef>
+          <a:fontRef idx="minor">
+            <a:schemeClr val="lt1"/>
+          </a:fontRef>
+        </p:style>
+        <p:txBody>
+          <a:bodyPr rtlCol="0" anchor="ctr"/>
+          <a:lstStyle/>
+          <a:p>
+            <a:pPr algn="ctr"/>
+            <a:endParaRPr lang="en-US"/>
+          </a:p>
+        </p:txBody>
+      </p:sp>
+      <p:sp>
+        <p:nvSpPr>
+          <p:cNvPr id="43" name="TextBox 42">
+            <a:extLst>
+              <a:ext uri="{FF2B5EF4-FFF2-40B4-BE49-F238E27FC236}">
+                <a16:creationId xmlns:a16="http://schemas.microsoft.com/office/drawing/2014/main" id="{66D2A0E2-3EDF-4643-81BE-F95DE236FB6C}"/>
+              </a:ext>
+            </a:extLst>
+          </p:cNvPr>
+          <p:cNvSpPr txBox="1"/>
+          <p:nvPr/>
+        </p:nvSpPr>
+        <p:spPr>
+          <a:xfrm>
+            <a:off x="3042866" y="1898270"/>
+            <a:ext cx="573241" cy="369332"/>
+          </a:xfrm>
+          <a:prstGeom prst="rect">
+            <a:avLst/>
+          </a:prstGeom>
+          <a:noFill/>
+        </p:spPr>
+        <p:txBody>
+          <a:bodyPr wrap="square" rtlCol="0">
+            <a:spAutoFit/>
+          </a:bodyPr>
+          <a:lstStyle/>
+          <a:p>
+            <a:r>
+              <a:rPr lang="en-US" b="1" dirty="0">
+                <a:solidFill>
+                  <a:srgbClr val="FF0000"/>
+                </a:solidFill>
+              </a:rPr>
+              <a:t>7</a:t>
+            </a:r>
+          </a:p>
+        </p:txBody>
+      </p:sp>
+      <p:sp>
+        <p:nvSpPr>
+          <p:cNvPr id="44" name="Oval 43">
+            <a:extLst>
+              <a:ext uri="{FF2B5EF4-FFF2-40B4-BE49-F238E27FC236}">
+                <a16:creationId xmlns:a16="http://schemas.microsoft.com/office/drawing/2014/main" id="{EF4ADBBC-0D6B-4656-94E5-37B9F34EE8AE}"/>
+              </a:ext>
+            </a:extLst>
+          </p:cNvPr>
+          <p:cNvSpPr/>
+          <p:nvPr/>
+        </p:nvSpPr>
+        <p:spPr>
+          <a:xfrm>
+            <a:off x="5585719" y="2880857"/>
+            <a:ext cx="657546" cy="647272"/>
+          </a:xfrm>
+          <a:prstGeom prst="ellipse">
+            <a:avLst/>
+          </a:prstGeom>
+          <a:solidFill>
+            <a:schemeClr val="bg1"/>
+          </a:solidFill>
+          <a:ln w="28575"/>
+        </p:spPr>
+        <p:style>
+          <a:lnRef idx="2">
+            <a:schemeClr val="accent1">
+              <a:shade val="50000"/>
+            </a:schemeClr>
+          </a:lnRef>
+          <a:fillRef idx="1">
+            <a:schemeClr val="accent1"/>
+          </a:fillRef>
+          <a:effectRef idx="0">
+            <a:schemeClr val="accent1"/>
+          </a:effectRef>
+          <a:fontRef idx="minor">
+            <a:schemeClr val="lt1"/>
+          </a:fontRef>
+        </p:style>
+        <p:txBody>
+          <a:bodyPr rtlCol="0" anchor="ctr"/>
+          <a:lstStyle/>
+          <a:p>
+            <a:pPr algn="ctr"/>
+            <a:endParaRPr lang="en-US"/>
+          </a:p>
+        </p:txBody>
+      </p:sp>
+      <p:sp>
+        <p:nvSpPr>
+          <p:cNvPr id="45" name="TextBox 44">
+            <a:extLst>
+              <a:ext uri="{FF2B5EF4-FFF2-40B4-BE49-F238E27FC236}">
+                <a16:creationId xmlns:a16="http://schemas.microsoft.com/office/drawing/2014/main" id="{B42C8DA0-C6E8-46B3-BE7D-0713B2214034}"/>
+              </a:ext>
+            </a:extLst>
+          </p:cNvPr>
+          <p:cNvSpPr txBox="1"/>
+          <p:nvPr/>
+        </p:nvSpPr>
+        <p:spPr>
+          <a:xfrm>
+            <a:off x="5777902" y="3042675"/>
+            <a:ext cx="573241" cy="369332"/>
+          </a:xfrm>
+          <a:prstGeom prst="rect">
+            <a:avLst/>
+          </a:prstGeom>
+          <a:noFill/>
+        </p:spPr>
+        <p:txBody>
+          <a:bodyPr wrap="square" rtlCol="0">
+            <a:spAutoFit/>
+          </a:bodyPr>
+          <a:lstStyle/>
+          <a:p>
+            <a:r>
+              <a:rPr lang="en-US" b="1" dirty="0">
+                <a:solidFill>
+                  <a:srgbClr val="FF0000"/>
+                </a:solidFill>
+              </a:rPr>
+              <a:t>4</a:t>
+            </a:r>
+          </a:p>
+        </p:txBody>
+      </p:sp>
+      <p:sp>
+        <p:nvSpPr>
+          <p:cNvPr id="46" name="Oval 45">
+            <a:extLst>
+              <a:ext uri="{FF2B5EF4-FFF2-40B4-BE49-F238E27FC236}">
+                <a16:creationId xmlns:a16="http://schemas.microsoft.com/office/drawing/2014/main" id="{A63DCEDE-05BF-47B6-9880-1E831C0FF6CF}"/>
+              </a:ext>
+            </a:extLst>
+          </p:cNvPr>
+          <p:cNvSpPr/>
+          <p:nvPr/>
+        </p:nvSpPr>
+        <p:spPr>
+          <a:xfrm>
+            <a:off x="4162749" y="2880857"/>
+            <a:ext cx="657546" cy="647272"/>
+          </a:xfrm>
+          <a:prstGeom prst="ellipse">
+            <a:avLst/>
+          </a:prstGeom>
+          <a:solidFill>
+            <a:schemeClr val="bg1"/>
+          </a:solidFill>
+          <a:ln w="28575"/>
+        </p:spPr>
+        <p:style>
+          <a:lnRef idx="2">
+            <a:schemeClr val="accent1">
+              <a:shade val="50000"/>
+            </a:schemeClr>
+          </a:lnRef>
+          <a:fillRef idx="1">
+            <a:schemeClr val="accent1"/>
+          </a:fillRef>
+          <a:effectRef idx="0">
+            <a:schemeClr val="accent1"/>
+          </a:effectRef>
+          <a:fontRef idx="minor">
+            <a:schemeClr val="lt1"/>
+          </a:fontRef>
+        </p:style>
+        <p:txBody>
+          <a:bodyPr rtlCol="0" anchor="ctr"/>
+          <a:lstStyle/>
+          <a:p>
+            <a:pPr algn="ctr"/>
+            <a:endParaRPr lang="en-US" dirty="0"/>
+          </a:p>
+        </p:txBody>
+      </p:sp>
+      <p:sp>
+        <p:nvSpPr>
+          <p:cNvPr id="47" name="TextBox 46">
+            <a:extLst>
+              <a:ext uri="{FF2B5EF4-FFF2-40B4-BE49-F238E27FC236}">
+                <a16:creationId xmlns:a16="http://schemas.microsoft.com/office/drawing/2014/main" id="{203F73B7-8E63-4846-BE3B-363EDA1C6EA6}"/>
+              </a:ext>
+            </a:extLst>
+          </p:cNvPr>
+          <p:cNvSpPr txBox="1"/>
+          <p:nvPr/>
+        </p:nvSpPr>
+        <p:spPr>
+          <a:xfrm>
+            <a:off x="4354932" y="3019827"/>
+            <a:ext cx="573241" cy="369332"/>
+          </a:xfrm>
+          <a:prstGeom prst="rect">
+            <a:avLst/>
+          </a:prstGeom>
+          <a:noFill/>
+        </p:spPr>
+        <p:txBody>
+          <a:bodyPr wrap="square" rtlCol="0">
+            <a:spAutoFit/>
+          </a:bodyPr>
+          <a:lstStyle/>
+          <a:p>
+            <a:r>
+              <a:rPr lang="en-US" b="1" dirty="0">
+                <a:solidFill>
+                  <a:srgbClr val="FF0000"/>
+                </a:solidFill>
+              </a:rPr>
+              <a:t>5</a:t>
+            </a:r>
+          </a:p>
+        </p:txBody>
+      </p:sp>
+      <p:sp>
+        <p:nvSpPr>
+          <p:cNvPr id="48" name="Oval 47">
+            <a:extLst>
+              <a:ext uri="{FF2B5EF4-FFF2-40B4-BE49-F238E27FC236}">
+                <a16:creationId xmlns:a16="http://schemas.microsoft.com/office/drawing/2014/main" id="{0454C09A-712E-41BE-B709-259142776981}"/>
+              </a:ext>
+            </a:extLst>
+          </p:cNvPr>
+          <p:cNvSpPr/>
+          <p:nvPr/>
+        </p:nvSpPr>
+        <p:spPr>
+          <a:xfrm>
+            <a:off x="5585719" y="4074963"/>
+            <a:ext cx="657546" cy="647272"/>
+          </a:xfrm>
+          <a:prstGeom prst="ellipse">
+            <a:avLst/>
+          </a:prstGeom>
+          <a:solidFill>
+            <a:schemeClr val="bg1"/>
+          </a:solidFill>
+          <a:ln w="28575"/>
+        </p:spPr>
+        <p:style>
+          <a:lnRef idx="2">
+            <a:schemeClr val="accent1">
+              <a:shade val="50000"/>
+            </a:schemeClr>
+          </a:lnRef>
+          <a:fillRef idx="1">
+            <a:schemeClr val="accent1"/>
+          </a:fillRef>
+          <a:effectRef idx="0">
+            <a:schemeClr val="accent1"/>
+          </a:effectRef>
+          <a:fontRef idx="minor">
+            <a:schemeClr val="lt1"/>
+          </a:fontRef>
+        </p:style>
+        <p:txBody>
+          <a:bodyPr rtlCol="0" anchor="ctr"/>
+          <a:lstStyle/>
+          <a:p>
+            <a:pPr algn="ctr"/>
+            <a:endParaRPr lang="en-US"/>
+          </a:p>
+        </p:txBody>
+      </p:sp>
+      <p:sp>
+        <p:nvSpPr>
+          <p:cNvPr id="49" name="TextBox 48">
+            <a:extLst>
+              <a:ext uri="{FF2B5EF4-FFF2-40B4-BE49-F238E27FC236}">
+                <a16:creationId xmlns:a16="http://schemas.microsoft.com/office/drawing/2014/main" id="{5EF57720-6EC2-4D66-81DE-E304BE51CB26}"/>
+              </a:ext>
+            </a:extLst>
+          </p:cNvPr>
+          <p:cNvSpPr txBox="1"/>
+          <p:nvPr/>
+        </p:nvSpPr>
+        <p:spPr>
+          <a:xfrm>
+            <a:off x="5777902" y="4236781"/>
+            <a:ext cx="573241" cy="369332"/>
+          </a:xfrm>
+          <a:prstGeom prst="rect">
+            <a:avLst/>
+          </a:prstGeom>
+          <a:noFill/>
+        </p:spPr>
+        <p:txBody>
+          <a:bodyPr wrap="square" rtlCol="0">
+            <a:spAutoFit/>
+          </a:bodyPr>
+          <a:lstStyle/>
+          <a:p>
+            <a:r>
+              <a:rPr lang="en-US" b="1" dirty="0">
+                <a:solidFill>
+                  <a:srgbClr val="FF0000"/>
+                </a:solidFill>
+              </a:rPr>
+              <a:t>6</a:t>
+            </a:r>
+          </a:p>
+        </p:txBody>
+      </p:sp>
+      <p:sp>
+        <p:nvSpPr>
+          <p:cNvPr id="52" name="Oval 51">
+            <a:extLst>
+              <a:ext uri="{FF2B5EF4-FFF2-40B4-BE49-F238E27FC236}">
+                <a16:creationId xmlns:a16="http://schemas.microsoft.com/office/drawing/2014/main" id="{04D09323-5635-47CD-8B7A-EC8DDEE9E7C1}"/>
+              </a:ext>
+            </a:extLst>
+          </p:cNvPr>
+          <p:cNvSpPr/>
+          <p:nvPr/>
+        </p:nvSpPr>
+        <p:spPr>
+          <a:xfrm>
+            <a:off x="7371707" y="1736452"/>
+            <a:ext cx="657546" cy="647272"/>
+          </a:xfrm>
+          <a:prstGeom prst="ellipse">
+            <a:avLst/>
+          </a:prstGeom>
+          <a:solidFill>
+            <a:schemeClr val="bg1"/>
+          </a:solidFill>
+          <a:ln w="28575"/>
+        </p:spPr>
+        <p:style>
+          <a:lnRef idx="2">
+            <a:schemeClr val="accent1">
+              <a:shade val="50000"/>
+            </a:schemeClr>
+          </a:lnRef>
+          <a:fillRef idx="1">
+            <a:schemeClr val="accent1"/>
+          </a:fillRef>
+          <a:effectRef idx="0">
+            <a:schemeClr val="accent1"/>
+          </a:effectRef>
+          <a:fontRef idx="minor">
+            <a:schemeClr val="lt1"/>
+          </a:fontRef>
+        </p:style>
+        <p:txBody>
+          <a:bodyPr rtlCol="0" anchor="ctr"/>
+          <a:lstStyle/>
+          <a:p>
+            <a:pPr algn="ctr"/>
+            <a:endParaRPr lang="en-US"/>
+          </a:p>
+        </p:txBody>
+      </p:sp>
+      <p:sp>
+        <p:nvSpPr>
+          <p:cNvPr id="53" name="TextBox 52">
+            <a:extLst>
+              <a:ext uri="{FF2B5EF4-FFF2-40B4-BE49-F238E27FC236}">
+                <a16:creationId xmlns:a16="http://schemas.microsoft.com/office/drawing/2014/main" id="{8FAE91A5-6F47-41B3-BD5F-54C47EEA33AA}"/>
+              </a:ext>
+            </a:extLst>
+          </p:cNvPr>
+          <p:cNvSpPr txBox="1"/>
+          <p:nvPr/>
+        </p:nvSpPr>
+        <p:spPr>
+          <a:xfrm>
+            <a:off x="7563890" y="1898270"/>
+            <a:ext cx="573241" cy="369332"/>
+          </a:xfrm>
+          <a:prstGeom prst="rect">
+            <a:avLst/>
+          </a:prstGeom>
+          <a:noFill/>
+        </p:spPr>
+        <p:txBody>
+          <a:bodyPr wrap="square" rtlCol="0">
+            <a:spAutoFit/>
+          </a:bodyPr>
+          <a:lstStyle/>
+          <a:p>
+            <a:r>
+              <a:rPr lang="en-US" b="1" dirty="0">
+                <a:solidFill>
+                  <a:srgbClr val="FF0000"/>
+                </a:solidFill>
+              </a:rPr>
+              <a:t>8</a:t>
+            </a:r>
+          </a:p>
+        </p:txBody>
+      </p:sp>
+      <p:sp>
+        <p:nvSpPr>
+          <p:cNvPr id="54" name="Oval 53">
+            <a:extLst>
+              <a:ext uri="{FF2B5EF4-FFF2-40B4-BE49-F238E27FC236}">
+                <a16:creationId xmlns:a16="http://schemas.microsoft.com/office/drawing/2014/main" id="{8F915967-3A29-494B-996E-E2ADFABD64B4}"/>
+              </a:ext>
+            </a:extLst>
+          </p:cNvPr>
+          <p:cNvSpPr/>
+          <p:nvPr/>
+        </p:nvSpPr>
+        <p:spPr>
+          <a:xfrm>
+            <a:off x="8794677" y="1736452"/>
+            <a:ext cx="657546" cy="647272"/>
+          </a:xfrm>
+          <a:prstGeom prst="ellipse">
+            <a:avLst/>
+          </a:prstGeom>
+          <a:solidFill>
+            <a:schemeClr val="bg1"/>
+          </a:solidFill>
+          <a:ln w="28575"/>
+        </p:spPr>
+        <p:style>
+          <a:lnRef idx="2">
+            <a:schemeClr val="accent1">
+              <a:shade val="50000"/>
+            </a:schemeClr>
+          </a:lnRef>
+          <a:fillRef idx="1">
+            <a:schemeClr val="accent1"/>
+          </a:fillRef>
+          <a:effectRef idx="0">
+            <a:schemeClr val="accent1"/>
+          </a:effectRef>
+          <a:fontRef idx="minor">
+            <a:schemeClr val="lt1"/>
+          </a:fontRef>
+        </p:style>
+        <p:txBody>
+          <a:bodyPr rtlCol="0" anchor="ctr"/>
+          <a:lstStyle/>
+          <a:p>
+            <a:pPr algn="ctr"/>
+            <a:endParaRPr lang="en-US"/>
+          </a:p>
+        </p:txBody>
+      </p:sp>
+      <p:sp>
+        <p:nvSpPr>
+          <p:cNvPr id="55" name="TextBox 54">
+            <a:extLst>
+              <a:ext uri="{FF2B5EF4-FFF2-40B4-BE49-F238E27FC236}">
+                <a16:creationId xmlns:a16="http://schemas.microsoft.com/office/drawing/2014/main" id="{4C2B8F03-DF29-468B-A7B6-66F4663D95D9}"/>
+              </a:ext>
+            </a:extLst>
+          </p:cNvPr>
+          <p:cNvSpPr txBox="1"/>
+          <p:nvPr/>
+        </p:nvSpPr>
+        <p:spPr>
+          <a:xfrm>
+            <a:off x="8916050" y="1898270"/>
+            <a:ext cx="573241" cy="369332"/>
+          </a:xfrm>
+          <a:prstGeom prst="rect">
+            <a:avLst/>
+          </a:prstGeom>
+          <a:noFill/>
+        </p:spPr>
+        <p:txBody>
+          <a:bodyPr wrap="square" rtlCol="0">
+            <a:spAutoFit/>
+          </a:bodyPr>
+          <a:lstStyle/>
+          <a:p>
+            <a:r>
+              <a:rPr lang="en-US" b="1" dirty="0">
+                <a:solidFill>
+                  <a:srgbClr val="FF0000"/>
+                </a:solidFill>
+              </a:rPr>
+              <a:t>10</a:t>
+            </a:r>
+          </a:p>
+        </p:txBody>
+      </p:sp>
+      <p:sp>
+        <p:nvSpPr>
+          <p:cNvPr id="56" name="Oval 55">
+            <a:extLst>
+              <a:ext uri="{FF2B5EF4-FFF2-40B4-BE49-F238E27FC236}">
+                <a16:creationId xmlns:a16="http://schemas.microsoft.com/office/drawing/2014/main" id="{FF62F8EC-A055-44E2-9E24-DDFECC49063F}"/>
+              </a:ext>
+            </a:extLst>
+          </p:cNvPr>
+          <p:cNvSpPr/>
+          <p:nvPr/>
+        </p:nvSpPr>
+        <p:spPr>
+          <a:xfrm>
+            <a:off x="8137131" y="592047"/>
+            <a:ext cx="657546" cy="647272"/>
+          </a:xfrm>
+          <a:prstGeom prst="ellipse">
+            <a:avLst/>
+          </a:prstGeom>
+          <a:solidFill>
+            <a:schemeClr val="bg1"/>
+          </a:solidFill>
+          <a:ln w="28575"/>
+        </p:spPr>
+        <p:style>
+          <a:lnRef idx="2">
+            <a:schemeClr val="accent1">
+              <a:shade val="50000"/>
+            </a:schemeClr>
+          </a:lnRef>
+          <a:fillRef idx="1">
+            <a:schemeClr val="accent1"/>
+          </a:fillRef>
+          <a:effectRef idx="0">
+            <a:schemeClr val="accent1"/>
+          </a:effectRef>
+          <a:fontRef idx="minor">
+            <a:schemeClr val="lt1"/>
+          </a:fontRef>
+        </p:style>
+        <p:txBody>
+          <a:bodyPr rtlCol="0" anchor="ctr"/>
+          <a:lstStyle/>
+          <a:p>
+            <a:pPr algn="ctr"/>
+            <a:endParaRPr lang="en-US"/>
+          </a:p>
+        </p:txBody>
+      </p:sp>
+      <p:sp>
+        <p:nvSpPr>
+          <p:cNvPr id="57" name="TextBox 56">
+            <a:extLst>
+              <a:ext uri="{FF2B5EF4-FFF2-40B4-BE49-F238E27FC236}">
+                <a16:creationId xmlns:a16="http://schemas.microsoft.com/office/drawing/2014/main" id="{21A82DB8-7992-4219-90B0-699DC70818C2}"/>
+              </a:ext>
+            </a:extLst>
+          </p:cNvPr>
+          <p:cNvSpPr txBox="1"/>
+          <p:nvPr/>
+        </p:nvSpPr>
+        <p:spPr>
+          <a:xfrm>
+            <a:off x="8329314" y="753865"/>
+            <a:ext cx="573241" cy="369332"/>
+          </a:xfrm>
+          <a:prstGeom prst="rect">
+            <a:avLst/>
+          </a:prstGeom>
+          <a:noFill/>
+        </p:spPr>
+        <p:txBody>
+          <a:bodyPr wrap="square" rtlCol="0">
+            <a:spAutoFit/>
+          </a:bodyPr>
+          <a:lstStyle/>
+          <a:p>
+            <a:r>
+              <a:rPr lang="en-US" b="1" dirty="0">
+                <a:solidFill>
+                  <a:srgbClr val="FF0000"/>
+                </a:solidFill>
+              </a:rPr>
+              <a:t>9</a:t>
+            </a:r>
+          </a:p>
+        </p:txBody>
+      </p:sp>
+      <p:cxnSp>
+        <p:nvCxnSpPr>
+          <p:cNvPr id="74" name="Straight Connector 73">
+            <a:extLst>
+              <a:ext uri="{FF2B5EF4-FFF2-40B4-BE49-F238E27FC236}">
+                <a16:creationId xmlns:a16="http://schemas.microsoft.com/office/drawing/2014/main" id="{7BAC4EB0-2856-40F0-80F2-034FB2F32485}"/>
+              </a:ext>
+            </a:extLst>
+          </p:cNvPr>
+          <p:cNvCxnSpPr>
+            <a:cxnSpLocks/>
+            <a:stCxn id="32" idx="3"/>
+            <a:endCxn id="42" idx="7"/>
+          </p:cNvCxnSpPr>
+          <p:nvPr/>
+        </p:nvCxnSpPr>
+        <p:spPr>
+          <a:xfrm flipH="1">
+            <a:off x="3408908" y="1144528"/>
+            <a:ext cx="850136" cy="714551"/>
+          </a:xfrm>
+          <a:prstGeom prst="line">
+            <a:avLst/>
+          </a:prstGeom>
+          <a:ln w="28575"/>
+        </p:spPr>
+        <p:style>
+          <a:lnRef idx="1">
+            <a:schemeClr val="accent1"/>
+          </a:lnRef>
+          <a:fillRef idx="0">
+            <a:schemeClr val="accent1"/>
+          </a:fillRef>
+          <a:effectRef idx="0">
+            <a:schemeClr val="accent1"/>
+          </a:effectRef>
+          <a:fontRef idx="minor">
+            <a:schemeClr val="tx1"/>
+          </a:fontRef>
+        </p:style>
+      </p:cxnSp>
+      <p:cxnSp>
+        <p:nvCxnSpPr>
+          <p:cNvPr id="75" name="Straight Connector 74">
+            <a:extLst>
+              <a:ext uri="{FF2B5EF4-FFF2-40B4-BE49-F238E27FC236}">
+                <a16:creationId xmlns:a16="http://schemas.microsoft.com/office/drawing/2014/main" id="{C55D2C47-628F-4132-B5BC-353F826EF121}"/>
+              </a:ext>
+            </a:extLst>
+          </p:cNvPr>
+          <p:cNvCxnSpPr>
+            <a:cxnSpLocks/>
+            <a:stCxn id="32" idx="5"/>
+            <a:endCxn id="40" idx="1"/>
+          </p:cNvCxnSpPr>
+          <p:nvPr/>
+        </p:nvCxnSpPr>
+        <p:spPr>
+          <a:xfrm>
+            <a:off x="4724000" y="1144528"/>
+            <a:ext cx="958014" cy="686715"/>
+          </a:xfrm>
+          <a:prstGeom prst="line">
+            <a:avLst/>
+          </a:prstGeom>
+          <a:ln w="28575"/>
+        </p:spPr>
+        <p:style>
+          <a:lnRef idx="1">
+            <a:schemeClr val="accent1"/>
+          </a:lnRef>
+          <a:fillRef idx="0">
+            <a:schemeClr val="accent1"/>
+          </a:fillRef>
+          <a:effectRef idx="0">
+            <a:schemeClr val="accent1"/>
+          </a:effectRef>
+          <a:fontRef idx="minor">
+            <a:schemeClr val="tx1"/>
+          </a:fontRef>
+        </p:style>
+      </p:cxnSp>
+      <p:cxnSp>
+        <p:nvCxnSpPr>
+          <p:cNvPr id="76" name="Straight Connector 75">
+            <a:extLst>
+              <a:ext uri="{FF2B5EF4-FFF2-40B4-BE49-F238E27FC236}">
+                <a16:creationId xmlns:a16="http://schemas.microsoft.com/office/drawing/2014/main" id="{8EC8519B-9BEF-40E0-B062-EDF45EE26532}"/>
+              </a:ext>
+            </a:extLst>
+          </p:cNvPr>
+          <p:cNvCxnSpPr>
+            <a:cxnSpLocks/>
+            <a:stCxn id="32" idx="4"/>
+            <a:endCxn id="38" idx="0"/>
+          </p:cNvCxnSpPr>
+          <p:nvPr/>
+        </p:nvCxnSpPr>
+        <p:spPr>
+          <a:xfrm>
+            <a:off x="4491522" y="1239319"/>
+            <a:ext cx="0" cy="497133"/>
+          </a:xfrm>
+          <a:prstGeom prst="line">
+            <a:avLst/>
+          </a:prstGeom>
+          <a:ln w="28575"/>
+        </p:spPr>
+        <p:style>
+          <a:lnRef idx="1">
+            <a:schemeClr val="accent1"/>
+          </a:lnRef>
+          <a:fillRef idx="0">
+            <a:schemeClr val="accent1"/>
+          </a:fillRef>
+          <a:effectRef idx="0">
+            <a:schemeClr val="accent1"/>
+          </a:effectRef>
+          <a:fontRef idx="minor">
+            <a:schemeClr val="tx1"/>
+          </a:fontRef>
+        </p:style>
+      </p:cxnSp>
+      <p:cxnSp>
+        <p:nvCxnSpPr>
+          <p:cNvPr id="77" name="Straight Connector 76">
+            <a:extLst>
+              <a:ext uri="{FF2B5EF4-FFF2-40B4-BE49-F238E27FC236}">
+                <a16:creationId xmlns:a16="http://schemas.microsoft.com/office/drawing/2014/main" id="{457C588F-50A0-4544-9E20-FB7B7F68F5A2}"/>
+              </a:ext>
+            </a:extLst>
+          </p:cNvPr>
+          <p:cNvCxnSpPr>
+            <a:cxnSpLocks/>
+            <a:stCxn id="38" idx="4"/>
+            <a:endCxn id="46" idx="0"/>
+          </p:cNvCxnSpPr>
+          <p:nvPr/>
+        </p:nvCxnSpPr>
+        <p:spPr>
+          <a:xfrm>
+            <a:off x="4491522" y="2383724"/>
+            <a:ext cx="0" cy="497133"/>
+          </a:xfrm>
+          <a:prstGeom prst="line">
+            <a:avLst/>
+          </a:prstGeom>
+          <a:ln w="28575"/>
+        </p:spPr>
+        <p:style>
+          <a:lnRef idx="1">
+            <a:schemeClr val="accent1"/>
+          </a:lnRef>
+          <a:fillRef idx="0">
+            <a:schemeClr val="accent1"/>
+          </a:fillRef>
+          <a:effectRef idx="0">
+            <a:schemeClr val="accent1"/>
+          </a:effectRef>
+          <a:fontRef idx="minor">
+            <a:schemeClr val="tx1"/>
+          </a:fontRef>
+        </p:style>
+      </p:cxnSp>
+      <p:cxnSp>
+        <p:nvCxnSpPr>
+          <p:cNvPr id="78" name="Straight Connector 77">
+            <a:extLst>
+              <a:ext uri="{FF2B5EF4-FFF2-40B4-BE49-F238E27FC236}">
+                <a16:creationId xmlns:a16="http://schemas.microsoft.com/office/drawing/2014/main" id="{077D11F5-57B5-4A21-A914-F1622DB7F290}"/>
+              </a:ext>
+            </a:extLst>
+          </p:cNvPr>
+          <p:cNvCxnSpPr>
+            <a:cxnSpLocks/>
+            <a:stCxn id="40" idx="3"/>
+            <a:endCxn id="46" idx="7"/>
+          </p:cNvCxnSpPr>
+          <p:nvPr/>
+        </p:nvCxnSpPr>
+        <p:spPr>
+          <a:xfrm flipH="1">
+            <a:off x="4724000" y="2288933"/>
+            <a:ext cx="958014" cy="686715"/>
+          </a:xfrm>
+          <a:prstGeom prst="line">
+            <a:avLst/>
+          </a:prstGeom>
+          <a:ln w="28575"/>
+        </p:spPr>
+        <p:style>
+          <a:lnRef idx="1">
+            <a:schemeClr val="accent1"/>
+          </a:lnRef>
+          <a:fillRef idx="0">
+            <a:schemeClr val="accent1"/>
+          </a:fillRef>
+          <a:effectRef idx="0">
+            <a:schemeClr val="accent1"/>
+          </a:effectRef>
+          <a:fontRef idx="minor">
+            <a:schemeClr val="tx1"/>
+          </a:fontRef>
+        </p:style>
+      </p:cxnSp>
+      <p:cxnSp>
+        <p:nvCxnSpPr>
+          <p:cNvPr id="79" name="Straight Connector 78">
+            <a:extLst>
+              <a:ext uri="{FF2B5EF4-FFF2-40B4-BE49-F238E27FC236}">
+                <a16:creationId xmlns:a16="http://schemas.microsoft.com/office/drawing/2014/main" id="{679D4EFE-C420-405C-89E6-335CC6B7391B}"/>
+              </a:ext>
+            </a:extLst>
+          </p:cNvPr>
+          <p:cNvCxnSpPr>
+            <a:cxnSpLocks/>
+            <a:stCxn id="40" idx="4"/>
+            <a:endCxn id="44" idx="0"/>
+          </p:cNvCxnSpPr>
+          <p:nvPr/>
+        </p:nvCxnSpPr>
+        <p:spPr>
+          <a:xfrm>
+            <a:off x="5914492" y="2383724"/>
+            <a:ext cx="0" cy="497133"/>
+          </a:xfrm>
+          <a:prstGeom prst="line">
+            <a:avLst/>
+          </a:prstGeom>
+          <a:ln w="28575"/>
+        </p:spPr>
+        <p:style>
+          <a:lnRef idx="1">
+            <a:schemeClr val="accent1"/>
+          </a:lnRef>
+          <a:fillRef idx="0">
+            <a:schemeClr val="accent1"/>
+          </a:fillRef>
+          <a:effectRef idx="0">
+            <a:schemeClr val="accent1"/>
+          </a:effectRef>
+          <a:fontRef idx="minor">
+            <a:schemeClr val="tx1"/>
+          </a:fontRef>
+        </p:style>
+      </p:cxnSp>
+      <p:cxnSp>
+        <p:nvCxnSpPr>
+          <p:cNvPr id="80" name="Straight Connector 79">
+            <a:extLst>
+              <a:ext uri="{FF2B5EF4-FFF2-40B4-BE49-F238E27FC236}">
+                <a16:creationId xmlns:a16="http://schemas.microsoft.com/office/drawing/2014/main" id="{310B0678-4416-4720-9568-6F1B5B1CB74C}"/>
+              </a:ext>
+            </a:extLst>
+          </p:cNvPr>
+          <p:cNvCxnSpPr>
+            <a:cxnSpLocks/>
+            <a:stCxn id="44" idx="2"/>
+            <a:endCxn id="46" idx="6"/>
+          </p:cNvCxnSpPr>
+          <p:nvPr/>
+        </p:nvCxnSpPr>
+        <p:spPr>
+          <a:xfrm flipH="1">
+            <a:off x="4820295" y="3204493"/>
+            <a:ext cx="765424" cy="0"/>
+          </a:xfrm>
+          <a:prstGeom prst="line">
+            <a:avLst/>
+          </a:prstGeom>
+          <a:ln w="28575"/>
+        </p:spPr>
+        <p:style>
+          <a:lnRef idx="1">
+            <a:schemeClr val="accent1"/>
+          </a:lnRef>
+          <a:fillRef idx="0">
+            <a:schemeClr val="accent1"/>
+          </a:fillRef>
+          <a:effectRef idx="0">
+            <a:schemeClr val="accent1"/>
+          </a:effectRef>
+          <a:fontRef idx="minor">
+            <a:schemeClr val="tx1"/>
+          </a:fontRef>
+        </p:style>
+      </p:cxnSp>
+      <p:cxnSp>
+        <p:nvCxnSpPr>
+          <p:cNvPr id="81" name="Straight Connector 80">
+            <a:extLst>
+              <a:ext uri="{FF2B5EF4-FFF2-40B4-BE49-F238E27FC236}">
+                <a16:creationId xmlns:a16="http://schemas.microsoft.com/office/drawing/2014/main" id="{F6B8D117-1922-49F5-BCEE-C0C63127297C}"/>
+              </a:ext>
+            </a:extLst>
+          </p:cNvPr>
+          <p:cNvCxnSpPr>
+            <a:cxnSpLocks/>
+            <a:stCxn id="48" idx="0"/>
+            <a:endCxn id="44" idx="4"/>
+          </p:cNvCxnSpPr>
+          <p:nvPr/>
+        </p:nvCxnSpPr>
+        <p:spPr>
+          <a:xfrm flipV="1">
+            <a:off x="5914492" y="3528129"/>
+            <a:ext cx="0" cy="546834"/>
+          </a:xfrm>
+          <a:prstGeom prst="line">
+            <a:avLst/>
+          </a:prstGeom>
+          <a:ln w="28575"/>
+        </p:spPr>
+        <p:style>
+          <a:lnRef idx="1">
+            <a:schemeClr val="accent1"/>
+          </a:lnRef>
+          <a:fillRef idx="0">
+            <a:schemeClr val="accent1"/>
+          </a:fillRef>
+          <a:effectRef idx="0">
+            <a:schemeClr val="accent1"/>
+          </a:effectRef>
+          <a:fontRef idx="minor">
+            <a:schemeClr val="tx1"/>
+          </a:fontRef>
+        </p:style>
+      </p:cxnSp>
+      <p:cxnSp>
+        <p:nvCxnSpPr>
+          <p:cNvPr id="82" name="Straight Connector 81">
+            <a:extLst>
+              <a:ext uri="{FF2B5EF4-FFF2-40B4-BE49-F238E27FC236}">
+                <a16:creationId xmlns:a16="http://schemas.microsoft.com/office/drawing/2014/main" id="{4D338DA6-FC89-4185-82A8-197A6E1585B3}"/>
+              </a:ext>
+            </a:extLst>
+          </p:cNvPr>
+          <p:cNvCxnSpPr>
+            <a:cxnSpLocks/>
+            <a:stCxn id="56" idx="3"/>
+            <a:endCxn id="52" idx="0"/>
+          </p:cNvCxnSpPr>
+          <p:nvPr/>
+        </p:nvCxnSpPr>
+        <p:spPr>
+          <a:xfrm flipH="1">
+            <a:off x="7700480" y="1144528"/>
+            <a:ext cx="532946" cy="591924"/>
+          </a:xfrm>
+          <a:prstGeom prst="line">
+            <a:avLst/>
+          </a:prstGeom>
+          <a:ln w="28575"/>
+        </p:spPr>
+        <p:style>
+          <a:lnRef idx="1">
+            <a:schemeClr val="accent1"/>
+          </a:lnRef>
+          <a:fillRef idx="0">
+            <a:schemeClr val="accent1"/>
+          </a:fillRef>
+          <a:effectRef idx="0">
+            <a:schemeClr val="accent1"/>
+          </a:effectRef>
+          <a:fontRef idx="minor">
+            <a:schemeClr val="tx1"/>
+          </a:fontRef>
+        </p:style>
+      </p:cxnSp>
+      <p:cxnSp>
+        <p:nvCxnSpPr>
+          <p:cNvPr id="83" name="Straight Connector 82">
+            <a:extLst>
+              <a:ext uri="{FF2B5EF4-FFF2-40B4-BE49-F238E27FC236}">
+                <a16:creationId xmlns:a16="http://schemas.microsoft.com/office/drawing/2014/main" id="{AE5BF650-67C3-4F5E-8A89-8F6AE5CC45B0}"/>
+              </a:ext>
+            </a:extLst>
+          </p:cNvPr>
+          <p:cNvCxnSpPr>
+            <a:cxnSpLocks/>
+            <a:stCxn id="54" idx="0"/>
+            <a:endCxn id="56" idx="5"/>
+          </p:cNvCxnSpPr>
+          <p:nvPr/>
+        </p:nvCxnSpPr>
+        <p:spPr>
+          <a:xfrm flipH="1" flipV="1">
+            <a:off x="8698382" y="1144528"/>
+            <a:ext cx="425068" cy="591924"/>
+          </a:xfrm>
+          <a:prstGeom prst="line">
+            <a:avLst/>
+          </a:prstGeom>
+          <a:ln w="28575"/>
+        </p:spPr>
+        <p:style>
+          <a:lnRef idx="1">
+            <a:schemeClr val="accent1"/>
+          </a:lnRef>
+          <a:fillRef idx="0">
+            <a:schemeClr val="accent1"/>
+          </a:fillRef>
+          <a:effectRef idx="0">
+            <a:schemeClr val="accent1"/>
+          </a:effectRef>
+          <a:fontRef idx="minor">
+            <a:schemeClr val="tx1"/>
+          </a:fontRef>
+        </p:style>
+      </p:cxnSp>
+    </p:spTree>
+    <p:extLst>
+      <p:ext uri="{BB962C8B-B14F-4D97-AF65-F5344CB8AC3E}">
+        <p14:creationId xmlns:p14="http://schemas.microsoft.com/office/powerpoint/2010/main" val="3298118663"/>
+      </p:ext>
+    </p:extLst>
+  </p:cSld>
+  <p:clrMapOvr>
+    <a:masterClrMapping/>
+  </p:clrMapOvr>
+</p:sld>
+</file>
+
 <file path=ppt/theme/theme1.xml><?xml version="1.0" encoding="utf-8"?>
 <a:theme xmlns:a="http://schemas.openxmlformats.org/drawingml/2006/main" name="Office Theme">
   <a:themeElements>

--- a/example/Illustration.pptx
+++ b/example/Illustration.pptx
@@ -11079,8 +11079,8 @@
         </p:nvSpPr>
         <p:spPr>
           <a:xfrm>
-            <a:off x="1655855" y="474607"/>
-            <a:ext cx="1780854" cy="4524315"/>
+            <a:off x="1655854" y="474607"/>
+            <a:ext cx="8135417" cy="4524315"/>
           </a:xfrm>
           <a:prstGeom prst="rect">
             <a:avLst/>
@@ -11094,7 +11094,7 @@
           <a:p>
             <a:r>
               <a:rPr lang="en-US" sz="2400" dirty="0"/>
-              <a:t>10 11</a:t>
+              <a:t>10 11 # number of people, relationship between each</a:t>
             </a:r>
           </a:p>
           <a:p>
@@ -11179,7 +11179,7 @@
         </p:nvSpPr>
         <p:spPr>
           <a:xfrm>
-            <a:off x="4162749" y="592047"/>
+            <a:off x="4244942" y="1116029"/>
             <a:ext cx="657546" cy="647272"/>
           </a:xfrm>
           <a:prstGeom prst="ellipse">
@@ -11229,7 +11229,7 @@
         </p:nvSpPr>
         <p:spPr>
           <a:xfrm>
-            <a:off x="4354932" y="753865"/>
+            <a:off x="4437125" y="1277847"/>
             <a:ext cx="573241" cy="369332"/>
           </a:xfrm>
           <a:prstGeom prst="rect">
@@ -11268,7 +11268,7 @@
         </p:nvSpPr>
         <p:spPr>
           <a:xfrm>
-            <a:off x="4162749" y="1736452"/>
+            <a:off x="4244942" y="2521906"/>
             <a:ext cx="657546" cy="647272"/>
           </a:xfrm>
           <a:prstGeom prst="ellipse">
@@ -11318,7 +11318,7 @@
         </p:nvSpPr>
         <p:spPr>
           <a:xfrm>
-            <a:off x="4354932" y="1898270"/>
+            <a:off x="4437125" y="2683724"/>
             <a:ext cx="573241" cy="369332"/>
           </a:xfrm>
           <a:prstGeom prst="rect">
@@ -11357,7 +11357,7 @@
         </p:nvSpPr>
         <p:spPr>
           <a:xfrm>
-            <a:off x="5585719" y="1736452"/>
+            <a:off x="5667912" y="2521906"/>
             <a:ext cx="657546" cy="647272"/>
           </a:xfrm>
           <a:prstGeom prst="ellipse">
@@ -11407,7 +11407,7 @@
         </p:nvSpPr>
         <p:spPr>
           <a:xfrm>
-            <a:off x="5777902" y="1898270"/>
+            <a:off x="5860095" y="2683724"/>
             <a:ext cx="573241" cy="369332"/>
           </a:xfrm>
           <a:prstGeom prst="rect">
@@ -11446,7 +11446,7 @@
         </p:nvSpPr>
         <p:spPr>
           <a:xfrm>
-            <a:off x="2847657" y="1764288"/>
+            <a:off x="2929850" y="2549742"/>
             <a:ext cx="657546" cy="647272"/>
           </a:xfrm>
           <a:prstGeom prst="ellipse">
@@ -11496,7 +11496,7 @@
         </p:nvSpPr>
         <p:spPr>
           <a:xfrm>
-            <a:off x="3042866" y="1898270"/>
+            <a:off x="3125059" y="2683724"/>
             <a:ext cx="573241" cy="369332"/>
           </a:xfrm>
           <a:prstGeom prst="rect">
@@ -11535,7 +11535,7 @@
         </p:nvSpPr>
         <p:spPr>
           <a:xfrm>
-            <a:off x="5585719" y="2880857"/>
+            <a:off x="5667912" y="3921933"/>
             <a:ext cx="657546" cy="647272"/>
           </a:xfrm>
           <a:prstGeom prst="ellipse">
@@ -11585,7 +11585,7 @@
         </p:nvSpPr>
         <p:spPr>
           <a:xfrm>
-            <a:off x="5777902" y="3042675"/>
+            <a:off x="5860095" y="4083751"/>
             <a:ext cx="573241" cy="369332"/>
           </a:xfrm>
           <a:prstGeom prst="rect">
@@ -11624,7 +11624,7 @@
         </p:nvSpPr>
         <p:spPr>
           <a:xfrm>
-            <a:off x="4162749" y="2880857"/>
+            <a:off x="4244942" y="3921933"/>
             <a:ext cx="657546" cy="647272"/>
           </a:xfrm>
           <a:prstGeom prst="ellipse">
@@ -11674,7 +11674,7 @@
         </p:nvSpPr>
         <p:spPr>
           <a:xfrm>
-            <a:off x="4354932" y="3019827"/>
+            <a:off x="4437125" y="4060903"/>
             <a:ext cx="573241" cy="369332"/>
           </a:xfrm>
           <a:prstGeom prst="rect">
@@ -11713,7 +11713,7 @@
         </p:nvSpPr>
         <p:spPr>
           <a:xfrm>
-            <a:off x="5585719" y="4074963"/>
+            <a:off x="6964167" y="3921933"/>
             <a:ext cx="657546" cy="647272"/>
           </a:xfrm>
           <a:prstGeom prst="ellipse">
@@ -11763,7 +11763,7 @@
         </p:nvSpPr>
         <p:spPr>
           <a:xfrm>
-            <a:off x="5777902" y="4236781"/>
+            <a:off x="7156350" y="4083751"/>
             <a:ext cx="573241" cy="369332"/>
           </a:xfrm>
           <a:prstGeom prst="rect">
@@ -11802,7 +11802,7 @@
         </p:nvSpPr>
         <p:spPr>
           <a:xfrm>
-            <a:off x="7371707" y="1736452"/>
+            <a:off x="7453900" y="2521906"/>
             <a:ext cx="657546" cy="647272"/>
           </a:xfrm>
           <a:prstGeom prst="ellipse">
@@ -11852,7 +11852,7 @@
         </p:nvSpPr>
         <p:spPr>
           <a:xfrm>
-            <a:off x="7563890" y="1898270"/>
+            <a:off x="7646083" y="2683724"/>
             <a:ext cx="573241" cy="369332"/>
           </a:xfrm>
           <a:prstGeom prst="rect">
@@ -11891,7 +11891,7 @@
         </p:nvSpPr>
         <p:spPr>
           <a:xfrm>
-            <a:off x="8794677" y="1736452"/>
+            <a:off x="8876870" y="2521906"/>
             <a:ext cx="657546" cy="647272"/>
           </a:xfrm>
           <a:prstGeom prst="ellipse">
@@ -11941,7 +11941,7 @@
         </p:nvSpPr>
         <p:spPr>
           <a:xfrm>
-            <a:off x="8916050" y="1898270"/>
+            <a:off x="8998243" y="2683724"/>
             <a:ext cx="573241" cy="369332"/>
           </a:xfrm>
           <a:prstGeom prst="rect">
@@ -11980,7 +11980,7 @@
         </p:nvSpPr>
         <p:spPr>
           <a:xfrm>
-            <a:off x="8137131" y="592047"/>
+            <a:off x="8219324" y="1116029"/>
             <a:ext cx="657546" cy="647272"/>
           </a:xfrm>
           <a:prstGeom prst="ellipse">
@@ -12030,7 +12030,7 @@
         </p:nvSpPr>
         <p:spPr>
           <a:xfrm>
-            <a:off x="8329314" y="753865"/>
+            <a:off x="8411507" y="1277847"/>
             <a:ext cx="573241" cy="369332"/>
           </a:xfrm>
           <a:prstGeom prst="rect">
@@ -12073,8 +12073,8 @@
         </p:nvCxnSpPr>
         <p:spPr>
           <a:xfrm flipH="1">
-            <a:off x="3408908" y="1144528"/>
-            <a:ext cx="850136" cy="714551"/>
+            <a:off x="3491101" y="1668510"/>
+            <a:ext cx="850136" cy="976023"/>
           </a:xfrm>
           <a:prstGeom prst="line">
             <a:avLst/>
@@ -12114,8 +12114,8 @@
         </p:nvCxnSpPr>
         <p:spPr>
           <a:xfrm>
-            <a:off x="4724000" y="1144528"/>
-            <a:ext cx="958014" cy="686715"/>
+            <a:off x="4806193" y="1668510"/>
+            <a:ext cx="958014" cy="948187"/>
           </a:xfrm>
           <a:prstGeom prst="line">
             <a:avLst/>
@@ -12155,8 +12155,8 @@
         </p:nvCxnSpPr>
         <p:spPr>
           <a:xfrm>
-            <a:off x="4491522" y="1239319"/>
-            <a:ext cx="0" cy="497133"/>
+            <a:off x="4573715" y="1763301"/>
+            <a:ext cx="0" cy="758605"/>
           </a:xfrm>
           <a:prstGeom prst="line">
             <a:avLst/>
@@ -12196,8 +12196,8 @@
         </p:nvCxnSpPr>
         <p:spPr>
           <a:xfrm>
-            <a:off x="4491522" y="2383724"/>
-            <a:ext cx="0" cy="497133"/>
+            <a:off x="4573715" y="3169178"/>
+            <a:ext cx="0" cy="752755"/>
           </a:xfrm>
           <a:prstGeom prst="line">
             <a:avLst/>
@@ -12237,8 +12237,8 @@
         </p:nvCxnSpPr>
         <p:spPr>
           <a:xfrm flipH="1">
-            <a:off x="4724000" y="2288933"/>
-            <a:ext cx="958014" cy="686715"/>
+            <a:off x="4806193" y="3074387"/>
+            <a:ext cx="958014" cy="942337"/>
           </a:xfrm>
           <a:prstGeom prst="line">
             <a:avLst/>
@@ -12278,8 +12278,8 @@
         </p:nvCxnSpPr>
         <p:spPr>
           <a:xfrm>
-            <a:off x="5914492" y="2383724"/>
-            <a:ext cx="0" cy="497133"/>
+            <a:off x="5996685" y="3169178"/>
+            <a:ext cx="0" cy="752755"/>
           </a:xfrm>
           <a:prstGeom prst="line">
             <a:avLst/>
@@ -12319,7 +12319,7 @@
         </p:nvCxnSpPr>
         <p:spPr>
           <a:xfrm flipH="1">
-            <a:off x="4820295" y="3204493"/>
+            <a:off x="4902488" y="4245569"/>
             <a:ext cx="765424" cy="0"/>
           </a:xfrm>
           <a:prstGeom prst="line">
@@ -12353,15 +12353,15 @@
           </p:cNvPr>
           <p:cNvCxnSpPr>
             <a:cxnSpLocks/>
-            <a:stCxn id="48" idx="0"/>
-            <a:endCxn id="44" idx="4"/>
+            <a:stCxn id="48" idx="2"/>
+            <a:endCxn id="44" idx="6"/>
           </p:cNvCxnSpPr>
           <p:nvPr/>
         </p:nvCxnSpPr>
         <p:spPr>
-          <a:xfrm flipV="1">
-            <a:off x="5914492" y="3528129"/>
-            <a:ext cx="0" cy="546834"/>
+          <a:xfrm flipH="1">
+            <a:off x="6325458" y="4245569"/>
+            <a:ext cx="638709" cy="0"/>
           </a:xfrm>
           <a:prstGeom prst="line">
             <a:avLst/>
@@ -12401,8 +12401,8 @@
         </p:nvCxnSpPr>
         <p:spPr>
           <a:xfrm flipH="1">
-            <a:off x="7700480" y="1144528"/>
-            <a:ext cx="532946" cy="591924"/>
+            <a:off x="7782673" y="1668510"/>
+            <a:ext cx="532946" cy="853396"/>
           </a:xfrm>
           <a:prstGeom prst="line">
             <a:avLst/>
@@ -12442,8 +12442,8 @@
         </p:nvCxnSpPr>
         <p:spPr>
           <a:xfrm flipH="1" flipV="1">
-            <a:off x="8698382" y="1144528"/>
-            <a:ext cx="425068" cy="591924"/>
+            <a:off x="8780575" y="1668510"/>
+            <a:ext cx="425068" cy="853396"/>
           </a:xfrm>
           <a:prstGeom prst="line">
             <a:avLst/>

--- a/example/Illustration.pptx
+++ b/example/Illustration.pptx
@@ -9,6 +9,7 @@
     <p:sldId id="257" r:id="rId3"/>
     <p:sldId id="258" r:id="rId4"/>
     <p:sldId id="259" r:id="rId5"/>
+    <p:sldId id="260" r:id="rId6"/>
   </p:sldIdLst>
   <p:sldSz cx="12192000" cy="6858000"/>
   <p:notesSz cx="6858000" cy="9144000"/>
@@ -262,7 +263,7 @@
           <a:p>
             <a:fld id="{72FE935D-B1BD-4A3D-9A0C-E0D098B103D6}" type="datetimeFigureOut">
               <a:rPr lang="en-US" smtClean="0"/>
-              <a:t>10/14/2019</a:t>
+              <a:t>10/15/2019</a:t>
             </a:fld>
             <a:endParaRPr lang="en-US"/>
           </a:p>
@@ -460,7 +461,7 @@
           <a:p>
             <a:fld id="{72FE935D-B1BD-4A3D-9A0C-E0D098B103D6}" type="datetimeFigureOut">
               <a:rPr lang="en-US" smtClean="0"/>
-              <a:t>10/14/2019</a:t>
+              <a:t>10/15/2019</a:t>
             </a:fld>
             <a:endParaRPr lang="en-US"/>
           </a:p>
@@ -668,7 +669,7 @@
           <a:p>
             <a:fld id="{72FE935D-B1BD-4A3D-9A0C-E0D098B103D6}" type="datetimeFigureOut">
               <a:rPr lang="en-US" smtClean="0"/>
-              <a:t>10/14/2019</a:t>
+              <a:t>10/15/2019</a:t>
             </a:fld>
             <a:endParaRPr lang="en-US"/>
           </a:p>
@@ -866,7 +867,7 @@
           <a:p>
             <a:fld id="{72FE935D-B1BD-4A3D-9A0C-E0D098B103D6}" type="datetimeFigureOut">
               <a:rPr lang="en-US" smtClean="0"/>
-              <a:t>10/14/2019</a:t>
+              <a:t>10/15/2019</a:t>
             </a:fld>
             <a:endParaRPr lang="en-US"/>
           </a:p>
@@ -1141,7 +1142,7 @@
           <a:p>
             <a:fld id="{72FE935D-B1BD-4A3D-9A0C-E0D098B103D6}" type="datetimeFigureOut">
               <a:rPr lang="en-US" smtClean="0"/>
-              <a:t>10/14/2019</a:t>
+              <a:t>10/15/2019</a:t>
             </a:fld>
             <a:endParaRPr lang="en-US"/>
           </a:p>
@@ -1406,7 +1407,7 @@
           <a:p>
             <a:fld id="{72FE935D-B1BD-4A3D-9A0C-E0D098B103D6}" type="datetimeFigureOut">
               <a:rPr lang="en-US" smtClean="0"/>
-              <a:t>10/14/2019</a:t>
+              <a:t>10/15/2019</a:t>
             </a:fld>
             <a:endParaRPr lang="en-US"/>
           </a:p>
@@ -1818,7 +1819,7 @@
           <a:p>
             <a:fld id="{72FE935D-B1BD-4A3D-9A0C-E0D098B103D6}" type="datetimeFigureOut">
               <a:rPr lang="en-US" smtClean="0"/>
-              <a:t>10/14/2019</a:t>
+              <a:t>10/15/2019</a:t>
             </a:fld>
             <a:endParaRPr lang="en-US"/>
           </a:p>
@@ -1959,7 +1960,7 @@
           <a:p>
             <a:fld id="{72FE935D-B1BD-4A3D-9A0C-E0D098B103D6}" type="datetimeFigureOut">
               <a:rPr lang="en-US" smtClean="0"/>
-              <a:t>10/14/2019</a:t>
+              <a:t>10/15/2019</a:t>
             </a:fld>
             <a:endParaRPr lang="en-US"/>
           </a:p>
@@ -2072,7 +2073,7 @@
           <a:p>
             <a:fld id="{72FE935D-B1BD-4A3D-9A0C-E0D098B103D6}" type="datetimeFigureOut">
               <a:rPr lang="en-US" smtClean="0"/>
-              <a:t>10/14/2019</a:t>
+              <a:t>10/15/2019</a:t>
             </a:fld>
             <a:endParaRPr lang="en-US"/>
           </a:p>
@@ -2383,7 +2384,7 @@
           <a:p>
             <a:fld id="{72FE935D-B1BD-4A3D-9A0C-E0D098B103D6}" type="datetimeFigureOut">
               <a:rPr lang="en-US" smtClean="0"/>
-              <a:t>10/14/2019</a:t>
+              <a:t>10/15/2019</a:t>
             </a:fld>
             <a:endParaRPr lang="en-US"/>
           </a:p>
@@ -2671,7 +2672,7 @@
           <a:p>
             <a:fld id="{72FE935D-B1BD-4A3D-9A0C-E0D098B103D6}" type="datetimeFigureOut">
               <a:rPr lang="en-US" smtClean="0"/>
-              <a:t>10/14/2019</a:t>
+              <a:t>10/15/2019</a:t>
             </a:fld>
             <a:endParaRPr lang="en-US"/>
           </a:p>
@@ -2912,7 +2913,7 @@
           <a:p>
             <a:fld id="{72FE935D-B1BD-4A3D-9A0C-E0D098B103D6}" type="datetimeFigureOut">
               <a:rPr lang="en-US" smtClean="0"/>
-              <a:t>10/14/2019</a:t>
+              <a:t>10/15/2019</a:t>
             </a:fld>
             <a:endParaRPr lang="en-US"/>
           </a:p>
@@ -12478,6 +12479,3357 @@
 </p:sld>
 </file>
 
+<file path=ppt/slides/slide5.xml><?xml version="1.0" encoding="utf-8"?>
+<p:sld xmlns:a="http://schemas.openxmlformats.org/drawingml/2006/main" xmlns:r="http://schemas.openxmlformats.org/officeDocument/2006/relationships" xmlns:p="http://schemas.openxmlformats.org/presentationml/2006/main">
+  <p:cSld>
+    <p:spTree>
+      <p:nvGrpSpPr>
+        <p:cNvPr id="1" name=""/>
+        <p:cNvGrpSpPr/>
+        <p:nvPr/>
+      </p:nvGrpSpPr>
+      <p:grpSpPr>
+        <a:xfrm>
+          <a:off x="0" y="0"/>
+          <a:ext cx="0" cy="0"/>
+          <a:chOff x="0" y="0"/>
+          <a:chExt cx="0" cy="0"/>
+        </a:xfrm>
+      </p:grpSpPr>
+      <p:sp>
+        <p:nvSpPr>
+          <p:cNvPr id="56" name="Oval 55">
+            <a:extLst>
+              <a:ext uri="{FF2B5EF4-FFF2-40B4-BE49-F238E27FC236}">
+                <a16:creationId xmlns:a16="http://schemas.microsoft.com/office/drawing/2014/main" id="{FF62F8EC-A055-44E2-9E24-DDFECC49063F}"/>
+              </a:ext>
+            </a:extLst>
+          </p:cNvPr>
+          <p:cNvSpPr/>
+          <p:nvPr/>
+        </p:nvSpPr>
+        <p:spPr>
+          <a:xfrm>
+            <a:off x="3768347" y="870182"/>
+            <a:ext cx="657546" cy="647272"/>
+          </a:xfrm>
+          <a:prstGeom prst="ellipse">
+            <a:avLst/>
+          </a:prstGeom>
+          <a:solidFill>
+            <a:schemeClr val="bg1"/>
+          </a:solidFill>
+          <a:ln w="28575"/>
+        </p:spPr>
+        <p:style>
+          <a:lnRef idx="2">
+            <a:schemeClr val="accent1">
+              <a:shade val="50000"/>
+            </a:schemeClr>
+          </a:lnRef>
+          <a:fillRef idx="1">
+            <a:schemeClr val="accent1"/>
+          </a:fillRef>
+          <a:effectRef idx="0">
+            <a:schemeClr val="accent1"/>
+          </a:effectRef>
+          <a:fontRef idx="minor">
+            <a:schemeClr val="lt1"/>
+          </a:fontRef>
+        </p:style>
+        <p:txBody>
+          <a:bodyPr rtlCol="0" anchor="ctr"/>
+          <a:lstStyle/>
+          <a:p>
+            <a:pPr algn="ctr"/>
+            <a:endParaRPr lang="en-US"/>
+          </a:p>
+        </p:txBody>
+      </p:sp>
+      <p:sp>
+        <p:nvSpPr>
+          <p:cNvPr id="57" name="TextBox 56">
+            <a:extLst>
+              <a:ext uri="{FF2B5EF4-FFF2-40B4-BE49-F238E27FC236}">
+                <a16:creationId xmlns:a16="http://schemas.microsoft.com/office/drawing/2014/main" id="{21A82DB8-7992-4219-90B0-699DC70818C2}"/>
+              </a:ext>
+            </a:extLst>
+          </p:cNvPr>
+          <p:cNvSpPr txBox="1"/>
+          <p:nvPr/>
+        </p:nvSpPr>
+        <p:spPr>
+          <a:xfrm>
+            <a:off x="4486436" y="2044413"/>
+            <a:ext cx="573241" cy="338554"/>
+          </a:xfrm>
+          <a:prstGeom prst="rect">
+            <a:avLst/>
+          </a:prstGeom>
+          <a:noFill/>
+        </p:spPr>
+        <p:txBody>
+          <a:bodyPr wrap="square" rtlCol="0">
+            <a:spAutoFit/>
+          </a:bodyPr>
+          <a:lstStyle/>
+          <a:p>
+            <a:r>
+              <a:rPr lang="en-US" sz="1600" b="1" dirty="0"/>
+              <a:t>1</a:t>
+            </a:r>
+          </a:p>
+        </p:txBody>
+      </p:sp>
+      <p:graphicFrame>
+        <p:nvGraphicFramePr>
+          <p:cNvPr id="3" name="Table 2">
+            <a:extLst>
+              <a:ext uri="{FF2B5EF4-FFF2-40B4-BE49-F238E27FC236}">
+                <a16:creationId xmlns:a16="http://schemas.microsoft.com/office/drawing/2014/main" id="{B0ACB63C-741E-49A6-824C-15A9EA81EDFC}"/>
+              </a:ext>
+            </a:extLst>
+          </p:cNvPr>
+          <p:cNvGraphicFramePr>
+            <a:graphicFrameLocks noGrp="1"/>
+          </p:cNvGraphicFramePr>
+          <p:nvPr>
+            <p:extLst>
+              <p:ext uri="{D42A27DB-BD31-4B8C-83A1-F6EECF244321}">
+                <p14:modId xmlns:p14="http://schemas.microsoft.com/office/powerpoint/2010/main" val="2027698039"/>
+              </p:ext>
+            </p:extLst>
+          </p:nvPr>
+        </p:nvGraphicFramePr>
+        <p:xfrm>
+          <a:off x="1091816" y="870182"/>
+          <a:ext cx="2189268" cy="4079240"/>
+        </p:xfrm>
+        <a:graphic>
+          <a:graphicData uri="http://schemas.openxmlformats.org/drawingml/2006/table">
+            <a:tbl>
+              <a:tblPr firstRow="1" bandRow="1">
+                <a:tableStyleId>{5C22544A-7EE6-4342-B048-85BDC9FD1C3A}</a:tableStyleId>
+              </a:tblPr>
+              <a:tblGrid>
+                <a:gridCol w="1094634">
+                  <a:extLst>
+                    <a:ext uri="{9D8B030D-6E8A-4147-A177-3AD203B41FA5}">
+                      <a16:colId xmlns:a16="http://schemas.microsoft.com/office/drawing/2014/main" val="3968554810"/>
+                    </a:ext>
+                  </a:extLst>
+                </a:gridCol>
+                <a:gridCol w="1094634">
+                  <a:extLst>
+                    <a:ext uri="{9D8B030D-6E8A-4147-A177-3AD203B41FA5}">
+                      <a16:colId xmlns:a16="http://schemas.microsoft.com/office/drawing/2014/main" val="3835165111"/>
+                    </a:ext>
+                  </a:extLst>
+                </a:gridCol>
+              </a:tblGrid>
+              <a:tr h="370840">
+                <a:tc>
+                  <a:txBody>
+                    <a:bodyPr/>
+                    <a:lstStyle/>
+                    <a:p>
+                      <a:r>
+                        <a:rPr lang="en-US" dirty="0"/>
+                        <a:t>key</a:t>
+                      </a:r>
+                    </a:p>
+                  </a:txBody>
+                  <a:tcPr/>
+                </a:tc>
+                <a:tc>
+                  <a:txBody>
+                    <a:bodyPr/>
+                    <a:lstStyle/>
+                    <a:p>
+                      <a:r>
+                        <a:rPr lang="en-US" dirty="0"/>
+                        <a:t>value</a:t>
+                      </a:r>
+                    </a:p>
+                  </a:txBody>
+                  <a:tcPr/>
+                </a:tc>
+                <a:extLst>
+                  <a:ext uri="{0D108BD9-81ED-4DB2-BD59-A6C34878D82A}">
+                    <a16:rowId xmlns:a16="http://schemas.microsoft.com/office/drawing/2014/main" val="22511392"/>
+                  </a:ext>
+                </a:extLst>
+              </a:tr>
+              <a:tr h="370840">
+                <a:tc>
+                  <a:txBody>
+                    <a:bodyPr/>
+                    <a:lstStyle/>
+                    <a:p>
+                      <a:r>
+                        <a:rPr lang="en-US" dirty="0"/>
+                        <a:t>be</a:t>
+                      </a:r>
+                    </a:p>
+                  </a:txBody>
+                  <a:tcPr/>
+                </a:tc>
+                <a:tc>
+                  <a:txBody>
+                    <a:bodyPr/>
+                    <a:lstStyle/>
+                    <a:p>
+                      <a:r>
+                        <a:rPr lang="en-US" dirty="0"/>
+                        <a:t>1</a:t>
+                      </a:r>
+                    </a:p>
+                  </a:txBody>
+                  <a:tcPr/>
+                </a:tc>
+                <a:extLst>
+                  <a:ext uri="{0D108BD9-81ED-4DB2-BD59-A6C34878D82A}">
+                    <a16:rowId xmlns:a16="http://schemas.microsoft.com/office/drawing/2014/main" val="1941942966"/>
+                  </a:ext>
+                </a:extLst>
+              </a:tr>
+              <a:tr h="370840">
+                <a:tc>
+                  <a:txBody>
+                    <a:bodyPr/>
+                    <a:lstStyle/>
+                    <a:p>
+                      <a:r>
+                        <a:rPr lang="en-US" dirty="0"/>
+                        <a:t>bee</a:t>
+                      </a:r>
+                    </a:p>
+                  </a:txBody>
+                  <a:tcPr/>
+                </a:tc>
+                <a:tc>
+                  <a:txBody>
+                    <a:bodyPr/>
+                    <a:lstStyle/>
+                    <a:p>
+                      <a:r>
+                        <a:rPr lang="en-US" dirty="0"/>
+                        <a:t>2</a:t>
+                      </a:r>
+                    </a:p>
+                  </a:txBody>
+                  <a:tcPr/>
+                </a:tc>
+                <a:extLst>
+                  <a:ext uri="{0D108BD9-81ED-4DB2-BD59-A6C34878D82A}">
+                    <a16:rowId xmlns:a16="http://schemas.microsoft.com/office/drawing/2014/main" val="3677319866"/>
+                  </a:ext>
+                </a:extLst>
+              </a:tr>
+              <a:tr h="370840">
+                <a:tc>
+                  <a:txBody>
+                    <a:bodyPr/>
+                    <a:lstStyle/>
+                    <a:p>
+                      <a:r>
+                        <a:rPr lang="en-US" dirty="0"/>
+                        <a:t>beetle </a:t>
+                      </a:r>
+                    </a:p>
+                  </a:txBody>
+                  <a:tcPr/>
+                </a:tc>
+                <a:tc>
+                  <a:txBody>
+                    <a:bodyPr/>
+                    <a:lstStyle/>
+                    <a:p>
+                      <a:r>
+                        <a:rPr lang="en-US" dirty="0"/>
+                        <a:t>3</a:t>
+                      </a:r>
+                    </a:p>
+                  </a:txBody>
+                  <a:tcPr/>
+                </a:tc>
+                <a:extLst>
+                  <a:ext uri="{0D108BD9-81ED-4DB2-BD59-A6C34878D82A}">
+                    <a16:rowId xmlns:a16="http://schemas.microsoft.com/office/drawing/2014/main" val="3308748942"/>
+                  </a:ext>
+                </a:extLst>
+              </a:tr>
+              <a:tr h="370840">
+                <a:tc>
+                  <a:txBody>
+                    <a:bodyPr/>
+                    <a:lstStyle/>
+                    <a:p>
+                      <a:r>
+                        <a:rPr lang="en-US" dirty="0"/>
+                        <a:t>sea</a:t>
+                      </a:r>
+                    </a:p>
+                  </a:txBody>
+                  <a:tcPr/>
+                </a:tc>
+                <a:tc>
+                  <a:txBody>
+                    <a:bodyPr/>
+                    <a:lstStyle/>
+                    <a:p>
+                      <a:r>
+                        <a:rPr lang="en-US" dirty="0"/>
+                        <a:t>4</a:t>
+                      </a:r>
+                    </a:p>
+                  </a:txBody>
+                  <a:tcPr/>
+                </a:tc>
+                <a:extLst>
+                  <a:ext uri="{0D108BD9-81ED-4DB2-BD59-A6C34878D82A}">
+                    <a16:rowId xmlns:a16="http://schemas.microsoft.com/office/drawing/2014/main" val="1113520628"/>
+                  </a:ext>
+                </a:extLst>
+              </a:tr>
+              <a:tr h="370840">
+                <a:tc>
+                  <a:txBody>
+                    <a:bodyPr/>
+                    <a:lstStyle/>
+                    <a:p>
+                      <a:r>
+                        <a:rPr lang="en-US" dirty="0"/>
+                        <a:t>seal</a:t>
+                      </a:r>
+                    </a:p>
+                  </a:txBody>
+                  <a:tcPr/>
+                </a:tc>
+                <a:tc>
+                  <a:txBody>
+                    <a:bodyPr/>
+                    <a:lstStyle/>
+                    <a:p>
+                      <a:r>
+                        <a:rPr lang="en-US" dirty="0"/>
+                        <a:t>5</a:t>
+                      </a:r>
+                    </a:p>
+                  </a:txBody>
+                  <a:tcPr/>
+                </a:tc>
+                <a:extLst>
+                  <a:ext uri="{0D108BD9-81ED-4DB2-BD59-A6C34878D82A}">
+                    <a16:rowId xmlns:a16="http://schemas.microsoft.com/office/drawing/2014/main" val="3811931584"/>
+                  </a:ext>
+                </a:extLst>
+              </a:tr>
+              <a:tr h="370840">
+                <a:tc>
+                  <a:txBody>
+                    <a:bodyPr/>
+                    <a:lstStyle/>
+                    <a:p>
+                      <a:r>
+                        <a:rPr lang="en-US" dirty="0"/>
+                        <a:t>seat</a:t>
+                      </a:r>
+                    </a:p>
+                  </a:txBody>
+                  <a:tcPr/>
+                </a:tc>
+                <a:tc>
+                  <a:txBody>
+                    <a:bodyPr/>
+                    <a:lstStyle/>
+                    <a:p>
+                      <a:r>
+                        <a:rPr lang="en-US" dirty="0"/>
+                        <a:t>6</a:t>
+                      </a:r>
+                    </a:p>
+                  </a:txBody>
+                  <a:tcPr/>
+                </a:tc>
+                <a:extLst>
+                  <a:ext uri="{0D108BD9-81ED-4DB2-BD59-A6C34878D82A}">
+                    <a16:rowId xmlns:a16="http://schemas.microsoft.com/office/drawing/2014/main" val="3665396164"/>
+                  </a:ext>
+                </a:extLst>
+              </a:tr>
+              <a:tr h="370840">
+                <a:tc>
+                  <a:txBody>
+                    <a:bodyPr/>
+                    <a:lstStyle/>
+                    <a:p>
+                      <a:r>
+                        <a:rPr lang="en-US" dirty="0"/>
+                        <a:t>sell</a:t>
+                      </a:r>
+                    </a:p>
+                  </a:txBody>
+                  <a:tcPr/>
+                </a:tc>
+                <a:tc>
+                  <a:txBody>
+                    <a:bodyPr/>
+                    <a:lstStyle/>
+                    <a:p>
+                      <a:r>
+                        <a:rPr lang="en-US" dirty="0"/>
+                        <a:t>7</a:t>
+                      </a:r>
+                    </a:p>
+                  </a:txBody>
+                  <a:tcPr/>
+                </a:tc>
+                <a:extLst>
+                  <a:ext uri="{0D108BD9-81ED-4DB2-BD59-A6C34878D82A}">
+                    <a16:rowId xmlns:a16="http://schemas.microsoft.com/office/drawing/2014/main" val="1327580369"/>
+                  </a:ext>
+                </a:extLst>
+              </a:tr>
+              <a:tr h="370840">
+                <a:tc>
+                  <a:txBody>
+                    <a:bodyPr/>
+                    <a:lstStyle/>
+                    <a:p>
+                      <a:r>
+                        <a:rPr lang="en-US" dirty="0"/>
+                        <a:t>seller</a:t>
+                      </a:r>
+                    </a:p>
+                  </a:txBody>
+                  <a:tcPr/>
+                </a:tc>
+                <a:tc>
+                  <a:txBody>
+                    <a:bodyPr/>
+                    <a:lstStyle/>
+                    <a:p>
+                      <a:r>
+                        <a:rPr lang="en-US" dirty="0"/>
+                        <a:t>8</a:t>
+                      </a:r>
+                    </a:p>
+                  </a:txBody>
+                  <a:tcPr/>
+                </a:tc>
+                <a:extLst>
+                  <a:ext uri="{0D108BD9-81ED-4DB2-BD59-A6C34878D82A}">
+                    <a16:rowId xmlns:a16="http://schemas.microsoft.com/office/drawing/2014/main" val="3885738658"/>
+                  </a:ext>
+                </a:extLst>
+              </a:tr>
+              <a:tr h="370840">
+                <a:tc>
+                  <a:txBody>
+                    <a:bodyPr/>
+                    <a:lstStyle/>
+                    <a:p>
+                      <a:r>
+                        <a:rPr lang="en-US" dirty="0"/>
+                        <a:t>she</a:t>
+                      </a:r>
+                    </a:p>
+                  </a:txBody>
+                  <a:tcPr/>
+                </a:tc>
+                <a:tc>
+                  <a:txBody>
+                    <a:bodyPr/>
+                    <a:lstStyle/>
+                    <a:p>
+                      <a:r>
+                        <a:rPr lang="en-US" dirty="0"/>
+                        <a:t>9</a:t>
+                      </a:r>
+                    </a:p>
+                  </a:txBody>
+                  <a:tcPr/>
+                </a:tc>
+                <a:extLst>
+                  <a:ext uri="{0D108BD9-81ED-4DB2-BD59-A6C34878D82A}">
+                    <a16:rowId xmlns:a16="http://schemas.microsoft.com/office/drawing/2014/main" val="134817379"/>
+                  </a:ext>
+                </a:extLst>
+              </a:tr>
+              <a:tr h="370840">
+                <a:tc>
+                  <a:txBody>
+                    <a:bodyPr/>
+                    <a:lstStyle/>
+                    <a:p>
+                      <a:r>
+                        <a:rPr lang="en-US" dirty="0"/>
+                        <a:t>shell</a:t>
+                      </a:r>
+                    </a:p>
+                  </a:txBody>
+                  <a:tcPr/>
+                </a:tc>
+                <a:tc>
+                  <a:txBody>
+                    <a:bodyPr/>
+                    <a:lstStyle/>
+                    <a:p>
+                      <a:r>
+                        <a:rPr lang="en-US" dirty="0"/>
+                        <a:t>10</a:t>
+                      </a:r>
+                    </a:p>
+                  </a:txBody>
+                  <a:tcPr/>
+                </a:tc>
+                <a:extLst>
+                  <a:ext uri="{0D108BD9-81ED-4DB2-BD59-A6C34878D82A}">
+                    <a16:rowId xmlns:a16="http://schemas.microsoft.com/office/drawing/2014/main" val="479535095"/>
+                  </a:ext>
+                </a:extLst>
+              </a:tr>
+            </a:tbl>
+          </a:graphicData>
+        </a:graphic>
+      </p:graphicFrame>
+      <p:sp>
+        <p:nvSpPr>
+          <p:cNvPr id="34" name="Oval 33">
+            <a:extLst>
+              <a:ext uri="{FF2B5EF4-FFF2-40B4-BE49-F238E27FC236}">
+                <a16:creationId xmlns:a16="http://schemas.microsoft.com/office/drawing/2014/main" id="{35ECBBEF-3BD6-4CEC-BAAE-F3FDD76D7DD3}"/>
+              </a:ext>
+            </a:extLst>
+          </p:cNvPr>
+          <p:cNvSpPr/>
+          <p:nvPr/>
+        </p:nvSpPr>
+        <p:spPr>
+          <a:xfrm>
+            <a:off x="3768347" y="1851817"/>
+            <a:ext cx="657546" cy="647272"/>
+          </a:xfrm>
+          <a:prstGeom prst="ellipse">
+            <a:avLst/>
+          </a:prstGeom>
+          <a:solidFill>
+            <a:schemeClr val="bg1"/>
+          </a:solidFill>
+          <a:ln w="28575"/>
+        </p:spPr>
+        <p:style>
+          <a:lnRef idx="2">
+            <a:schemeClr val="accent1">
+              <a:shade val="50000"/>
+            </a:schemeClr>
+          </a:lnRef>
+          <a:fillRef idx="1">
+            <a:schemeClr val="accent1"/>
+          </a:fillRef>
+          <a:effectRef idx="0">
+            <a:schemeClr val="accent1"/>
+          </a:effectRef>
+          <a:fontRef idx="minor">
+            <a:schemeClr val="lt1"/>
+          </a:fontRef>
+        </p:style>
+        <p:txBody>
+          <a:bodyPr rtlCol="0" anchor="ctr"/>
+          <a:lstStyle/>
+          <a:p>
+            <a:pPr algn="ctr"/>
+            <a:endParaRPr lang="en-US"/>
+          </a:p>
+        </p:txBody>
+      </p:sp>
+      <p:sp>
+        <p:nvSpPr>
+          <p:cNvPr id="35" name="TextBox 34">
+            <a:extLst>
+              <a:ext uri="{FF2B5EF4-FFF2-40B4-BE49-F238E27FC236}">
+                <a16:creationId xmlns:a16="http://schemas.microsoft.com/office/drawing/2014/main" id="{E7B73634-7C09-4374-9B5C-C0E1253455FF}"/>
+              </a:ext>
+            </a:extLst>
+          </p:cNvPr>
+          <p:cNvSpPr txBox="1"/>
+          <p:nvPr/>
+        </p:nvSpPr>
+        <p:spPr>
+          <a:xfrm>
+            <a:off x="3960530" y="2013635"/>
+            <a:ext cx="573241" cy="369332"/>
+          </a:xfrm>
+          <a:prstGeom prst="rect">
+            <a:avLst/>
+          </a:prstGeom>
+          <a:noFill/>
+        </p:spPr>
+        <p:txBody>
+          <a:bodyPr wrap="square" rtlCol="0">
+            <a:spAutoFit/>
+          </a:bodyPr>
+          <a:lstStyle/>
+          <a:p>
+            <a:r>
+              <a:rPr lang="en-US" b="1" dirty="0">
+                <a:solidFill>
+                  <a:srgbClr val="FF0000"/>
+                </a:solidFill>
+              </a:rPr>
+              <a:t>e</a:t>
+            </a:r>
+          </a:p>
+        </p:txBody>
+      </p:sp>
+      <p:sp>
+        <p:nvSpPr>
+          <p:cNvPr id="36" name="Oval 35">
+            <a:extLst>
+              <a:ext uri="{FF2B5EF4-FFF2-40B4-BE49-F238E27FC236}">
+                <a16:creationId xmlns:a16="http://schemas.microsoft.com/office/drawing/2014/main" id="{A7E2DFE5-0D1D-42F9-81AD-E13529375A2A}"/>
+              </a:ext>
+            </a:extLst>
+          </p:cNvPr>
+          <p:cNvSpPr/>
+          <p:nvPr/>
+        </p:nvSpPr>
+        <p:spPr>
+          <a:xfrm>
+            <a:off x="3768347" y="2833452"/>
+            <a:ext cx="657546" cy="647272"/>
+          </a:xfrm>
+          <a:prstGeom prst="ellipse">
+            <a:avLst/>
+          </a:prstGeom>
+          <a:solidFill>
+            <a:schemeClr val="bg1"/>
+          </a:solidFill>
+          <a:ln w="28575"/>
+        </p:spPr>
+        <p:style>
+          <a:lnRef idx="2">
+            <a:schemeClr val="accent1">
+              <a:shade val="50000"/>
+            </a:schemeClr>
+          </a:lnRef>
+          <a:fillRef idx="1">
+            <a:schemeClr val="accent1"/>
+          </a:fillRef>
+          <a:effectRef idx="0">
+            <a:schemeClr val="accent1"/>
+          </a:effectRef>
+          <a:fontRef idx="minor">
+            <a:schemeClr val="lt1"/>
+          </a:fontRef>
+        </p:style>
+        <p:txBody>
+          <a:bodyPr rtlCol="0" anchor="ctr"/>
+          <a:lstStyle/>
+          <a:p>
+            <a:pPr algn="ctr"/>
+            <a:endParaRPr lang="en-US"/>
+          </a:p>
+        </p:txBody>
+      </p:sp>
+      <p:sp>
+        <p:nvSpPr>
+          <p:cNvPr id="50" name="TextBox 49">
+            <a:extLst>
+              <a:ext uri="{FF2B5EF4-FFF2-40B4-BE49-F238E27FC236}">
+                <a16:creationId xmlns:a16="http://schemas.microsoft.com/office/drawing/2014/main" id="{78A3D08F-9B95-46F6-A0DD-33604AB3A535}"/>
+              </a:ext>
+            </a:extLst>
+          </p:cNvPr>
+          <p:cNvSpPr txBox="1"/>
+          <p:nvPr/>
+        </p:nvSpPr>
+        <p:spPr>
+          <a:xfrm>
+            <a:off x="3960530" y="2995270"/>
+            <a:ext cx="573241" cy="369332"/>
+          </a:xfrm>
+          <a:prstGeom prst="rect">
+            <a:avLst/>
+          </a:prstGeom>
+          <a:noFill/>
+        </p:spPr>
+        <p:txBody>
+          <a:bodyPr wrap="square" rtlCol="0">
+            <a:spAutoFit/>
+          </a:bodyPr>
+          <a:lstStyle/>
+          <a:p>
+            <a:r>
+              <a:rPr lang="en-US" b="1" dirty="0">
+                <a:solidFill>
+                  <a:srgbClr val="FF0000"/>
+                </a:solidFill>
+              </a:rPr>
+              <a:t>e</a:t>
+            </a:r>
+          </a:p>
+        </p:txBody>
+      </p:sp>
+      <p:sp>
+        <p:nvSpPr>
+          <p:cNvPr id="51" name="Oval 50">
+            <a:extLst>
+              <a:ext uri="{FF2B5EF4-FFF2-40B4-BE49-F238E27FC236}">
+                <a16:creationId xmlns:a16="http://schemas.microsoft.com/office/drawing/2014/main" id="{642BFBC1-4E8D-43CE-B773-27BC529C5655}"/>
+              </a:ext>
+            </a:extLst>
+          </p:cNvPr>
+          <p:cNvSpPr/>
+          <p:nvPr/>
+        </p:nvSpPr>
+        <p:spPr>
+          <a:xfrm>
+            <a:off x="3768347" y="3860783"/>
+            <a:ext cx="657546" cy="647272"/>
+          </a:xfrm>
+          <a:prstGeom prst="ellipse">
+            <a:avLst/>
+          </a:prstGeom>
+          <a:solidFill>
+            <a:schemeClr val="bg1"/>
+          </a:solidFill>
+          <a:ln w="28575"/>
+        </p:spPr>
+        <p:style>
+          <a:lnRef idx="2">
+            <a:schemeClr val="accent1">
+              <a:shade val="50000"/>
+            </a:schemeClr>
+          </a:lnRef>
+          <a:fillRef idx="1">
+            <a:schemeClr val="accent1"/>
+          </a:fillRef>
+          <a:effectRef idx="0">
+            <a:schemeClr val="accent1"/>
+          </a:effectRef>
+          <a:fontRef idx="minor">
+            <a:schemeClr val="lt1"/>
+          </a:fontRef>
+        </p:style>
+        <p:txBody>
+          <a:bodyPr rtlCol="0" anchor="ctr"/>
+          <a:lstStyle/>
+          <a:p>
+            <a:pPr algn="ctr"/>
+            <a:endParaRPr lang="en-US"/>
+          </a:p>
+        </p:txBody>
+      </p:sp>
+      <p:sp>
+        <p:nvSpPr>
+          <p:cNvPr id="58" name="TextBox 57">
+            <a:extLst>
+              <a:ext uri="{FF2B5EF4-FFF2-40B4-BE49-F238E27FC236}">
+                <a16:creationId xmlns:a16="http://schemas.microsoft.com/office/drawing/2014/main" id="{CCC728E2-9EEC-4140-A3F1-E28A660F1821}"/>
+              </a:ext>
+            </a:extLst>
+          </p:cNvPr>
+          <p:cNvSpPr txBox="1"/>
+          <p:nvPr/>
+        </p:nvSpPr>
+        <p:spPr>
+          <a:xfrm>
+            <a:off x="3960530" y="4022601"/>
+            <a:ext cx="573241" cy="369332"/>
+          </a:xfrm>
+          <a:prstGeom prst="rect">
+            <a:avLst/>
+          </a:prstGeom>
+          <a:noFill/>
+        </p:spPr>
+        <p:txBody>
+          <a:bodyPr wrap="square" rtlCol="0">
+            <a:spAutoFit/>
+          </a:bodyPr>
+          <a:lstStyle/>
+          <a:p>
+            <a:r>
+              <a:rPr lang="en-US" b="1" dirty="0">
+                <a:solidFill>
+                  <a:srgbClr val="FF0000"/>
+                </a:solidFill>
+              </a:rPr>
+              <a:t>t</a:t>
+            </a:r>
+          </a:p>
+        </p:txBody>
+      </p:sp>
+      <p:sp>
+        <p:nvSpPr>
+          <p:cNvPr id="59" name="Oval 58">
+            <a:extLst>
+              <a:ext uri="{FF2B5EF4-FFF2-40B4-BE49-F238E27FC236}">
+                <a16:creationId xmlns:a16="http://schemas.microsoft.com/office/drawing/2014/main" id="{C1D1148F-B246-423A-94F4-0ECB9DAD13A1}"/>
+              </a:ext>
+            </a:extLst>
+          </p:cNvPr>
+          <p:cNvSpPr/>
+          <p:nvPr/>
+        </p:nvSpPr>
+        <p:spPr>
+          <a:xfrm>
+            <a:off x="3768347" y="4888114"/>
+            <a:ext cx="657546" cy="647272"/>
+          </a:xfrm>
+          <a:prstGeom prst="ellipse">
+            <a:avLst/>
+          </a:prstGeom>
+          <a:solidFill>
+            <a:schemeClr val="bg1"/>
+          </a:solidFill>
+          <a:ln w="28575"/>
+        </p:spPr>
+        <p:style>
+          <a:lnRef idx="2">
+            <a:schemeClr val="accent1">
+              <a:shade val="50000"/>
+            </a:schemeClr>
+          </a:lnRef>
+          <a:fillRef idx="1">
+            <a:schemeClr val="accent1"/>
+          </a:fillRef>
+          <a:effectRef idx="0">
+            <a:schemeClr val="accent1"/>
+          </a:effectRef>
+          <a:fontRef idx="minor">
+            <a:schemeClr val="lt1"/>
+          </a:fontRef>
+        </p:style>
+        <p:txBody>
+          <a:bodyPr rtlCol="0" anchor="ctr"/>
+          <a:lstStyle/>
+          <a:p>
+            <a:pPr algn="ctr"/>
+            <a:endParaRPr lang="en-US"/>
+          </a:p>
+        </p:txBody>
+      </p:sp>
+      <p:sp>
+        <p:nvSpPr>
+          <p:cNvPr id="60" name="TextBox 59">
+            <a:extLst>
+              <a:ext uri="{FF2B5EF4-FFF2-40B4-BE49-F238E27FC236}">
+                <a16:creationId xmlns:a16="http://schemas.microsoft.com/office/drawing/2014/main" id="{DFE63742-E925-4301-9DE6-57C1D8D753E5}"/>
+              </a:ext>
+            </a:extLst>
+          </p:cNvPr>
+          <p:cNvSpPr txBox="1"/>
+          <p:nvPr/>
+        </p:nvSpPr>
+        <p:spPr>
+          <a:xfrm>
+            <a:off x="3960530" y="5049932"/>
+            <a:ext cx="573241" cy="369332"/>
+          </a:xfrm>
+          <a:prstGeom prst="rect">
+            <a:avLst/>
+          </a:prstGeom>
+          <a:noFill/>
+        </p:spPr>
+        <p:txBody>
+          <a:bodyPr wrap="square" rtlCol="0">
+            <a:spAutoFit/>
+          </a:bodyPr>
+          <a:lstStyle/>
+          <a:p>
+            <a:r>
+              <a:rPr lang="en-US" b="1" dirty="0">
+                <a:solidFill>
+                  <a:srgbClr val="FF0000"/>
+                </a:solidFill>
+              </a:rPr>
+              <a:t>l</a:t>
+            </a:r>
+          </a:p>
+        </p:txBody>
+      </p:sp>
+      <p:sp>
+        <p:nvSpPr>
+          <p:cNvPr id="61" name="Oval 60">
+            <a:extLst>
+              <a:ext uri="{FF2B5EF4-FFF2-40B4-BE49-F238E27FC236}">
+                <a16:creationId xmlns:a16="http://schemas.microsoft.com/office/drawing/2014/main" id="{839E06F0-39F2-464F-A97C-3995A20F0E9E}"/>
+              </a:ext>
+            </a:extLst>
+          </p:cNvPr>
+          <p:cNvSpPr/>
+          <p:nvPr/>
+        </p:nvSpPr>
+        <p:spPr>
+          <a:xfrm>
+            <a:off x="3768347" y="5915445"/>
+            <a:ext cx="657546" cy="647272"/>
+          </a:xfrm>
+          <a:prstGeom prst="ellipse">
+            <a:avLst/>
+          </a:prstGeom>
+          <a:solidFill>
+            <a:schemeClr val="bg1"/>
+          </a:solidFill>
+          <a:ln w="28575"/>
+        </p:spPr>
+        <p:style>
+          <a:lnRef idx="2">
+            <a:schemeClr val="accent1">
+              <a:shade val="50000"/>
+            </a:schemeClr>
+          </a:lnRef>
+          <a:fillRef idx="1">
+            <a:schemeClr val="accent1"/>
+          </a:fillRef>
+          <a:effectRef idx="0">
+            <a:schemeClr val="accent1"/>
+          </a:effectRef>
+          <a:fontRef idx="minor">
+            <a:schemeClr val="lt1"/>
+          </a:fontRef>
+        </p:style>
+        <p:txBody>
+          <a:bodyPr rtlCol="0" anchor="ctr"/>
+          <a:lstStyle/>
+          <a:p>
+            <a:pPr algn="ctr"/>
+            <a:endParaRPr lang="en-US"/>
+          </a:p>
+        </p:txBody>
+      </p:sp>
+      <p:sp>
+        <p:nvSpPr>
+          <p:cNvPr id="62" name="TextBox 61">
+            <a:extLst>
+              <a:ext uri="{FF2B5EF4-FFF2-40B4-BE49-F238E27FC236}">
+                <a16:creationId xmlns:a16="http://schemas.microsoft.com/office/drawing/2014/main" id="{2BB40EB6-4B36-4F18-A9B6-41AD502AAECC}"/>
+              </a:ext>
+            </a:extLst>
+          </p:cNvPr>
+          <p:cNvSpPr txBox="1"/>
+          <p:nvPr/>
+        </p:nvSpPr>
+        <p:spPr>
+          <a:xfrm>
+            <a:off x="3960530" y="6077263"/>
+            <a:ext cx="573241" cy="369332"/>
+          </a:xfrm>
+          <a:prstGeom prst="rect">
+            <a:avLst/>
+          </a:prstGeom>
+          <a:noFill/>
+        </p:spPr>
+        <p:txBody>
+          <a:bodyPr wrap="square" rtlCol="0">
+            <a:spAutoFit/>
+          </a:bodyPr>
+          <a:lstStyle/>
+          <a:p>
+            <a:r>
+              <a:rPr lang="en-US" b="1" dirty="0">
+                <a:solidFill>
+                  <a:srgbClr val="FF0000"/>
+                </a:solidFill>
+              </a:rPr>
+              <a:t>e</a:t>
+            </a:r>
+          </a:p>
+        </p:txBody>
+      </p:sp>
+      <p:sp>
+        <p:nvSpPr>
+          <p:cNvPr id="65" name="Oval 64">
+            <a:extLst>
+              <a:ext uri="{FF2B5EF4-FFF2-40B4-BE49-F238E27FC236}">
+                <a16:creationId xmlns:a16="http://schemas.microsoft.com/office/drawing/2014/main" id="{7A604994-B611-42A6-8974-6D5A4B45912A}"/>
+              </a:ext>
+            </a:extLst>
+          </p:cNvPr>
+          <p:cNvSpPr/>
+          <p:nvPr/>
+        </p:nvSpPr>
+        <p:spPr>
+          <a:xfrm>
+            <a:off x="6931967" y="1896035"/>
+            <a:ext cx="612626" cy="603054"/>
+          </a:xfrm>
+          <a:prstGeom prst="ellipse">
+            <a:avLst/>
+          </a:prstGeom>
+          <a:solidFill>
+            <a:schemeClr val="bg1"/>
+          </a:solidFill>
+          <a:ln w="28575"/>
+        </p:spPr>
+        <p:style>
+          <a:lnRef idx="2">
+            <a:schemeClr val="accent1">
+              <a:shade val="50000"/>
+            </a:schemeClr>
+          </a:lnRef>
+          <a:fillRef idx="1">
+            <a:schemeClr val="accent1"/>
+          </a:fillRef>
+          <a:effectRef idx="0">
+            <a:schemeClr val="accent1"/>
+          </a:effectRef>
+          <a:fontRef idx="minor">
+            <a:schemeClr val="lt1"/>
+          </a:fontRef>
+        </p:style>
+        <p:txBody>
+          <a:bodyPr rtlCol="0" anchor="ctr"/>
+          <a:lstStyle/>
+          <a:p>
+            <a:pPr algn="ctr"/>
+            <a:endParaRPr lang="en-US"/>
+          </a:p>
+        </p:txBody>
+      </p:sp>
+      <p:sp>
+        <p:nvSpPr>
+          <p:cNvPr id="66" name="TextBox 65">
+            <a:extLst>
+              <a:ext uri="{FF2B5EF4-FFF2-40B4-BE49-F238E27FC236}">
+                <a16:creationId xmlns:a16="http://schemas.microsoft.com/office/drawing/2014/main" id="{C3693F3E-D102-4019-B753-1F01A4A44AA1}"/>
+              </a:ext>
+            </a:extLst>
+          </p:cNvPr>
+          <p:cNvSpPr txBox="1"/>
+          <p:nvPr/>
+        </p:nvSpPr>
+        <p:spPr>
+          <a:xfrm>
+            <a:off x="7124151" y="2038865"/>
+            <a:ext cx="534080" cy="369332"/>
+          </a:xfrm>
+          <a:prstGeom prst="rect">
+            <a:avLst/>
+          </a:prstGeom>
+          <a:noFill/>
+        </p:spPr>
+        <p:txBody>
+          <a:bodyPr wrap="square" rtlCol="0">
+            <a:spAutoFit/>
+          </a:bodyPr>
+          <a:lstStyle/>
+          <a:p>
+            <a:r>
+              <a:rPr lang="en-US" b="1" dirty="0">
+                <a:solidFill>
+                  <a:srgbClr val="FF0000"/>
+                </a:solidFill>
+              </a:rPr>
+              <a:t>e</a:t>
+            </a:r>
+          </a:p>
+        </p:txBody>
+      </p:sp>
+      <p:sp>
+        <p:nvSpPr>
+          <p:cNvPr id="67" name="Oval 66">
+            <a:extLst>
+              <a:ext uri="{FF2B5EF4-FFF2-40B4-BE49-F238E27FC236}">
+                <a16:creationId xmlns:a16="http://schemas.microsoft.com/office/drawing/2014/main" id="{CD939689-A95B-434A-BB50-564DCD8D9631}"/>
+              </a:ext>
+            </a:extLst>
+          </p:cNvPr>
+          <p:cNvSpPr/>
+          <p:nvPr/>
+        </p:nvSpPr>
+        <p:spPr>
+          <a:xfrm>
+            <a:off x="7940921" y="2877670"/>
+            <a:ext cx="612626" cy="603054"/>
+          </a:xfrm>
+          <a:prstGeom prst="ellipse">
+            <a:avLst/>
+          </a:prstGeom>
+          <a:solidFill>
+            <a:schemeClr val="bg1"/>
+          </a:solidFill>
+          <a:ln w="28575"/>
+        </p:spPr>
+        <p:style>
+          <a:lnRef idx="2">
+            <a:schemeClr val="accent1">
+              <a:shade val="50000"/>
+            </a:schemeClr>
+          </a:lnRef>
+          <a:fillRef idx="1">
+            <a:schemeClr val="accent1"/>
+          </a:fillRef>
+          <a:effectRef idx="0">
+            <a:schemeClr val="accent1"/>
+          </a:effectRef>
+          <a:fontRef idx="minor">
+            <a:schemeClr val="lt1"/>
+          </a:fontRef>
+        </p:style>
+        <p:txBody>
+          <a:bodyPr rtlCol="0" anchor="ctr"/>
+          <a:lstStyle/>
+          <a:p>
+            <a:pPr algn="ctr"/>
+            <a:endParaRPr lang="en-US"/>
+          </a:p>
+        </p:txBody>
+      </p:sp>
+      <p:sp>
+        <p:nvSpPr>
+          <p:cNvPr id="68" name="TextBox 67">
+            <a:extLst>
+              <a:ext uri="{FF2B5EF4-FFF2-40B4-BE49-F238E27FC236}">
+                <a16:creationId xmlns:a16="http://schemas.microsoft.com/office/drawing/2014/main" id="{C809921E-88F2-41FC-83D0-C383A7E77FC1}"/>
+              </a:ext>
+            </a:extLst>
+          </p:cNvPr>
+          <p:cNvSpPr txBox="1"/>
+          <p:nvPr/>
+        </p:nvSpPr>
+        <p:spPr>
+          <a:xfrm>
+            <a:off x="8133105" y="3020500"/>
+            <a:ext cx="534080" cy="369332"/>
+          </a:xfrm>
+          <a:prstGeom prst="rect">
+            <a:avLst/>
+          </a:prstGeom>
+          <a:noFill/>
+        </p:spPr>
+        <p:txBody>
+          <a:bodyPr wrap="square" rtlCol="0">
+            <a:spAutoFit/>
+          </a:bodyPr>
+          <a:lstStyle/>
+          <a:p>
+            <a:r>
+              <a:rPr lang="en-US" b="1" dirty="0">
+                <a:solidFill>
+                  <a:srgbClr val="FF0000"/>
+                </a:solidFill>
+              </a:rPr>
+              <a:t>l</a:t>
+            </a:r>
+          </a:p>
+        </p:txBody>
+      </p:sp>
+      <p:sp>
+        <p:nvSpPr>
+          <p:cNvPr id="71" name="Oval 70">
+            <a:extLst>
+              <a:ext uri="{FF2B5EF4-FFF2-40B4-BE49-F238E27FC236}">
+                <a16:creationId xmlns:a16="http://schemas.microsoft.com/office/drawing/2014/main" id="{E24F5FEE-69D3-4A99-9865-50516EEB8201}"/>
+              </a:ext>
+            </a:extLst>
+          </p:cNvPr>
+          <p:cNvSpPr/>
+          <p:nvPr/>
+        </p:nvSpPr>
+        <p:spPr>
+          <a:xfrm>
+            <a:off x="5743794" y="2877670"/>
+            <a:ext cx="612626" cy="603054"/>
+          </a:xfrm>
+          <a:prstGeom prst="ellipse">
+            <a:avLst/>
+          </a:prstGeom>
+          <a:solidFill>
+            <a:schemeClr val="bg1"/>
+          </a:solidFill>
+          <a:ln w="28575"/>
+        </p:spPr>
+        <p:style>
+          <a:lnRef idx="2">
+            <a:schemeClr val="accent1">
+              <a:shade val="50000"/>
+            </a:schemeClr>
+          </a:lnRef>
+          <a:fillRef idx="1">
+            <a:schemeClr val="accent1"/>
+          </a:fillRef>
+          <a:effectRef idx="0">
+            <a:schemeClr val="accent1"/>
+          </a:effectRef>
+          <a:fontRef idx="minor">
+            <a:schemeClr val="lt1"/>
+          </a:fontRef>
+        </p:style>
+        <p:txBody>
+          <a:bodyPr rtlCol="0" anchor="ctr"/>
+          <a:lstStyle/>
+          <a:p>
+            <a:pPr algn="ctr"/>
+            <a:endParaRPr lang="en-US"/>
+          </a:p>
+        </p:txBody>
+      </p:sp>
+      <p:sp>
+        <p:nvSpPr>
+          <p:cNvPr id="72" name="TextBox 71">
+            <a:extLst>
+              <a:ext uri="{FF2B5EF4-FFF2-40B4-BE49-F238E27FC236}">
+                <a16:creationId xmlns:a16="http://schemas.microsoft.com/office/drawing/2014/main" id="{49098273-6177-40B3-83BB-81A9DE509A76}"/>
+              </a:ext>
+            </a:extLst>
+          </p:cNvPr>
+          <p:cNvSpPr txBox="1"/>
+          <p:nvPr/>
+        </p:nvSpPr>
+        <p:spPr>
+          <a:xfrm>
+            <a:off x="5935978" y="3020500"/>
+            <a:ext cx="534080" cy="369332"/>
+          </a:xfrm>
+          <a:prstGeom prst="rect">
+            <a:avLst/>
+          </a:prstGeom>
+          <a:noFill/>
+        </p:spPr>
+        <p:txBody>
+          <a:bodyPr wrap="square" rtlCol="0">
+            <a:spAutoFit/>
+          </a:bodyPr>
+          <a:lstStyle/>
+          <a:p>
+            <a:r>
+              <a:rPr lang="en-US" b="1" dirty="0">
+                <a:solidFill>
+                  <a:srgbClr val="FF0000"/>
+                </a:solidFill>
+              </a:rPr>
+              <a:t>a</a:t>
+            </a:r>
+          </a:p>
+        </p:txBody>
+      </p:sp>
+      <p:sp>
+        <p:nvSpPr>
+          <p:cNvPr id="73" name="Oval 72">
+            <a:extLst>
+              <a:ext uri="{FF2B5EF4-FFF2-40B4-BE49-F238E27FC236}">
+                <a16:creationId xmlns:a16="http://schemas.microsoft.com/office/drawing/2014/main" id="{7665198C-612A-42A4-B172-6D776404E834}"/>
+              </a:ext>
+            </a:extLst>
+          </p:cNvPr>
+          <p:cNvSpPr/>
+          <p:nvPr/>
+        </p:nvSpPr>
+        <p:spPr>
+          <a:xfrm>
+            <a:off x="5323352" y="3859305"/>
+            <a:ext cx="612626" cy="603054"/>
+          </a:xfrm>
+          <a:prstGeom prst="ellipse">
+            <a:avLst/>
+          </a:prstGeom>
+          <a:solidFill>
+            <a:schemeClr val="bg1"/>
+          </a:solidFill>
+          <a:ln w="28575"/>
+        </p:spPr>
+        <p:style>
+          <a:lnRef idx="2">
+            <a:schemeClr val="accent1">
+              <a:shade val="50000"/>
+            </a:schemeClr>
+          </a:lnRef>
+          <a:fillRef idx="1">
+            <a:schemeClr val="accent1"/>
+          </a:fillRef>
+          <a:effectRef idx="0">
+            <a:schemeClr val="accent1"/>
+          </a:effectRef>
+          <a:fontRef idx="minor">
+            <a:schemeClr val="lt1"/>
+          </a:fontRef>
+        </p:style>
+        <p:txBody>
+          <a:bodyPr rtlCol="0" anchor="ctr"/>
+          <a:lstStyle/>
+          <a:p>
+            <a:pPr algn="ctr"/>
+            <a:endParaRPr lang="en-US"/>
+          </a:p>
+        </p:txBody>
+      </p:sp>
+      <p:sp>
+        <p:nvSpPr>
+          <p:cNvPr id="84" name="TextBox 83">
+            <a:extLst>
+              <a:ext uri="{FF2B5EF4-FFF2-40B4-BE49-F238E27FC236}">
+                <a16:creationId xmlns:a16="http://schemas.microsoft.com/office/drawing/2014/main" id="{94B5FFF0-926C-4EB9-A4D4-A37DDD2A159B}"/>
+              </a:ext>
+            </a:extLst>
+          </p:cNvPr>
+          <p:cNvSpPr txBox="1"/>
+          <p:nvPr/>
+        </p:nvSpPr>
+        <p:spPr>
+          <a:xfrm>
+            <a:off x="5515536" y="4002135"/>
+            <a:ext cx="534080" cy="369332"/>
+          </a:xfrm>
+          <a:prstGeom prst="rect">
+            <a:avLst/>
+          </a:prstGeom>
+          <a:noFill/>
+        </p:spPr>
+        <p:txBody>
+          <a:bodyPr wrap="square" rtlCol="0">
+            <a:spAutoFit/>
+          </a:bodyPr>
+          <a:lstStyle/>
+          <a:p>
+            <a:r>
+              <a:rPr lang="en-US" b="1" dirty="0">
+                <a:solidFill>
+                  <a:srgbClr val="FF0000"/>
+                </a:solidFill>
+              </a:rPr>
+              <a:t>l</a:t>
+            </a:r>
+          </a:p>
+        </p:txBody>
+      </p:sp>
+      <p:sp>
+        <p:nvSpPr>
+          <p:cNvPr id="85" name="Oval 84">
+            <a:extLst>
+              <a:ext uri="{FF2B5EF4-FFF2-40B4-BE49-F238E27FC236}">
+                <a16:creationId xmlns:a16="http://schemas.microsoft.com/office/drawing/2014/main" id="{D0C6E88F-6527-4C91-8EB7-57E449E877DC}"/>
+              </a:ext>
+            </a:extLst>
+          </p:cNvPr>
+          <p:cNvSpPr/>
+          <p:nvPr/>
+        </p:nvSpPr>
+        <p:spPr>
+          <a:xfrm>
+            <a:off x="6205234" y="3859305"/>
+            <a:ext cx="612626" cy="603054"/>
+          </a:xfrm>
+          <a:prstGeom prst="ellipse">
+            <a:avLst/>
+          </a:prstGeom>
+          <a:solidFill>
+            <a:schemeClr val="bg1"/>
+          </a:solidFill>
+          <a:ln w="28575"/>
+        </p:spPr>
+        <p:style>
+          <a:lnRef idx="2">
+            <a:schemeClr val="accent1">
+              <a:shade val="50000"/>
+            </a:schemeClr>
+          </a:lnRef>
+          <a:fillRef idx="1">
+            <a:schemeClr val="accent1"/>
+          </a:fillRef>
+          <a:effectRef idx="0">
+            <a:schemeClr val="accent1"/>
+          </a:effectRef>
+          <a:fontRef idx="minor">
+            <a:schemeClr val="lt1"/>
+          </a:fontRef>
+        </p:style>
+        <p:txBody>
+          <a:bodyPr rtlCol="0" anchor="ctr"/>
+          <a:lstStyle/>
+          <a:p>
+            <a:pPr algn="ctr"/>
+            <a:endParaRPr lang="en-US"/>
+          </a:p>
+        </p:txBody>
+      </p:sp>
+      <p:sp>
+        <p:nvSpPr>
+          <p:cNvPr id="86" name="TextBox 85">
+            <a:extLst>
+              <a:ext uri="{FF2B5EF4-FFF2-40B4-BE49-F238E27FC236}">
+                <a16:creationId xmlns:a16="http://schemas.microsoft.com/office/drawing/2014/main" id="{9091E9F1-FE3D-47EC-8179-BBC5041D794A}"/>
+              </a:ext>
+            </a:extLst>
+          </p:cNvPr>
+          <p:cNvSpPr txBox="1"/>
+          <p:nvPr/>
+        </p:nvSpPr>
+        <p:spPr>
+          <a:xfrm>
+            <a:off x="6397418" y="4002135"/>
+            <a:ext cx="534080" cy="369332"/>
+          </a:xfrm>
+          <a:prstGeom prst="rect">
+            <a:avLst/>
+          </a:prstGeom>
+          <a:noFill/>
+        </p:spPr>
+        <p:txBody>
+          <a:bodyPr wrap="square" rtlCol="0">
+            <a:spAutoFit/>
+          </a:bodyPr>
+          <a:lstStyle/>
+          <a:p>
+            <a:r>
+              <a:rPr lang="en-US" b="1" dirty="0">
+                <a:solidFill>
+                  <a:srgbClr val="FF0000"/>
+                </a:solidFill>
+              </a:rPr>
+              <a:t>t</a:t>
+            </a:r>
+          </a:p>
+        </p:txBody>
+      </p:sp>
+      <p:sp>
+        <p:nvSpPr>
+          <p:cNvPr id="87" name="Oval 86">
+            <a:extLst>
+              <a:ext uri="{FF2B5EF4-FFF2-40B4-BE49-F238E27FC236}">
+                <a16:creationId xmlns:a16="http://schemas.microsoft.com/office/drawing/2014/main" id="{63CAB31B-E57F-4B28-8A19-46A7E1D7DDC0}"/>
+              </a:ext>
+            </a:extLst>
+          </p:cNvPr>
+          <p:cNvSpPr/>
+          <p:nvPr/>
+        </p:nvSpPr>
+        <p:spPr>
+          <a:xfrm>
+            <a:off x="7940921" y="3905001"/>
+            <a:ext cx="612626" cy="603054"/>
+          </a:xfrm>
+          <a:prstGeom prst="ellipse">
+            <a:avLst/>
+          </a:prstGeom>
+          <a:solidFill>
+            <a:schemeClr val="bg1"/>
+          </a:solidFill>
+          <a:ln w="28575"/>
+        </p:spPr>
+        <p:style>
+          <a:lnRef idx="2">
+            <a:schemeClr val="accent1">
+              <a:shade val="50000"/>
+            </a:schemeClr>
+          </a:lnRef>
+          <a:fillRef idx="1">
+            <a:schemeClr val="accent1"/>
+          </a:fillRef>
+          <a:effectRef idx="0">
+            <a:schemeClr val="accent1"/>
+          </a:effectRef>
+          <a:fontRef idx="minor">
+            <a:schemeClr val="lt1"/>
+          </a:fontRef>
+        </p:style>
+        <p:txBody>
+          <a:bodyPr rtlCol="0" anchor="ctr"/>
+          <a:lstStyle/>
+          <a:p>
+            <a:pPr algn="ctr"/>
+            <a:endParaRPr lang="en-US"/>
+          </a:p>
+        </p:txBody>
+      </p:sp>
+      <p:sp>
+        <p:nvSpPr>
+          <p:cNvPr id="88" name="TextBox 87">
+            <a:extLst>
+              <a:ext uri="{FF2B5EF4-FFF2-40B4-BE49-F238E27FC236}">
+                <a16:creationId xmlns:a16="http://schemas.microsoft.com/office/drawing/2014/main" id="{B5A049F8-12DC-481D-8973-7F57A228B715}"/>
+              </a:ext>
+            </a:extLst>
+          </p:cNvPr>
+          <p:cNvSpPr txBox="1"/>
+          <p:nvPr/>
+        </p:nvSpPr>
+        <p:spPr>
+          <a:xfrm>
+            <a:off x="8133105" y="4047831"/>
+            <a:ext cx="534080" cy="369332"/>
+          </a:xfrm>
+          <a:prstGeom prst="rect">
+            <a:avLst/>
+          </a:prstGeom>
+          <a:noFill/>
+        </p:spPr>
+        <p:txBody>
+          <a:bodyPr wrap="square" rtlCol="0">
+            <a:spAutoFit/>
+          </a:bodyPr>
+          <a:lstStyle/>
+          <a:p>
+            <a:r>
+              <a:rPr lang="en-US" b="1" dirty="0">
+                <a:solidFill>
+                  <a:srgbClr val="FF0000"/>
+                </a:solidFill>
+              </a:rPr>
+              <a:t>l</a:t>
+            </a:r>
+          </a:p>
+        </p:txBody>
+      </p:sp>
+      <p:sp>
+        <p:nvSpPr>
+          <p:cNvPr id="89" name="Oval 88">
+            <a:extLst>
+              <a:ext uri="{FF2B5EF4-FFF2-40B4-BE49-F238E27FC236}">
+                <a16:creationId xmlns:a16="http://schemas.microsoft.com/office/drawing/2014/main" id="{815C8EDA-69CA-475D-8952-D4C5AD4C999E}"/>
+              </a:ext>
+            </a:extLst>
+          </p:cNvPr>
+          <p:cNvSpPr/>
+          <p:nvPr/>
+        </p:nvSpPr>
+        <p:spPr>
+          <a:xfrm>
+            <a:off x="7940921" y="4932821"/>
+            <a:ext cx="612626" cy="603054"/>
+          </a:xfrm>
+          <a:prstGeom prst="ellipse">
+            <a:avLst/>
+          </a:prstGeom>
+          <a:solidFill>
+            <a:schemeClr val="bg1"/>
+          </a:solidFill>
+          <a:ln w="28575"/>
+        </p:spPr>
+        <p:style>
+          <a:lnRef idx="2">
+            <a:schemeClr val="accent1">
+              <a:shade val="50000"/>
+            </a:schemeClr>
+          </a:lnRef>
+          <a:fillRef idx="1">
+            <a:schemeClr val="accent1"/>
+          </a:fillRef>
+          <a:effectRef idx="0">
+            <a:schemeClr val="accent1"/>
+          </a:effectRef>
+          <a:fontRef idx="minor">
+            <a:schemeClr val="lt1"/>
+          </a:fontRef>
+        </p:style>
+        <p:txBody>
+          <a:bodyPr rtlCol="0" anchor="ctr"/>
+          <a:lstStyle/>
+          <a:p>
+            <a:pPr algn="ctr"/>
+            <a:endParaRPr lang="en-US"/>
+          </a:p>
+        </p:txBody>
+      </p:sp>
+      <p:sp>
+        <p:nvSpPr>
+          <p:cNvPr id="90" name="TextBox 89">
+            <a:extLst>
+              <a:ext uri="{FF2B5EF4-FFF2-40B4-BE49-F238E27FC236}">
+                <a16:creationId xmlns:a16="http://schemas.microsoft.com/office/drawing/2014/main" id="{E096DD73-9ED9-4873-ACB0-204C122906CB}"/>
+              </a:ext>
+            </a:extLst>
+          </p:cNvPr>
+          <p:cNvSpPr txBox="1"/>
+          <p:nvPr/>
+        </p:nvSpPr>
+        <p:spPr>
+          <a:xfrm>
+            <a:off x="8133105" y="5075651"/>
+            <a:ext cx="534080" cy="369332"/>
+          </a:xfrm>
+          <a:prstGeom prst="rect">
+            <a:avLst/>
+          </a:prstGeom>
+          <a:noFill/>
+        </p:spPr>
+        <p:txBody>
+          <a:bodyPr wrap="square" rtlCol="0">
+            <a:spAutoFit/>
+          </a:bodyPr>
+          <a:lstStyle/>
+          <a:p>
+            <a:r>
+              <a:rPr lang="en-US" b="1" dirty="0">
+                <a:solidFill>
+                  <a:srgbClr val="FF0000"/>
+                </a:solidFill>
+              </a:rPr>
+              <a:t>e</a:t>
+            </a:r>
+          </a:p>
+        </p:txBody>
+      </p:sp>
+      <p:sp>
+        <p:nvSpPr>
+          <p:cNvPr id="91" name="Oval 90">
+            <a:extLst>
+              <a:ext uri="{FF2B5EF4-FFF2-40B4-BE49-F238E27FC236}">
+                <a16:creationId xmlns:a16="http://schemas.microsoft.com/office/drawing/2014/main" id="{DEF2823A-6F07-4C79-9A8A-9B10BB8A6934}"/>
+              </a:ext>
+            </a:extLst>
+          </p:cNvPr>
+          <p:cNvSpPr/>
+          <p:nvPr/>
+        </p:nvSpPr>
+        <p:spPr>
+          <a:xfrm>
+            <a:off x="7940921" y="5915445"/>
+            <a:ext cx="612626" cy="603054"/>
+          </a:xfrm>
+          <a:prstGeom prst="ellipse">
+            <a:avLst/>
+          </a:prstGeom>
+          <a:solidFill>
+            <a:schemeClr val="bg1"/>
+          </a:solidFill>
+          <a:ln w="28575"/>
+        </p:spPr>
+        <p:style>
+          <a:lnRef idx="2">
+            <a:schemeClr val="accent1">
+              <a:shade val="50000"/>
+            </a:schemeClr>
+          </a:lnRef>
+          <a:fillRef idx="1">
+            <a:schemeClr val="accent1"/>
+          </a:fillRef>
+          <a:effectRef idx="0">
+            <a:schemeClr val="accent1"/>
+          </a:effectRef>
+          <a:fontRef idx="minor">
+            <a:schemeClr val="lt1"/>
+          </a:fontRef>
+        </p:style>
+        <p:txBody>
+          <a:bodyPr rtlCol="0" anchor="ctr"/>
+          <a:lstStyle/>
+          <a:p>
+            <a:pPr algn="ctr"/>
+            <a:endParaRPr lang="en-US"/>
+          </a:p>
+        </p:txBody>
+      </p:sp>
+      <p:sp>
+        <p:nvSpPr>
+          <p:cNvPr id="92" name="TextBox 91">
+            <a:extLst>
+              <a:ext uri="{FF2B5EF4-FFF2-40B4-BE49-F238E27FC236}">
+                <a16:creationId xmlns:a16="http://schemas.microsoft.com/office/drawing/2014/main" id="{BFB6604E-79F1-43F3-B958-2DED75BDC50F}"/>
+              </a:ext>
+            </a:extLst>
+          </p:cNvPr>
+          <p:cNvSpPr txBox="1"/>
+          <p:nvPr/>
+        </p:nvSpPr>
+        <p:spPr>
+          <a:xfrm>
+            <a:off x="8133105" y="6058275"/>
+            <a:ext cx="534080" cy="369332"/>
+          </a:xfrm>
+          <a:prstGeom prst="rect">
+            <a:avLst/>
+          </a:prstGeom>
+          <a:noFill/>
+        </p:spPr>
+        <p:txBody>
+          <a:bodyPr wrap="square" rtlCol="0">
+            <a:spAutoFit/>
+          </a:bodyPr>
+          <a:lstStyle/>
+          <a:p>
+            <a:r>
+              <a:rPr lang="en-US" b="1" dirty="0">
+                <a:solidFill>
+                  <a:srgbClr val="FF0000"/>
+                </a:solidFill>
+              </a:rPr>
+              <a:t>r</a:t>
+            </a:r>
+          </a:p>
+        </p:txBody>
+      </p:sp>
+      <p:sp>
+        <p:nvSpPr>
+          <p:cNvPr id="93" name="Oval 92">
+            <a:extLst>
+              <a:ext uri="{FF2B5EF4-FFF2-40B4-BE49-F238E27FC236}">
+                <a16:creationId xmlns:a16="http://schemas.microsoft.com/office/drawing/2014/main" id="{01C32995-E46D-4D11-AD47-D2B862FB5058}"/>
+              </a:ext>
+            </a:extLst>
+          </p:cNvPr>
+          <p:cNvSpPr/>
+          <p:nvPr/>
+        </p:nvSpPr>
+        <p:spPr>
+          <a:xfrm>
+            <a:off x="9942789" y="1896035"/>
+            <a:ext cx="612626" cy="603054"/>
+          </a:xfrm>
+          <a:prstGeom prst="ellipse">
+            <a:avLst/>
+          </a:prstGeom>
+          <a:solidFill>
+            <a:schemeClr val="bg1"/>
+          </a:solidFill>
+          <a:ln w="28575"/>
+        </p:spPr>
+        <p:style>
+          <a:lnRef idx="2">
+            <a:schemeClr val="accent1">
+              <a:shade val="50000"/>
+            </a:schemeClr>
+          </a:lnRef>
+          <a:fillRef idx="1">
+            <a:schemeClr val="accent1"/>
+          </a:fillRef>
+          <a:effectRef idx="0">
+            <a:schemeClr val="accent1"/>
+          </a:effectRef>
+          <a:fontRef idx="minor">
+            <a:schemeClr val="lt1"/>
+          </a:fontRef>
+        </p:style>
+        <p:txBody>
+          <a:bodyPr rtlCol="0" anchor="ctr"/>
+          <a:lstStyle/>
+          <a:p>
+            <a:pPr algn="ctr"/>
+            <a:endParaRPr lang="en-US"/>
+          </a:p>
+        </p:txBody>
+      </p:sp>
+      <p:sp>
+        <p:nvSpPr>
+          <p:cNvPr id="94" name="TextBox 93">
+            <a:extLst>
+              <a:ext uri="{FF2B5EF4-FFF2-40B4-BE49-F238E27FC236}">
+                <a16:creationId xmlns:a16="http://schemas.microsoft.com/office/drawing/2014/main" id="{08049203-0C11-4ABA-A647-D76A0B1F5E29}"/>
+              </a:ext>
+            </a:extLst>
+          </p:cNvPr>
+          <p:cNvSpPr txBox="1"/>
+          <p:nvPr/>
+        </p:nvSpPr>
+        <p:spPr>
+          <a:xfrm>
+            <a:off x="10134973" y="2038865"/>
+            <a:ext cx="534080" cy="369332"/>
+          </a:xfrm>
+          <a:prstGeom prst="rect">
+            <a:avLst/>
+          </a:prstGeom>
+          <a:noFill/>
+        </p:spPr>
+        <p:txBody>
+          <a:bodyPr wrap="square" rtlCol="0">
+            <a:spAutoFit/>
+          </a:bodyPr>
+          <a:lstStyle/>
+          <a:p>
+            <a:r>
+              <a:rPr lang="en-US" b="1" dirty="0">
+                <a:solidFill>
+                  <a:srgbClr val="FF0000"/>
+                </a:solidFill>
+              </a:rPr>
+              <a:t>h</a:t>
+            </a:r>
+          </a:p>
+        </p:txBody>
+      </p:sp>
+      <p:sp>
+        <p:nvSpPr>
+          <p:cNvPr id="95" name="Oval 94">
+            <a:extLst>
+              <a:ext uri="{FF2B5EF4-FFF2-40B4-BE49-F238E27FC236}">
+                <a16:creationId xmlns:a16="http://schemas.microsoft.com/office/drawing/2014/main" id="{41E8A460-DD52-40B6-8C47-C4BCFE6F4663}"/>
+              </a:ext>
+            </a:extLst>
+          </p:cNvPr>
+          <p:cNvSpPr/>
+          <p:nvPr/>
+        </p:nvSpPr>
+        <p:spPr>
+          <a:xfrm>
+            <a:off x="9942789" y="2877670"/>
+            <a:ext cx="612626" cy="603054"/>
+          </a:xfrm>
+          <a:prstGeom prst="ellipse">
+            <a:avLst/>
+          </a:prstGeom>
+          <a:solidFill>
+            <a:schemeClr val="bg1"/>
+          </a:solidFill>
+          <a:ln w="28575"/>
+        </p:spPr>
+        <p:style>
+          <a:lnRef idx="2">
+            <a:schemeClr val="accent1">
+              <a:shade val="50000"/>
+            </a:schemeClr>
+          </a:lnRef>
+          <a:fillRef idx="1">
+            <a:schemeClr val="accent1"/>
+          </a:fillRef>
+          <a:effectRef idx="0">
+            <a:schemeClr val="accent1"/>
+          </a:effectRef>
+          <a:fontRef idx="minor">
+            <a:schemeClr val="lt1"/>
+          </a:fontRef>
+        </p:style>
+        <p:txBody>
+          <a:bodyPr rtlCol="0" anchor="ctr"/>
+          <a:lstStyle/>
+          <a:p>
+            <a:pPr algn="ctr"/>
+            <a:endParaRPr lang="en-US"/>
+          </a:p>
+        </p:txBody>
+      </p:sp>
+      <p:sp>
+        <p:nvSpPr>
+          <p:cNvPr id="96" name="TextBox 95">
+            <a:extLst>
+              <a:ext uri="{FF2B5EF4-FFF2-40B4-BE49-F238E27FC236}">
+                <a16:creationId xmlns:a16="http://schemas.microsoft.com/office/drawing/2014/main" id="{1E569C6C-0220-437E-BF95-190FDC32BAD7}"/>
+              </a:ext>
+            </a:extLst>
+          </p:cNvPr>
+          <p:cNvSpPr txBox="1"/>
+          <p:nvPr/>
+        </p:nvSpPr>
+        <p:spPr>
+          <a:xfrm>
+            <a:off x="10134973" y="3020500"/>
+            <a:ext cx="534080" cy="369332"/>
+          </a:xfrm>
+          <a:prstGeom prst="rect">
+            <a:avLst/>
+          </a:prstGeom>
+          <a:noFill/>
+        </p:spPr>
+        <p:txBody>
+          <a:bodyPr wrap="square" rtlCol="0">
+            <a:spAutoFit/>
+          </a:bodyPr>
+          <a:lstStyle/>
+          <a:p>
+            <a:r>
+              <a:rPr lang="en-US" b="1" dirty="0">
+                <a:solidFill>
+                  <a:srgbClr val="FF0000"/>
+                </a:solidFill>
+              </a:rPr>
+              <a:t>e</a:t>
+            </a:r>
+          </a:p>
+        </p:txBody>
+      </p:sp>
+      <p:sp>
+        <p:nvSpPr>
+          <p:cNvPr id="97" name="Oval 96">
+            <a:extLst>
+              <a:ext uri="{FF2B5EF4-FFF2-40B4-BE49-F238E27FC236}">
+                <a16:creationId xmlns:a16="http://schemas.microsoft.com/office/drawing/2014/main" id="{F6B90F3C-82B2-469B-A949-10E1D15652D8}"/>
+              </a:ext>
+            </a:extLst>
+          </p:cNvPr>
+          <p:cNvSpPr/>
+          <p:nvPr/>
+        </p:nvSpPr>
+        <p:spPr>
+          <a:xfrm>
+            <a:off x="9942789" y="3905001"/>
+            <a:ext cx="612626" cy="603054"/>
+          </a:xfrm>
+          <a:prstGeom prst="ellipse">
+            <a:avLst/>
+          </a:prstGeom>
+          <a:solidFill>
+            <a:schemeClr val="bg1"/>
+          </a:solidFill>
+          <a:ln w="28575"/>
+        </p:spPr>
+        <p:style>
+          <a:lnRef idx="2">
+            <a:schemeClr val="accent1">
+              <a:shade val="50000"/>
+            </a:schemeClr>
+          </a:lnRef>
+          <a:fillRef idx="1">
+            <a:schemeClr val="accent1"/>
+          </a:fillRef>
+          <a:effectRef idx="0">
+            <a:schemeClr val="accent1"/>
+          </a:effectRef>
+          <a:fontRef idx="minor">
+            <a:schemeClr val="lt1"/>
+          </a:fontRef>
+        </p:style>
+        <p:txBody>
+          <a:bodyPr rtlCol="0" anchor="ctr"/>
+          <a:lstStyle/>
+          <a:p>
+            <a:pPr algn="ctr"/>
+            <a:endParaRPr lang="en-US"/>
+          </a:p>
+        </p:txBody>
+      </p:sp>
+      <p:sp>
+        <p:nvSpPr>
+          <p:cNvPr id="98" name="TextBox 97">
+            <a:extLst>
+              <a:ext uri="{FF2B5EF4-FFF2-40B4-BE49-F238E27FC236}">
+                <a16:creationId xmlns:a16="http://schemas.microsoft.com/office/drawing/2014/main" id="{F7AD4C27-C6C8-4AD7-9D5E-FA502BDC8FD9}"/>
+              </a:ext>
+            </a:extLst>
+          </p:cNvPr>
+          <p:cNvSpPr txBox="1"/>
+          <p:nvPr/>
+        </p:nvSpPr>
+        <p:spPr>
+          <a:xfrm>
+            <a:off x="10134973" y="4047831"/>
+            <a:ext cx="534080" cy="369332"/>
+          </a:xfrm>
+          <a:prstGeom prst="rect">
+            <a:avLst/>
+          </a:prstGeom>
+          <a:noFill/>
+        </p:spPr>
+        <p:txBody>
+          <a:bodyPr wrap="square" rtlCol="0">
+            <a:spAutoFit/>
+          </a:bodyPr>
+          <a:lstStyle/>
+          <a:p>
+            <a:r>
+              <a:rPr lang="en-US" b="1" dirty="0">
+                <a:solidFill>
+                  <a:srgbClr val="FF0000"/>
+                </a:solidFill>
+              </a:rPr>
+              <a:t>l</a:t>
+            </a:r>
+          </a:p>
+        </p:txBody>
+      </p:sp>
+      <p:sp>
+        <p:nvSpPr>
+          <p:cNvPr id="99" name="Oval 98">
+            <a:extLst>
+              <a:ext uri="{FF2B5EF4-FFF2-40B4-BE49-F238E27FC236}">
+                <a16:creationId xmlns:a16="http://schemas.microsoft.com/office/drawing/2014/main" id="{0943BEB9-9395-4649-93D0-04A313F83278}"/>
+              </a:ext>
+            </a:extLst>
+          </p:cNvPr>
+          <p:cNvSpPr/>
+          <p:nvPr/>
+        </p:nvSpPr>
+        <p:spPr>
+          <a:xfrm>
+            <a:off x="9942789" y="4949422"/>
+            <a:ext cx="612626" cy="603054"/>
+          </a:xfrm>
+          <a:prstGeom prst="ellipse">
+            <a:avLst/>
+          </a:prstGeom>
+          <a:solidFill>
+            <a:schemeClr val="bg1"/>
+          </a:solidFill>
+          <a:ln w="28575"/>
+        </p:spPr>
+        <p:style>
+          <a:lnRef idx="2">
+            <a:schemeClr val="accent1">
+              <a:shade val="50000"/>
+            </a:schemeClr>
+          </a:lnRef>
+          <a:fillRef idx="1">
+            <a:schemeClr val="accent1"/>
+          </a:fillRef>
+          <a:effectRef idx="0">
+            <a:schemeClr val="accent1"/>
+          </a:effectRef>
+          <a:fontRef idx="minor">
+            <a:schemeClr val="lt1"/>
+          </a:fontRef>
+        </p:style>
+        <p:txBody>
+          <a:bodyPr rtlCol="0" anchor="ctr"/>
+          <a:lstStyle/>
+          <a:p>
+            <a:pPr algn="ctr"/>
+            <a:endParaRPr lang="en-US"/>
+          </a:p>
+        </p:txBody>
+      </p:sp>
+      <p:sp>
+        <p:nvSpPr>
+          <p:cNvPr id="100" name="TextBox 99">
+            <a:extLst>
+              <a:ext uri="{FF2B5EF4-FFF2-40B4-BE49-F238E27FC236}">
+                <a16:creationId xmlns:a16="http://schemas.microsoft.com/office/drawing/2014/main" id="{218FACFE-8086-485C-BA11-699466516B56}"/>
+              </a:ext>
+            </a:extLst>
+          </p:cNvPr>
+          <p:cNvSpPr txBox="1"/>
+          <p:nvPr/>
+        </p:nvSpPr>
+        <p:spPr>
+          <a:xfrm>
+            <a:off x="10134973" y="5092252"/>
+            <a:ext cx="534080" cy="369332"/>
+          </a:xfrm>
+          <a:prstGeom prst="rect">
+            <a:avLst/>
+          </a:prstGeom>
+          <a:noFill/>
+        </p:spPr>
+        <p:txBody>
+          <a:bodyPr wrap="square" rtlCol="0">
+            <a:spAutoFit/>
+          </a:bodyPr>
+          <a:lstStyle/>
+          <a:p>
+            <a:r>
+              <a:rPr lang="en-US" b="1" dirty="0">
+                <a:solidFill>
+                  <a:srgbClr val="FF0000"/>
+                </a:solidFill>
+              </a:rPr>
+              <a:t>l</a:t>
+            </a:r>
+          </a:p>
+        </p:txBody>
+      </p:sp>
+      <p:sp>
+        <p:nvSpPr>
+          <p:cNvPr id="101" name="Oval 100">
+            <a:extLst>
+              <a:ext uri="{FF2B5EF4-FFF2-40B4-BE49-F238E27FC236}">
+                <a16:creationId xmlns:a16="http://schemas.microsoft.com/office/drawing/2014/main" id="{BF2CAD34-0368-4E3D-B8E0-A216D3CDBCE3}"/>
+              </a:ext>
+            </a:extLst>
+          </p:cNvPr>
+          <p:cNvSpPr/>
+          <p:nvPr/>
+        </p:nvSpPr>
+        <p:spPr>
+          <a:xfrm>
+            <a:off x="8381445" y="870182"/>
+            <a:ext cx="657546" cy="647272"/>
+          </a:xfrm>
+          <a:prstGeom prst="ellipse">
+            <a:avLst/>
+          </a:prstGeom>
+          <a:solidFill>
+            <a:schemeClr val="bg1"/>
+          </a:solidFill>
+          <a:ln w="28575"/>
+        </p:spPr>
+        <p:style>
+          <a:lnRef idx="2">
+            <a:schemeClr val="accent1">
+              <a:shade val="50000"/>
+            </a:schemeClr>
+          </a:lnRef>
+          <a:fillRef idx="1">
+            <a:schemeClr val="accent1"/>
+          </a:fillRef>
+          <a:effectRef idx="0">
+            <a:schemeClr val="accent1"/>
+          </a:effectRef>
+          <a:fontRef idx="minor">
+            <a:schemeClr val="lt1"/>
+          </a:fontRef>
+        </p:style>
+        <p:txBody>
+          <a:bodyPr rtlCol="0" anchor="ctr"/>
+          <a:lstStyle/>
+          <a:p>
+            <a:pPr algn="ctr"/>
+            <a:endParaRPr lang="en-US"/>
+          </a:p>
+        </p:txBody>
+      </p:sp>
+      <p:sp>
+        <p:nvSpPr>
+          <p:cNvPr id="102" name="TextBox 101">
+            <a:extLst>
+              <a:ext uri="{FF2B5EF4-FFF2-40B4-BE49-F238E27FC236}">
+                <a16:creationId xmlns:a16="http://schemas.microsoft.com/office/drawing/2014/main" id="{1FA1B3D0-EA5C-46C5-A587-3D8A3C4D79C0}"/>
+              </a:ext>
+            </a:extLst>
+          </p:cNvPr>
+          <p:cNvSpPr txBox="1"/>
+          <p:nvPr/>
+        </p:nvSpPr>
+        <p:spPr>
+          <a:xfrm>
+            <a:off x="8573628" y="1032000"/>
+            <a:ext cx="573241" cy="369332"/>
+          </a:xfrm>
+          <a:prstGeom prst="rect">
+            <a:avLst/>
+          </a:prstGeom>
+          <a:noFill/>
+        </p:spPr>
+        <p:txBody>
+          <a:bodyPr wrap="square" rtlCol="0">
+            <a:spAutoFit/>
+          </a:bodyPr>
+          <a:lstStyle/>
+          <a:p>
+            <a:r>
+              <a:rPr lang="en-US" b="1" dirty="0">
+                <a:solidFill>
+                  <a:srgbClr val="FF0000"/>
+                </a:solidFill>
+              </a:rPr>
+              <a:t>s</a:t>
+            </a:r>
+          </a:p>
+        </p:txBody>
+      </p:sp>
+      <p:cxnSp>
+        <p:nvCxnSpPr>
+          <p:cNvPr id="103" name="Straight Connector 102">
+            <a:extLst>
+              <a:ext uri="{FF2B5EF4-FFF2-40B4-BE49-F238E27FC236}">
+                <a16:creationId xmlns:a16="http://schemas.microsoft.com/office/drawing/2014/main" id="{8FD885E1-4A76-4317-99C3-B13C11B70ADB}"/>
+              </a:ext>
+            </a:extLst>
+          </p:cNvPr>
+          <p:cNvCxnSpPr>
+            <a:cxnSpLocks/>
+            <a:stCxn id="56" idx="4"/>
+            <a:endCxn id="34" idx="0"/>
+          </p:cNvCxnSpPr>
+          <p:nvPr/>
+        </p:nvCxnSpPr>
+        <p:spPr>
+          <a:xfrm>
+            <a:off x="4097120" y="1517454"/>
+            <a:ext cx="0" cy="334363"/>
+          </a:xfrm>
+          <a:prstGeom prst="line">
+            <a:avLst/>
+          </a:prstGeom>
+          <a:ln w="28575"/>
+        </p:spPr>
+        <p:style>
+          <a:lnRef idx="1">
+            <a:schemeClr val="accent1"/>
+          </a:lnRef>
+          <a:fillRef idx="0">
+            <a:schemeClr val="accent1"/>
+          </a:fillRef>
+          <a:effectRef idx="0">
+            <a:schemeClr val="accent1"/>
+          </a:effectRef>
+          <a:fontRef idx="minor">
+            <a:schemeClr val="tx1"/>
+          </a:fontRef>
+        </p:style>
+      </p:cxnSp>
+      <p:cxnSp>
+        <p:nvCxnSpPr>
+          <p:cNvPr id="104" name="Straight Connector 103">
+            <a:extLst>
+              <a:ext uri="{FF2B5EF4-FFF2-40B4-BE49-F238E27FC236}">
+                <a16:creationId xmlns:a16="http://schemas.microsoft.com/office/drawing/2014/main" id="{58F471D3-A3D9-45C2-90FC-16370B706985}"/>
+              </a:ext>
+            </a:extLst>
+          </p:cNvPr>
+          <p:cNvCxnSpPr>
+            <a:cxnSpLocks/>
+            <a:stCxn id="34" idx="4"/>
+            <a:endCxn id="36" idx="0"/>
+          </p:cNvCxnSpPr>
+          <p:nvPr/>
+        </p:nvCxnSpPr>
+        <p:spPr>
+          <a:xfrm>
+            <a:off x="4097120" y="2499089"/>
+            <a:ext cx="0" cy="334363"/>
+          </a:xfrm>
+          <a:prstGeom prst="line">
+            <a:avLst/>
+          </a:prstGeom>
+          <a:ln w="28575"/>
+        </p:spPr>
+        <p:style>
+          <a:lnRef idx="1">
+            <a:schemeClr val="accent1"/>
+          </a:lnRef>
+          <a:fillRef idx="0">
+            <a:schemeClr val="accent1"/>
+          </a:fillRef>
+          <a:effectRef idx="0">
+            <a:schemeClr val="accent1"/>
+          </a:effectRef>
+          <a:fontRef idx="minor">
+            <a:schemeClr val="tx1"/>
+          </a:fontRef>
+        </p:style>
+      </p:cxnSp>
+      <p:cxnSp>
+        <p:nvCxnSpPr>
+          <p:cNvPr id="105" name="Straight Connector 104">
+            <a:extLst>
+              <a:ext uri="{FF2B5EF4-FFF2-40B4-BE49-F238E27FC236}">
+                <a16:creationId xmlns:a16="http://schemas.microsoft.com/office/drawing/2014/main" id="{D4AE8F6A-6D5E-478A-A4C1-7AE3933C1C02}"/>
+              </a:ext>
+            </a:extLst>
+          </p:cNvPr>
+          <p:cNvCxnSpPr>
+            <a:cxnSpLocks/>
+            <a:stCxn id="36" idx="4"/>
+            <a:endCxn id="51" idx="0"/>
+          </p:cNvCxnSpPr>
+          <p:nvPr/>
+        </p:nvCxnSpPr>
+        <p:spPr>
+          <a:xfrm>
+            <a:off x="4097120" y="3480724"/>
+            <a:ext cx="0" cy="380059"/>
+          </a:xfrm>
+          <a:prstGeom prst="line">
+            <a:avLst/>
+          </a:prstGeom>
+          <a:ln w="28575"/>
+        </p:spPr>
+        <p:style>
+          <a:lnRef idx="1">
+            <a:schemeClr val="accent1"/>
+          </a:lnRef>
+          <a:fillRef idx="0">
+            <a:schemeClr val="accent1"/>
+          </a:fillRef>
+          <a:effectRef idx="0">
+            <a:schemeClr val="accent1"/>
+          </a:effectRef>
+          <a:fontRef idx="minor">
+            <a:schemeClr val="tx1"/>
+          </a:fontRef>
+        </p:style>
+      </p:cxnSp>
+      <p:cxnSp>
+        <p:nvCxnSpPr>
+          <p:cNvPr id="106" name="Straight Connector 105">
+            <a:extLst>
+              <a:ext uri="{FF2B5EF4-FFF2-40B4-BE49-F238E27FC236}">
+                <a16:creationId xmlns:a16="http://schemas.microsoft.com/office/drawing/2014/main" id="{2FD2C253-CFC8-42E2-9418-9A7834CFB3F3}"/>
+              </a:ext>
+            </a:extLst>
+          </p:cNvPr>
+          <p:cNvCxnSpPr>
+            <a:cxnSpLocks/>
+            <a:stCxn id="51" idx="4"/>
+            <a:endCxn id="59" idx="0"/>
+          </p:cNvCxnSpPr>
+          <p:nvPr/>
+        </p:nvCxnSpPr>
+        <p:spPr>
+          <a:xfrm>
+            <a:off x="4097120" y="4508055"/>
+            <a:ext cx="0" cy="380059"/>
+          </a:xfrm>
+          <a:prstGeom prst="line">
+            <a:avLst/>
+          </a:prstGeom>
+          <a:ln w="28575"/>
+        </p:spPr>
+        <p:style>
+          <a:lnRef idx="1">
+            <a:schemeClr val="accent1"/>
+          </a:lnRef>
+          <a:fillRef idx="0">
+            <a:schemeClr val="accent1"/>
+          </a:fillRef>
+          <a:effectRef idx="0">
+            <a:schemeClr val="accent1"/>
+          </a:effectRef>
+          <a:fontRef idx="minor">
+            <a:schemeClr val="tx1"/>
+          </a:fontRef>
+        </p:style>
+      </p:cxnSp>
+      <p:cxnSp>
+        <p:nvCxnSpPr>
+          <p:cNvPr id="107" name="Straight Connector 106">
+            <a:extLst>
+              <a:ext uri="{FF2B5EF4-FFF2-40B4-BE49-F238E27FC236}">
+                <a16:creationId xmlns:a16="http://schemas.microsoft.com/office/drawing/2014/main" id="{2EB6C5E9-C856-49D6-B61A-4EAE3DCFADEE}"/>
+              </a:ext>
+            </a:extLst>
+          </p:cNvPr>
+          <p:cNvCxnSpPr>
+            <a:cxnSpLocks/>
+            <a:stCxn id="59" idx="4"/>
+            <a:endCxn id="61" idx="0"/>
+          </p:cNvCxnSpPr>
+          <p:nvPr/>
+        </p:nvCxnSpPr>
+        <p:spPr>
+          <a:xfrm>
+            <a:off x="4097120" y="5535386"/>
+            <a:ext cx="0" cy="380059"/>
+          </a:xfrm>
+          <a:prstGeom prst="line">
+            <a:avLst/>
+          </a:prstGeom>
+          <a:ln w="28575"/>
+        </p:spPr>
+        <p:style>
+          <a:lnRef idx="1">
+            <a:schemeClr val="accent1"/>
+          </a:lnRef>
+          <a:fillRef idx="0">
+            <a:schemeClr val="accent1"/>
+          </a:fillRef>
+          <a:effectRef idx="0">
+            <a:schemeClr val="accent1"/>
+          </a:effectRef>
+          <a:fontRef idx="minor">
+            <a:schemeClr val="tx1"/>
+          </a:fontRef>
+        </p:style>
+      </p:cxnSp>
+      <p:cxnSp>
+        <p:nvCxnSpPr>
+          <p:cNvPr id="108" name="Straight Connector 107">
+            <a:extLst>
+              <a:ext uri="{FF2B5EF4-FFF2-40B4-BE49-F238E27FC236}">
+                <a16:creationId xmlns:a16="http://schemas.microsoft.com/office/drawing/2014/main" id="{7FE3E0F7-F2CB-40CB-833A-272BF4A1E936}"/>
+              </a:ext>
+            </a:extLst>
+          </p:cNvPr>
+          <p:cNvCxnSpPr>
+            <a:cxnSpLocks/>
+            <a:stCxn id="101" idx="3"/>
+            <a:endCxn id="65" idx="7"/>
+          </p:cNvCxnSpPr>
+          <p:nvPr/>
+        </p:nvCxnSpPr>
+        <p:spPr>
+          <a:xfrm flipH="1">
+            <a:off x="7454876" y="1422663"/>
+            <a:ext cx="1022864" cy="561687"/>
+          </a:xfrm>
+          <a:prstGeom prst="line">
+            <a:avLst/>
+          </a:prstGeom>
+          <a:ln w="28575"/>
+        </p:spPr>
+        <p:style>
+          <a:lnRef idx="1">
+            <a:schemeClr val="accent1"/>
+          </a:lnRef>
+          <a:fillRef idx="0">
+            <a:schemeClr val="accent1"/>
+          </a:fillRef>
+          <a:effectRef idx="0">
+            <a:schemeClr val="accent1"/>
+          </a:effectRef>
+          <a:fontRef idx="minor">
+            <a:schemeClr val="tx1"/>
+          </a:fontRef>
+        </p:style>
+      </p:cxnSp>
+      <p:cxnSp>
+        <p:nvCxnSpPr>
+          <p:cNvPr id="109" name="Straight Connector 108">
+            <a:extLst>
+              <a:ext uri="{FF2B5EF4-FFF2-40B4-BE49-F238E27FC236}">
+                <a16:creationId xmlns:a16="http://schemas.microsoft.com/office/drawing/2014/main" id="{D291CE97-3218-467A-8394-4222A8F46ECA}"/>
+              </a:ext>
+            </a:extLst>
+          </p:cNvPr>
+          <p:cNvCxnSpPr>
+            <a:cxnSpLocks/>
+            <a:stCxn id="93" idx="1"/>
+            <a:endCxn id="101" idx="5"/>
+          </p:cNvCxnSpPr>
+          <p:nvPr/>
+        </p:nvCxnSpPr>
+        <p:spPr>
+          <a:xfrm flipH="1" flipV="1">
+            <a:off x="8942696" y="1422663"/>
+            <a:ext cx="1089810" cy="561687"/>
+          </a:xfrm>
+          <a:prstGeom prst="line">
+            <a:avLst/>
+          </a:prstGeom>
+          <a:ln w="28575"/>
+        </p:spPr>
+        <p:style>
+          <a:lnRef idx="1">
+            <a:schemeClr val="accent1"/>
+          </a:lnRef>
+          <a:fillRef idx="0">
+            <a:schemeClr val="accent1"/>
+          </a:fillRef>
+          <a:effectRef idx="0">
+            <a:schemeClr val="accent1"/>
+          </a:effectRef>
+          <a:fontRef idx="minor">
+            <a:schemeClr val="tx1"/>
+          </a:fontRef>
+        </p:style>
+      </p:cxnSp>
+      <p:cxnSp>
+        <p:nvCxnSpPr>
+          <p:cNvPr id="110" name="Straight Connector 109">
+            <a:extLst>
+              <a:ext uri="{FF2B5EF4-FFF2-40B4-BE49-F238E27FC236}">
+                <a16:creationId xmlns:a16="http://schemas.microsoft.com/office/drawing/2014/main" id="{12B3EA56-AFCE-4014-92E9-9D0CDF250E79}"/>
+              </a:ext>
+            </a:extLst>
+          </p:cNvPr>
+          <p:cNvCxnSpPr>
+            <a:cxnSpLocks/>
+            <a:stCxn id="93" idx="4"/>
+            <a:endCxn id="95" idx="0"/>
+          </p:cNvCxnSpPr>
+          <p:nvPr/>
+        </p:nvCxnSpPr>
+        <p:spPr>
+          <a:xfrm>
+            <a:off x="10249102" y="2499089"/>
+            <a:ext cx="0" cy="378581"/>
+          </a:xfrm>
+          <a:prstGeom prst="line">
+            <a:avLst/>
+          </a:prstGeom>
+          <a:ln w="28575"/>
+        </p:spPr>
+        <p:style>
+          <a:lnRef idx="1">
+            <a:schemeClr val="accent1"/>
+          </a:lnRef>
+          <a:fillRef idx="0">
+            <a:schemeClr val="accent1"/>
+          </a:fillRef>
+          <a:effectRef idx="0">
+            <a:schemeClr val="accent1"/>
+          </a:effectRef>
+          <a:fontRef idx="minor">
+            <a:schemeClr val="tx1"/>
+          </a:fontRef>
+        </p:style>
+      </p:cxnSp>
+      <p:cxnSp>
+        <p:nvCxnSpPr>
+          <p:cNvPr id="111" name="Straight Connector 110">
+            <a:extLst>
+              <a:ext uri="{FF2B5EF4-FFF2-40B4-BE49-F238E27FC236}">
+                <a16:creationId xmlns:a16="http://schemas.microsoft.com/office/drawing/2014/main" id="{A28BB4D4-1A7B-464A-9CE0-3522334C496F}"/>
+              </a:ext>
+            </a:extLst>
+          </p:cNvPr>
+          <p:cNvCxnSpPr>
+            <a:cxnSpLocks/>
+            <a:stCxn id="95" idx="4"/>
+            <a:endCxn id="97" idx="0"/>
+          </p:cNvCxnSpPr>
+          <p:nvPr/>
+        </p:nvCxnSpPr>
+        <p:spPr>
+          <a:xfrm>
+            <a:off x="10249102" y="3480724"/>
+            <a:ext cx="0" cy="424277"/>
+          </a:xfrm>
+          <a:prstGeom prst="line">
+            <a:avLst/>
+          </a:prstGeom>
+          <a:ln w="28575"/>
+        </p:spPr>
+        <p:style>
+          <a:lnRef idx="1">
+            <a:schemeClr val="accent1"/>
+          </a:lnRef>
+          <a:fillRef idx="0">
+            <a:schemeClr val="accent1"/>
+          </a:fillRef>
+          <a:effectRef idx="0">
+            <a:schemeClr val="accent1"/>
+          </a:effectRef>
+          <a:fontRef idx="minor">
+            <a:schemeClr val="tx1"/>
+          </a:fontRef>
+        </p:style>
+      </p:cxnSp>
+      <p:cxnSp>
+        <p:nvCxnSpPr>
+          <p:cNvPr id="112" name="Straight Connector 111">
+            <a:extLst>
+              <a:ext uri="{FF2B5EF4-FFF2-40B4-BE49-F238E27FC236}">
+                <a16:creationId xmlns:a16="http://schemas.microsoft.com/office/drawing/2014/main" id="{E69BFDD5-A1FC-4D2D-B197-A5ABE1C17E0E}"/>
+              </a:ext>
+            </a:extLst>
+          </p:cNvPr>
+          <p:cNvCxnSpPr>
+            <a:cxnSpLocks/>
+            <a:stCxn id="97" idx="4"/>
+            <a:endCxn id="99" idx="0"/>
+          </p:cNvCxnSpPr>
+          <p:nvPr/>
+        </p:nvCxnSpPr>
+        <p:spPr>
+          <a:xfrm>
+            <a:off x="10249102" y="4508055"/>
+            <a:ext cx="0" cy="441367"/>
+          </a:xfrm>
+          <a:prstGeom prst="line">
+            <a:avLst/>
+          </a:prstGeom>
+          <a:ln w="28575"/>
+        </p:spPr>
+        <p:style>
+          <a:lnRef idx="1">
+            <a:schemeClr val="accent1"/>
+          </a:lnRef>
+          <a:fillRef idx="0">
+            <a:schemeClr val="accent1"/>
+          </a:fillRef>
+          <a:effectRef idx="0">
+            <a:schemeClr val="accent1"/>
+          </a:effectRef>
+          <a:fontRef idx="minor">
+            <a:schemeClr val="tx1"/>
+          </a:fontRef>
+        </p:style>
+      </p:cxnSp>
+      <p:cxnSp>
+        <p:nvCxnSpPr>
+          <p:cNvPr id="114" name="Straight Connector 113">
+            <a:extLst>
+              <a:ext uri="{FF2B5EF4-FFF2-40B4-BE49-F238E27FC236}">
+                <a16:creationId xmlns:a16="http://schemas.microsoft.com/office/drawing/2014/main" id="{7D086C36-E2C2-47AD-BE98-0A1E27A2974B}"/>
+              </a:ext>
+            </a:extLst>
+          </p:cNvPr>
+          <p:cNvCxnSpPr>
+            <a:cxnSpLocks/>
+            <a:stCxn id="67" idx="4"/>
+            <a:endCxn id="87" idx="0"/>
+          </p:cNvCxnSpPr>
+          <p:nvPr/>
+        </p:nvCxnSpPr>
+        <p:spPr>
+          <a:xfrm>
+            <a:off x="8247234" y="3480724"/>
+            <a:ext cx="0" cy="424277"/>
+          </a:xfrm>
+          <a:prstGeom prst="line">
+            <a:avLst/>
+          </a:prstGeom>
+          <a:ln w="28575"/>
+        </p:spPr>
+        <p:style>
+          <a:lnRef idx="1">
+            <a:schemeClr val="accent1"/>
+          </a:lnRef>
+          <a:fillRef idx="0">
+            <a:schemeClr val="accent1"/>
+          </a:fillRef>
+          <a:effectRef idx="0">
+            <a:schemeClr val="accent1"/>
+          </a:effectRef>
+          <a:fontRef idx="minor">
+            <a:schemeClr val="tx1"/>
+          </a:fontRef>
+        </p:style>
+      </p:cxnSp>
+      <p:cxnSp>
+        <p:nvCxnSpPr>
+          <p:cNvPr id="115" name="Straight Connector 114">
+            <a:extLst>
+              <a:ext uri="{FF2B5EF4-FFF2-40B4-BE49-F238E27FC236}">
+                <a16:creationId xmlns:a16="http://schemas.microsoft.com/office/drawing/2014/main" id="{FD515E73-C6AB-42D3-82D9-B4F2FFA2234D}"/>
+              </a:ext>
+            </a:extLst>
+          </p:cNvPr>
+          <p:cNvCxnSpPr>
+            <a:cxnSpLocks/>
+            <a:stCxn id="87" idx="4"/>
+          </p:cNvCxnSpPr>
+          <p:nvPr/>
+        </p:nvCxnSpPr>
+        <p:spPr>
+          <a:xfrm>
+            <a:off x="8247234" y="4508055"/>
+            <a:ext cx="0" cy="470462"/>
+          </a:xfrm>
+          <a:prstGeom prst="line">
+            <a:avLst/>
+          </a:prstGeom>
+          <a:ln w="28575"/>
+        </p:spPr>
+        <p:style>
+          <a:lnRef idx="1">
+            <a:schemeClr val="accent1"/>
+          </a:lnRef>
+          <a:fillRef idx="0">
+            <a:schemeClr val="accent1"/>
+          </a:fillRef>
+          <a:effectRef idx="0">
+            <a:schemeClr val="accent1"/>
+          </a:effectRef>
+          <a:fontRef idx="minor">
+            <a:schemeClr val="tx1"/>
+          </a:fontRef>
+        </p:style>
+      </p:cxnSp>
+      <p:cxnSp>
+        <p:nvCxnSpPr>
+          <p:cNvPr id="116" name="Straight Connector 115">
+            <a:extLst>
+              <a:ext uri="{FF2B5EF4-FFF2-40B4-BE49-F238E27FC236}">
+                <a16:creationId xmlns:a16="http://schemas.microsoft.com/office/drawing/2014/main" id="{126769A3-62B4-42FB-B339-6FF93B2664CA}"/>
+              </a:ext>
+            </a:extLst>
+          </p:cNvPr>
+          <p:cNvCxnSpPr>
+            <a:cxnSpLocks/>
+            <a:stCxn id="67" idx="1"/>
+            <a:endCxn id="65" idx="5"/>
+          </p:cNvCxnSpPr>
+          <p:nvPr/>
+        </p:nvCxnSpPr>
+        <p:spPr>
+          <a:xfrm flipH="1" flipV="1">
+            <a:off x="7454876" y="2410774"/>
+            <a:ext cx="575762" cy="555211"/>
+          </a:xfrm>
+          <a:prstGeom prst="line">
+            <a:avLst/>
+          </a:prstGeom>
+          <a:ln w="28575"/>
+        </p:spPr>
+        <p:style>
+          <a:lnRef idx="1">
+            <a:schemeClr val="accent1"/>
+          </a:lnRef>
+          <a:fillRef idx="0">
+            <a:schemeClr val="accent1"/>
+          </a:fillRef>
+          <a:effectRef idx="0">
+            <a:schemeClr val="accent1"/>
+          </a:effectRef>
+          <a:fontRef idx="minor">
+            <a:schemeClr val="tx1"/>
+          </a:fontRef>
+        </p:style>
+      </p:cxnSp>
+      <p:cxnSp>
+        <p:nvCxnSpPr>
+          <p:cNvPr id="117" name="Straight Connector 116">
+            <a:extLst>
+              <a:ext uri="{FF2B5EF4-FFF2-40B4-BE49-F238E27FC236}">
+                <a16:creationId xmlns:a16="http://schemas.microsoft.com/office/drawing/2014/main" id="{E542D22D-3E57-4DAC-B6E2-BCAFF921344C}"/>
+              </a:ext>
+            </a:extLst>
+          </p:cNvPr>
+          <p:cNvCxnSpPr>
+            <a:cxnSpLocks/>
+            <a:stCxn id="89" idx="4"/>
+            <a:endCxn id="91" idx="0"/>
+          </p:cNvCxnSpPr>
+          <p:nvPr/>
+        </p:nvCxnSpPr>
+        <p:spPr>
+          <a:xfrm>
+            <a:off x="8247234" y="5535875"/>
+            <a:ext cx="0" cy="379570"/>
+          </a:xfrm>
+          <a:prstGeom prst="line">
+            <a:avLst/>
+          </a:prstGeom>
+          <a:ln w="28575"/>
+        </p:spPr>
+        <p:style>
+          <a:lnRef idx="1">
+            <a:schemeClr val="accent1"/>
+          </a:lnRef>
+          <a:fillRef idx="0">
+            <a:schemeClr val="accent1"/>
+          </a:fillRef>
+          <a:effectRef idx="0">
+            <a:schemeClr val="accent1"/>
+          </a:effectRef>
+          <a:fontRef idx="minor">
+            <a:schemeClr val="tx1"/>
+          </a:fontRef>
+        </p:style>
+      </p:cxnSp>
+      <p:cxnSp>
+        <p:nvCxnSpPr>
+          <p:cNvPr id="118" name="Straight Connector 117">
+            <a:extLst>
+              <a:ext uri="{FF2B5EF4-FFF2-40B4-BE49-F238E27FC236}">
+                <a16:creationId xmlns:a16="http://schemas.microsoft.com/office/drawing/2014/main" id="{DC6F414B-155A-47CB-8834-788181FDD335}"/>
+              </a:ext>
+            </a:extLst>
+          </p:cNvPr>
+          <p:cNvCxnSpPr>
+            <a:cxnSpLocks/>
+            <a:stCxn id="65" idx="3"/>
+            <a:endCxn id="71" idx="7"/>
+          </p:cNvCxnSpPr>
+          <p:nvPr/>
+        </p:nvCxnSpPr>
+        <p:spPr>
+          <a:xfrm flipH="1">
+            <a:off x="6266703" y="2410774"/>
+            <a:ext cx="754981" cy="555211"/>
+          </a:xfrm>
+          <a:prstGeom prst="line">
+            <a:avLst/>
+          </a:prstGeom>
+          <a:ln w="28575"/>
+        </p:spPr>
+        <p:style>
+          <a:lnRef idx="1">
+            <a:schemeClr val="accent1"/>
+          </a:lnRef>
+          <a:fillRef idx="0">
+            <a:schemeClr val="accent1"/>
+          </a:fillRef>
+          <a:effectRef idx="0">
+            <a:schemeClr val="accent1"/>
+          </a:effectRef>
+          <a:fontRef idx="minor">
+            <a:schemeClr val="tx1"/>
+          </a:fontRef>
+        </p:style>
+      </p:cxnSp>
+      <p:cxnSp>
+        <p:nvCxnSpPr>
+          <p:cNvPr id="119" name="Straight Connector 118">
+            <a:extLst>
+              <a:ext uri="{FF2B5EF4-FFF2-40B4-BE49-F238E27FC236}">
+                <a16:creationId xmlns:a16="http://schemas.microsoft.com/office/drawing/2014/main" id="{8A86AFAD-8CBF-4894-93E4-A343F2489648}"/>
+              </a:ext>
+            </a:extLst>
+          </p:cNvPr>
+          <p:cNvCxnSpPr>
+            <a:cxnSpLocks/>
+            <a:stCxn id="71" idx="3"/>
+            <a:endCxn id="73" idx="0"/>
+          </p:cNvCxnSpPr>
+          <p:nvPr/>
+        </p:nvCxnSpPr>
+        <p:spPr>
+          <a:xfrm flipH="1">
+            <a:off x="5629665" y="3392409"/>
+            <a:ext cx="203846" cy="466896"/>
+          </a:xfrm>
+          <a:prstGeom prst="line">
+            <a:avLst/>
+          </a:prstGeom>
+          <a:ln w="28575"/>
+        </p:spPr>
+        <p:style>
+          <a:lnRef idx="1">
+            <a:schemeClr val="accent1"/>
+          </a:lnRef>
+          <a:fillRef idx="0">
+            <a:schemeClr val="accent1"/>
+          </a:fillRef>
+          <a:effectRef idx="0">
+            <a:schemeClr val="accent1"/>
+          </a:effectRef>
+          <a:fontRef idx="minor">
+            <a:schemeClr val="tx1"/>
+          </a:fontRef>
+        </p:style>
+      </p:cxnSp>
+      <p:cxnSp>
+        <p:nvCxnSpPr>
+          <p:cNvPr id="120" name="Straight Connector 119">
+            <a:extLst>
+              <a:ext uri="{FF2B5EF4-FFF2-40B4-BE49-F238E27FC236}">
+                <a16:creationId xmlns:a16="http://schemas.microsoft.com/office/drawing/2014/main" id="{549C9A0B-AD72-40CC-92A0-7EA91C598246}"/>
+              </a:ext>
+            </a:extLst>
+          </p:cNvPr>
+          <p:cNvCxnSpPr>
+            <a:cxnSpLocks/>
+            <a:stCxn id="71" idx="5"/>
+            <a:endCxn id="85" idx="0"/>
+          </p:cNvCxnSpPr>
+          <p:nvPr/>
+        </p:nvCxnSpPr>
+        <p:spPr>
+          <a:xfrm>
+            <a:off x="6266703" y="3392409"/>
+            <a:ext cx="244844" cy="466896"/>
+          </a:xfrm>
+          <a:prstGeom prst="line">
+            <a:avLst/>
+          </a:prstGeom>
+          <a:ln w="28575"/>
+        </p:spPr>
+        <p:style>
+          <a:lnRef idx="1">
+            <a:schemeClr val="accent1"/>
+          </a:lnRef>
+          <a:fillRef idx="0">
+            <a:schemeClr val="accent1"/>
+          </a:fillRef>
+          <a:effectRef idx="0">
+            <a:schemeClr val="accent1"/>
+          </a:effectRef>
+          <a:fontRef idx="minor">
+            <a:schemeClr val="tx1"/>
+          </a:fontRef>
+        </p:style>
+      </p:cxnSp>
+      <p:sp>
+        <p:nvSpPr>
+          <p:cNvPr id="131" name="TextBox 130">
+            <a:extLst>
+              <a:ext uri="{FF2B5EF4-FFF2-40B4-BE49-F238E27FC236}">
+                <a16:creationId xmlns:a16="http://schemas.microsoft.com/office/drawing/2014/main" id="{0E36588F-45EF-44A4-BBEF-C34936BB1B61}"/>
+              </a:ext>
+            </a:extLst>
+          </p:cNvPr>
+          <p:cNvSpPr txBox="1"/>
+          <p:nvPr/>
+        </p:nvSpPr>
+        <p:spPr>
+          <a:xfrm>
+            <a:off x="3960530" y="1032000"/>
+            <a:ext cx="573241" cy="369332"/>
+          </a:xfrm>
+          <a:prstGeom prst="rect">
+            <a:avLst/>
+          </a:prstGeom>
+          <a:noFill/>
+        </p:spPr>
+        <p:txBody>
+          <a:bodyPr wrap="square" rtlCol="0">
+            <a:spAutoFit/>
+          </a:bodyPr>
+          <a:lstStyle/>
+          <a:p>
+            <a:r>
+              <a:rPr lang="en-US" b="1" dirty="0">
+                <a:solidFill>
+                  <a:srgbClr val="FF0000"/>
+                </a:solidFill>
+              </a:rPr>
+              <a:t>b</a:t>
+            </a:r>
+          </a:p>
+        </p:txBody>
+      </p:sp>
+      <p:sp>
+        <p:nvSpPr>
+          <p:cNvPr id="132" name="TextBox 131">
+            <a:extLst>
+              <a:ext uri="{FF2B5EF4-FFF2-40B4-BE49-F238E27FC236}">
+                <a16:creationId xmlns:a16="http://schemas.microsoft.com/office/drawing/2014/main" id="{7822F56D-DAEC-4A93-94DA-FA1F5E00DB7A}"/>
+              </a:ext>
+            </a:extLst>
+          </p:cNvPr>
+          <p:cNvSpPr txBox="1"/>
+          <p:nvPr/>
+        </p:nvSpPr>
+        <p:spPr>
+          <a:xfrm>
+            <a:off x="4486436" y="3026048"/>
+            <a:ext cx="573241" cy="338554"/>
+          </a:xfrm>
+          <a:prstGeom prst="rect">
+            <a:avLst/>
+          </a:prstGeom>
+          <a:noFill/>
+        </p:spPr>
+        <p:txBody>
+          <a:bodyPr wrap="square" rtlCol="0">
+            <a:spAutoFit/>
+          </a:bodyPr>
+          <a:lstStyle/>
+          <a:p>
+            <a:r>
+              <a:rPr lang="en-US" sz="1600" b="1" dirty="0"/>
+              <a:t>2</a:t>
+            </a:r>
+          </a:p>
+        </p:txBody>
+      </p:sp>
+      <p:sp>
+        <p:nvSpPr>
+          <p:cNvPr id="133" name="TextBox 132">
+            <a:extLst>
+              <a:ext uri="{FF2B5EF4-FFF2-40B4-BE49-F238E27FC236}">
+                <a16:creationId xmlns:a16="http://schemas.microsoft.com/office/drawing/2014/main" id="{0BA89094-C991-4834-94C1-455DADD0A09D}"/>
+              </a:ext>
+            </a:extLst>
+          </p:cNvPr>
+          <p:cNvSpPr txBox="1"/>
+          <p:nvPr/>
+        </p:nvSpPr>
+        <p:spPr>
+          <a:xfrm>
+            <a:off x="4486436" y="6109972"/>
+            <a:ext cx="573241" cy="338554"/>
+          </a:xfrm>
+          <a:prstGeom prst="rect">
+            <a:avLst/>
+          </a:prstGeom>
+          <a:noFill/>
+        </p:spPr>
+        <p:txBody>
+          <a:bodyPr wrap="square" rtlCol="0">
+            <a:spAutoFit/>
+          </a:bodyPr>
+          <a:lstStyle/>
+          <a:p>
+            <a:r>
+              <a:rPr lang="en-US" sz="1600" b="1" dirty="0"/>
+              <a:t>3</a:t>
+            </a:r>
+          </a:p>
+        </p:txBody>
+      </p:sp>
+      <p:sp>
+        <p:nvSpPr>
+          <p:cNvPr id="134" name="TextBox 133">
+            <a:extLst>
+              <a:ext uri="{FF2B5EF4-FFF2-40B4-BE49-F238E27FC236}">
+                <a16:creationId xmlns:a16="http://schemas.microsoft.com/office/drawing/2014/main" id="{88464A6E-7E5A-4C14-A738-B43A5F1C0C95}"/>
+              </a:ext>
+            </a:extLst>
+          </p:cNvPr>
+          <p:cNvSpPr txBox="1"/>
+          <p:nvPr/>
+        </p:nvSpPr>
+        <p:spPr>
+          <a:xfrm>
+            <a:off x="6435452" y="3028631"/>
+            <a:ext cx="573241" cy="338554"/>
+          </a:xfrm>
+          <a:prstGeom prst="rect">
+            <a:avLst/>
+          </a:prstGeom>
+          <a:noFill/>
+        </p:spPr>
+        <p:txBody>
+          <a:bodyPr wrap="square" rtlCol="0">
+            <a:spAutoFit/>
+          </a:bodyPr>
+          <a:lstStyle/>
+          <a:p>
+            <a:r>
+              <a:rPr lang="en-US" sz="1600" b="1" dirty="0"/>
+              <a:t>4</a:t>
+            </a:r>
+          </a:p>
+        </p:txBody>
+      </p:sp>
+      <p:sp>
+        <p:nvSpPr>
+          <p:cNvPr id="135" name="TextBox 134">
+            <a:extLst>
+              <a:ext uri="{FF2B5EF4-FFF2-40B4-BE49-F238E27FC236}">
+                <a16:creationId xmlns:a16="http://schemas.microsoft.com/office/drawing/2014/main" id="{C0ADAD71-F845-4063-8CA0-9E55CAB613B6}"/>
+              </a:ext>
+            </a:extLst>
+          </p:cNvPr>
+          <p:cNvSpPr txBox="1"/>
+          <p:nvPr/>
+        </p:nvSpPr>
+        <p:spPr>
+          <a:xfrm>
+            <a:off x="5476375" y="4549560"/>
+            <a:ext cx="573241" cy="338554"/>
+          </a:xfrm>
+          <a:prstGeom prst="rect">
+            <a:avLst/>
+          </a:prstGeom>
+          <a:noFill/>
+        </p:spPr>
+        <p:txBody>
+          <a:bodyPr wrap="square" rtlCol="0">
+            <a:spAutoFit/>
+          </a:bodyPr>
+          <a:lstStyle/>
+          <a:p>
+            <a:r>
+              <a:rPr lang="en-US" sz="1600" b="1" dirty="0"/>
+              <a:t>5</a:t>
+            </a:r>
+          </a:p>
+        </p:txBody>
+      </p:sp>
+      <p:sp>
+        <p:nvSpPr>
+          <p:cNvPr id="136" name="TextBox 135">
+            <a:extLst>
+              <a:ext uri="{FF2B5EF4-FFF2-40B4-BE49-F238E27FC236}">
+                <a16:creationId xmlns:a16="http://schemas.microsoft.com/office/drawing/2014/main" id="{9BE7C27F-E7F6-4A3C-82AE-1B3D22D05F19}"/>
+              </a:ext>
+            </a:extLst>
+          </p:cNvPr>
+          <p:cNvSpPr txBox="1"/>
+          <p:nvPr/>
+        </p:nvSpPr>
+        <p:spPr>
+          <a:xfrm>
+            <a:off x="6361720" y="4549560"/>
+            <a:ext cx="573241" cy="338554"/>
+          </a:xfrm>
+          <a:prstGeom prst="rect">
+            <a:avLst/>
+          </a:prstGeom>
+          <a:noFill/>
+        </p:spPr>
+        <p:txBody>
+          <a:bodyPr wrap="square" rtlCol="0">
+            <a:spAutoFit/>
+          </a:bodyPr>
+          <a:lstStyle/>
+          <a:p>
+            <a:r>
+              <a:rPr lang="en-US" sz="1600" b="1" dirty="0"/>
+              <a:t>6</a:t>
+            </a:r>
+          </a:p>
+        </p:txBody>
+      </p:sp>
+      <p:sp>
+        <p:nvSpPr>
+          <p:cNvPr id="137" name="TextBox 136">
+            <a:extLst>
+              <a:ext uri="{FF2B5EF4-FFF2-40B4-BE49-F238E27FC236}">
+                <a16:creationId xmlns:a16="http://schemas.microsoft.com/office/drawing/2014/main" id="{23F7905A-4198-4028-A593-44855E680319}"/>
+              </a:ext>
+            </a:extLst>
+          </p:cNvPr>
+          <p:cNvSpPr txBox="1"/>
+          <p:nvPr/>
+        </p:nvSpPr>
+        <p:spPr>
+          <a:xfrm>
+            <a:off x="8656075" y="4068297"/>
+            <a:ext cx="573241" cy="338554"/>
+          </a:xfrm>
+          <a:prstGeom prst="rect">
+            <a:avLst/>
+          </a:prstGeom>
+          <a:noFill/>
+        </p:spPr>
+        <p:txBody>
+          <a:bodyPr wrap="square" rtlCol="0">
+            <a:spAutoFit/>
+          </a:bodyPr>
+          <a:lstStyle/>
+          <a:p>
+            <a:r>
+              <a:rPr lang="en-US" sz="1600" b="1" dirty="0"/>
+              <a:t>7</a:t>
+            </a:r>
+          </a:p>
+        </p:txBody>
+      </p:sp>
+      <p:sp>
+        <p:nvSpPr>
+          <p:cNvPr id="138" name="TextBox 137">
+            <a:extLst>
+              <a:ext uri="{FF2B5EF4-FFF2-40B4-BE49-F238E27FC236}">
+                <a16:creationId xmlns:a16="http://schemas.microsoft.com/office/drawing/2014/main" id="{245A6B6C-DEBA-4C6C-BE1C-5735375FC172}"/>
+              </a:ext>
+            </a:extLst>
+          </p:cNvPr>
+          <p:cNvSpPr txBox="1"/>
+          <p:nvPr/>
+        </p:nvSpPr>
+        <p:spPr>
+          <a:xfrm>
+            <a:off x="8656075" y="6083395"/>
+            <a:ext cx="573241" cy="338554"/>
+          </a:xfrm>
+          <a:prstGeom prst="rect">
+            <a:avLst/>
+          </a:prstGeom>
+          <a:noFill/>
+        </p:spPr>
+        <p:txBody>
+          <a:bodyPr wrap="square" rtlCol="0">
+            <a:spAutoFit/>
+          </a:bodyPr>
+          <a:lstStyle/>
+          <a:p>
+            <a:r>
+              <a:rPr lang="en-US" sz="1600" b="1" dirty="0"/>
+              <a:t>8</a:t>
+            </a:r>
+          </a:p>
+        </p:txBody>
+      </p:sp>
+      <p:sp>
+        <p:nvSpPr>
+          <p:cNvPr id="139" name="TextBox 138">
+            <a:extLst>
+              <a:ext uri="{FF2B5EF4-FFF2-40B4-BE49-F238E27FC236}">
+                <a16:creationId xmlns:a16="http://schemas.microsoft.com/office/drawing/2014/main" id="{A6ED3537-54BB-4717-B6A5-58B6685E4D27}"/>
+              </a:ext>
+            </a:extLst>
+          </p:cNvPr>
+          <p:cNvSpPr txBox="1"/>
+          <p:nvPr/>
+        </p:nvSpPr>
+        <p:spPr>
+          <a:xfrm>
+            <a:off x="10669053" y="3035889"/>
+            <a:ext cx="573241" cy="338554"/>
+          </a:xfrm>
+          <a:prstGeom prst="rect">
+            <a:avLst/>
+          </a:prstGeom>
+          <a:noFill/>
+        </p:spPr>
+        <p:txBody>
+          <a:bodyPr wrap="square" rtlCol="0">
+            <a:spAutoFit/>
+          </a:bodyPr>
+          <a:lstStyle/>
+          <a:p>
+            <a:r>
+              <a:rPr lang="en-US" sz="1600" b="1" dirty="0"/>
+              <a:t>9</a:t>
+            </a:r>
+          </a:p>
+        </p:txBody>
+      </p:sp>
+      <p:sp>
+        <p:nvSpPr>
+          <p:cNvPr id="140" name="TextBox 139">
+            <a:extLst>
+              <a:ext uri="{FF2B5EF4-FFF2-40B4-BE49-F238E27FC236}">
+                <a16:creationId xmlns:a16="http://schemas.microsoft.com/office/drawing/2014/main" id="{16DC1D45-54D8-48F8-AFC5-5514D2A17E0C}"/>
+              </a:ext>
+            </a:extLst>
+          </p:cNvPr>
+          <p:cNvSpPr txBox="1"/>
+          <p:nvPr/>
+        </p:nvSpPr>
+        <p:spPr>
+          <a:xfrm>
+            <a:off x="10669053" y="5107641"/>
+            <a:ext cx="573241" cy="338554"/>
+          </a:xfrm>
+          <a:prstGeom prst="rect">
+            <a:avLst/>
+          </a:prstGeom>
+          <a:noFill/>
+        </p:spPr>
+        <p:txBody>
+          <a:bodyPr wrap="square" rtlCol="0">
+            <a:spAutoFit/>
+          </a:bodyPr>
+          <a:lstStyle/>
+          <a:p>
+            <a:r>
+              <a:rPr lang="en-US" sz="1600" b="1" dirty="0"/>
+              <a:t>10</a:t>
+            </a:r>
+          </a:p>
+        </p:txBody>
+      </p:sp>
+      <p:sp>
+        <p:nvSpPr>
+          <p:cNvPr id="74" name="Oval 73">
+            <a:extLst>
+              <a:ext uri="{FF2B5EF4-FFF2-40B4-BE49-F238E27FC236}">
+                <a16:creationId xmlns:a16="http://schemas.microsoft.com/office/drawing/2014/main" id="{A9E22396-8C0F-4CC7-A2A6-62F24C29E7DB}"/>
+              </a:ext>
+            </a:extLst>
+          </p:cNvPr>
+          <p:cNvSpPr/>
+          <p:nvPr/>
+        </p:nvSpPr>
+        <p:spPr>
+          <a:xfrm>
+            <a:off x="5739872" y="222910"/>
+            <a:ext cx="657546" cy="647272"/>
+          </a:xfrm>
+          <a:prstGeom prst="ellipse">
+            <a:avLst/>
+          </a:prstGeom>
+          <a:solidFill>
+            <a:schemeClr val="bg1"/>
+          </a:solidFill>
+          <a:ln w="28575"/>
+        </p:spPr>
+        <p:style>
+          <a:lnRef idx="2">
+            <a:schemeClr val="accent1">
+              <a:shade val="50000"/>
+            </a:schemeClr>
+          </a:lnRef>
+          <a:fillRef idx="1">
+            <a:schemeClr val="accent1"/>
+          </a:fillRef>
+          <a:effectRef idx="0">
+            <a:schemeClr val="accent1"/>
+          </a:effectRef>
+          <a:fontRef idx="minor">
+            <a:schemeClr val="lt1"/>
+          </a:fontRef>
+        </p:style>
+        <p:txBody>
+          <a:bodyPr rtlCol="0" anchor="ctr"/>
+          <a:lstStyle/>
+          <a:p>
+            <a:pPr algn="ctr"/>
+            <a:endParaRPr lang="en-US"/>
+          </a:p>
+        </p:txBody>
+      </p:sp>
+      <p:sp>
+        <p:nvSpPr>
+          <p:cNvPr id="75" name="TextBox 74">
+            <a:extLst>
+              <a:ext uri="{FF2B5EF4-FFF2-40B4-BE49-F238E27FC236}">
+                <a16:creationId xmlns:a16="http://schemas.microsoft.com/office/drawing/2014/main" id="{355F1BAF-D18C-4218-A0C2-05B017E7284D}"/>
+              </a:ext>
+            </a:extLst>
+          </p:cNvPr>
+          <p:cNvSpPr txBox="1"/>
+          <p:nvPr/>
+        </p:nvSpPr>
+        <p:spPr>
+          <a:xfrm>
+            <a:off x="5794583" y="336656"/>
+            <a:ext cx="671785" cy="369332"/>
+          </a:xfrm>
+          <a:prstGeom prst="rect">
+            <a:avLst/>
+          </a:prstGeom>
+          <a:noFill/>
+        </p:spPr>
+        <p:txBody>
+          <a:bodyPr wrap="square" rtlCol="0">
+            <a:spAutoFit/>
+          </a:bodyPr>
+          <a:lstStyle/>
+          <a:p>
+            <a:r>
+              <a:rPr lang="en-US" b="1" dirty="0">
+                <a:solidFill>
+                  <a:srgbClr val="FF0000"/>
+                </a:solidFill>
+              </a:rPr>
+              <a:t>root</a:t>
+            </a:r>
+          </a:p>
+        </p:txBody>
+      </p:sp>
+      <p:cxnSp>
+        <p:nvCxnSpPr>
+          <p:cNvPr id="76" name="Straight Connector 75">
+            <a:extLst>
+              <a:ext uri="{FF2B5EF4-FFF2-40B4-BE49-F238E27FC236}">
+                <a16:creationId xmlns:a16="http://schemas.microsoft.com/office/drawing/2014/main" id="{9A2B3A66-E942-40B4-AB42-EDF333B99999}"/>
+              </a:ext>
+            </a:extLst>
+          </p:cNvPr>
+          <p:cNvCxnSpPr>
+            <a:cxnSpLocks/>
+            <a:stCxn id="101" idx="1"/>
+            <a:endCxn id="74" idx="6"/>
+          </p:cNvCxnSpPr>
+          <p:nvPr/>
+        </p:nvCxnSpPr>
+        <p:spPr>
+          <a:xfrm flipH="1" flipV="1">
+            <a:off x="6397418" y="546546"/>
+            <a:ext cx="2080322" cy="418427"/>
+          </a:xfrm>
+          <a:prstGeom prst="line">
+            <a:avLst/>
+          </a:prstGeom>
+          <a:ln w="28575"/>
+        </p:spPr>
+        <p:style>
+          <a:lnRef idx="1">
+            <a:schemeClr val="accent1"/>
+          </a:lnRef>
+          <a:fillRef idx="0">
+            <a:schemeClr val="accent1"/>
+          </a:fillRef>
+          <a:effectRef idx="0">
+            <a:schemeClr val="accent1"/>
+          </a:effectRef>
+          <a:fontRef idx="minor">
+            <a:schemeClr val="tx1"/>
+          </a:fontRef>
+        </p:style>
+      </p:cxnSp>
+      <p:cxnSp>
+        <p:nvCxnSpPr>
+          <p:cNvPr id="77" name="Straight Connector 76">
+            <a:extLst>
+              <a:ext uri="{FF2B5EF4-FFF2-40B4-BE49-F238E27FC236}">
+                <a16:creationId xmlns:a16="http://schemas.microsoft.com/office/drawing/2014/main" id="{E45FB622-8898-4B71-881A-29CB7F630F25}"/>
+              </a:ext>
+            </a:extLst>
+          </p:cNvPr>
+          <p:cNvCxnSpPr>
+            <a:cxnSpLocks/>
+            <a:stCxn id="74" idx="2"/>
+            <a:endCxn id="56" idx="7"/>
+          </p:cNvCxnSpPr>
+          <p:nvPr/>
+        </p:nvCxnSpPr>
+        <p:spPr>
+          <a:xfrm flipH="1">
+            <a:off x="4329598" y="546546"/>
+            <a:ext cx="1410274" cy="418427"/>
+          </a:xfrm>
+          <a:prstGeom prst="line">
+            <a:avLst/>
+          </a:prstGeom>
+          <a:ln w="28575"/>
+        </p:spPr>
+        <p:style>
+          <a:lnRef idx="1">
+            <a:schemeClr val="accent1"/>
+          </a:lnRef>
+          <a:fillRef idx="0">
+            <a:schemeClr val="accent1"/>
+          </a:fillRef>
+          <a:effectRef idx="0">
+            <a:schemeClr val="accent1"/>
+          </a:effectRef>
+          <a:fontRef idx="minor">
+            <a:schemeClr val="tx1"/>
+          </a:fontRef>
+        </p:style>
+      </p:cxnSp>
+    </p:spTree>
+    <p:extLst>
+      <p:ext uri="{BB962C8B-B14F-4D97-AF65-F5344CB8AC3E}">
+        <p14:creationId xmlns:p14="http://schemas.microsoft.com/office/powerpoint/2010/main" val="1826136987"/>
+      </p:ext>
+    </p:extLst>
+  </p:cSld>
+  <p:clrMapOvr>
+    <a:masterClrMapping/>
+  </p:clrMapOvr>
+</p:sld>
+</file>
+
 <file path=ppt/theme/theme1.xml><?xml version="1.0" encoding="utf-8"?>
 <a:theme xmlns:a="http://schemas.openxmlformats.org/drawingml/2006/main" name="Office Theme">
   <a:themeElements>

--- a/example/Illustration.pptx
+++ b/example/Illustration.pptx
@@ -10,6 +10,7 @@
     <p:sldId id="258" r:id="rId4"/>
     <p:sldId id="259" r:id="rId5"/>
     <p:sldId id="260" r:id="rId6"/>
+    <p:sldId id="261" r:id="rId7"/>
   </p:sldIdLst>
   <p:sldSz cx="12192000" cy="6858000"/>
   <p:notesSz cx="6858000" cy="9144000"/>
@@ -263,7 +264,7 @@
           <a:p>
             <a:fld id="{72FE935D-B1BD-4A3D-9A0C-E0D098B103D6}" type="datetimeFigureOut">
               <a:rPr lang="en-US" smtClean="0"/>
-              <a:t>10/15/2019</a:t>
+              <a:t>10/22/2019</a:t>
             </a:fld>
             <a:endParaRPr lang="en-US"/>
           </a:p>
@@ -461,7 +462,7 @@
           <a:p>
             <a:fld id="{72FE935D-B1BD-4A3D-9A0C-E0D098B103D6}" type="datetimeFigureOut">
               <a:rPr lang="en-US" smtClean="0"/>
-              <a:t>10/15/2019</a:t>
+              <a:t>10/22/2019</a:t>
             </a:fld>
             <a:endParaRPr lang="en-US"/>
           </a:p>
@@ -669,7 +670,7 @@
           <a:p>
             <a:fld id="{72FE935D-B1BD-4A3D-9A0C-E0D098B103D6}" type="datetimeFigureOut">
               <a:rPr lang="en-US" smtClean="0"/>
-              <a:t>10/15/2019</a:t>
+              <a:t>10/22/2019</a:t>
             </a:fld>
             <a:endParaRPr lang="en-US"/>
           </a:p>
@@ -867,7 +868,7 @@
           <a:p>
             <a:fld id="{72FE935D-B1BD-4A3D-9A0C-E0D098B103D6}" type="datetimeFigureOut">
               <a:rPr lang="en-US" smtClean="0"/>
-              <a:t>10/15/2019</a:t>
+              <a:t>10/22/2019</a:t>
             </a:fld>
             <a:endParaRPr lang="en-US"/>
           </a:p>
@@ -1142,7 +1143,7 @@
           <a:p>
             <a:fld id="{72FE935D-B1BD-4A3D-9A0C-E0D098B103D6}" type="datetimeFigureOut">
               <a:rPr lang="en-US" smtClean="0"/>
-              <a:t>10/15/2019</a:t>
+              <a:t>10/22/2019</a:t>
             </a:fld>
             <a:endParaRPr lang="en-US"/>
           </a:p>
@@ -1407,7 +1408,7 @@
           <a:p>
             <a:fld id="{72FE935D-B1BD-4A3D-9A0C-E0D098B103D6}" type="datetimeFigureOut">
               <a:rPr lang="en-US" smtClean="0"/>
-              <a:t>10/15/2019</a:t>
+              <a:t>10/22/2019</a:t>
             </a:fld>
             <a:endParaRPr lang="en-US"/>
           </a:p>
@@ -1819,7 +1820,7 @@
           <a:p>
             <a:fld id="{72FE935D-B1BD-4A3D-9A0C-E0D098B103D6}" type="datetimeFigureOut">
               <a:rPr lang="en-US" smtClean="0"/>
-              <a:t>10/15/2019</a:t>
+              <a:t>10/22/2019</a:t>
             </a:fld>
             <a:endParaRPr lang="en-US"/>
           </a:p>
@@ -1960,7 +1961,7 @@
           <a:p>
             <a:fld id="{72FE935D-B1BD-4A3D-9A0C-E0D098B103D6}" type="datetimeFigureOut">
               <a:rPr lang="en-US" smtClean="0"/>
-              <a:t>10/15/2019</a:t>
+              <a:t>10/22/2019</a:t>
             </a:fld>
             <a:endParaRPr lang="en-US"/>
           </a:p>
@@ -2073,7 +2074,7 @@
           <a:p>
             <a:fld id="{72FE935D-B1BD-4A3D-9A0C-E0D098B103D6}" type="datetimeFigureOut">
               <a:rPr lang="en-US" smtClean="0"/>
-              <a:t>10/15/2019</a:t>
+              <a:t>10/22/2019</a:t>
             </a:fld>
             <a:endParaRPr lang="en-US"/>
           </a:p>
@@ -2384,7 +2385,7 @@
           <a:p>
             <a:fld id="{72FE935D-B1BD-4A3D-9A0C-E0D098B103D6}" type="datetimeFigureOut">
               <a:rPr lang="en-US" smtClean="0"/>
-              <a:t>10/15/2019</a:t>
+              <a:t>10/22/2019</a:t>
             </a:fld>
             <a:endParaRPr lang="en-US"/>
           </a:p>
@@ -2672,7 +2673,7 @@
           <a:p>
             <a:fld id="{72FE935D-B1BD-4A3D-9A0C-E0D098B103D6}" type="datetimeFigureOut">
               <a:rPr lang="en-US" smtClean="0"/>
-              <a:t>10/15/2019</a:t>
+              <a:t>10/22/2019</a:t>
             </a:fld>
             <a:endParaRPr lang="en-US"/>
           </a:p>
@@ -2913,7 +2914,7 @@
           <a:p>
             <a:fld id="{72FE935D-B1BD-4A3D-9A0C-E0D098B103D6}" type="datetimeFigureOut">
               <a:rPr lang="en-US" smtClean="0"/>
-              <a:t>10/15/2019</a:t>
+              <a:t>10/22/2019</a:t>
             </a:fld>
             <a:endParaRPr lang="en-US"/>
           </a:p>
@@ -15830,6 +15831,2255 @@
 </p:sld>
 </file>
 
+<file path=ppt/slides/slide6.xml><?xml version="1.0" encoding="utf-8"?>
+<p:sld xmlns:a="http://schemas.openxmlformats.org/drawingml/2006/main" xmlns:r="http://schemas.openxmlformats.org/officeDocument/2006/relationships" xmlns:p="http://schemas.openxmlformats.org/presentationml/2006/main">
+  <p:cSld>
+    <p:spTree>
+      <p:nvGrpSpPr>
+        <p:cNvPr id="1" name=""/>
+        <p:cNvGrpSpPr/>
+        <p:nvPr/>
+      </p:nvGrpSpPr>
+      <p:grpSpPr>
+        <a:xfrm>
+          <a:off x="0" y="0"/>
+          <a:ext cx="0" cy="0"/>
+          <a:chOff x="0" y="0"/>
+          <a:chExt cx="0" cy="0"/>
+        </a:xfrm>
+      </p:grpSpPr>
+      <p:sp>
+        <p:nvSpPr>
+          <p:cNvPr id="4" name="Oval 3">
+            <a:extLst>
+              <a:ext uri="{FF2B5EF4-FFF2-40B4-BE49-F238E27FC236}">
+                <a16:creationId xmlns:a16="http://schemas.microsoft.com/office/drawing/2014/main" id="{73C9CC0E-F0DD-4690-AB0F-8C6131A38673}"/>
+              </a:ext>
+            </a:extLst>
+          </p:cNvPr>
+          <p:cNvSpPr/>
+          <p:nvPr/>
+        </p:nvSpPr>
+        <p:spPr>
+          <a:xfrm>
+            <a:off x="2613720" y="815318"/>
+            <a:ext cx="657546" cy="647272"/>
+          </a:xfrm>
+          <a:prstGeom prst="ellipse">
+            <a:avLst/>
+          </a:prstGeom>
+          <a:solidFill>
+            <a:schemeClr val="bg1"/>
+          </a:solidFill>
+          <a:ln w="28575"/>
+        </p:spPr>
+        <p:style>
+          <a:lnRef idx="2">
+            <a:schemeClr val="accent1">
+              <a:shade val="50000"/>
+            </a:schemeClr>
+          </a:lnRef>
+          <a:fillRef idx="1">
+            <a:schemeClr val="accent1"/>
+          </a:fillRef>
+          <a:effectRef idx="0">
+            <a:schemeClr val="accent1"/>
+          </a:effectRef>
+          <a:fontRef idx="minor">
+            <a:schemeClr val="lt1"/>
+          </a:fontRef>
+        </p:style>
+        <p:txBody>
+          <a:bodyPr rtlCol="0" anchor="ctr"/>
+          <a:lstStyle/>
+          <a:p>
+            <a:pPr algn="ctr"/>
+            <a:endParaRPr lang="en-US"/>
+          </a:p>
+        </p:txBody>
+      </p:sp>
+      <p:sp>
+        <p:nvSpPr>
+          <p:cNvPr id="5" name="TextBox 4">
+            <a:extLst>
+              <a:ext uri="{FF2B5EF4-FFF2-40B4-BE49-F238E27FC236}">
+                <a16:creationId xmlns:a16="http://schemas.microsoft.com/office/drawing/2014/main" id="{FD6C3CF6-3EA5-4C14-8F2F-F93F684E6F9F}"/>
+              </a:ext>
+            </a:extLst>
+          </p:cNvPr>
+          <p:cNvSpPr txBox="1"/>
+          <p:nvPr/>
+        </p:nvSpPr>
+        <p:spPr>
+          <a:xfrm>
+            <a:off x="2805903" y="977136"/>
+            <a:ext cx="573241" cy="369332"/>
+          </a:xfrm>
+          <a:prstGeom prst="rect">
+            <a:avLst/>
+          </a:prstGeom>
+          <a:noFill/>
+        </p:spPr>
+        <p:txBody>
+          <a:bodyPr wrap="square" rtlCol="0">
+            <a:spAutoFit/>
+          </a:bodyPr>
+          <a:lstStyle/>
+          <a:p>
+            <a:r>
+              <a:rPr lang="en-US" b="1" dirty="0">
+                <a:solidFill>
+                  <a:srgbClr val="FF0000"/>
+                </a:solidFill>
+              </a:rPr>
+              <a:t>1</a:t>
+            </a:r>
+          </a:p>
+        </p:txBody>
+      </p:sp>
+      <p:sp>
+        <p:nvSpPr>
+          <p:cNvPr id="6" name="Oval 5">
+            <a:extLst>
+              <a:ext uri="{FF2B5EF4-FFF2-40B4-BE49-F238E27FC236}">
+                <a16:creationId xmlns:a16="http://schemas.microsoft.com/office/drawing/2014/main" id="{050269AE-9C9E-44DF-9F82-160DAB63ECB6}"/>
+              </a:ext>
+            </a:extLst>
+          </p:cNvPr>
+          <p:cNvSpPr/>
+          <p:nvPr/>
+        </p:nvSpPr>
+        <p:spPr>
+          <a:xfrm>
+            <a:off x="1008844" y="3710918"/>
+            <a:ext cx="657546" cy="647272"/>
+          </a:xfrm>
+          <a:prstGeom prst="ellipse">
+            <a:avLst/>
+          </a:prstGeom>
+          <a:solidFill>
+            <a:schemeClr val="bg1"/>
+          </a:solidFill>
+          <a:ln w="28575"/>
+        </p:spPr>
+        <p:style>
+          <a:lnRef idx="2">
+            <a:schemeClr val="accent1">
+              <a:shade val="50000"/>
+            </a:schemeClr>
+          </a:lnRef>
+          <a:fillRef idx="1">
+            <a:schemeClr val="accent1"/>
+          </a:fillRef>
+          <a:effectRef idx="0">
+            <a:schemeClr val="accent1"/>
+          </a:effectRef>
+          <a:fontRef idx="minor">
+            <a:schemeClr val="lt1"/>
+          </a:fontRef>
+        </p:style>
+        <p:txBody>
+          <a:bodyPr rtlCol="0" anchor="ctr"/>
+          <a:lstStyle/>
+          <a:p>
+            <a:pPr algn="ctr"/>
+            <a:endParaRPr lang="en-US"/>
+          </a:p>
+        </p:txBody>
+      </p:sp>
+      <p:sp>
+        <p:nvSpPr>
+          <p:cNvPr id="7" name="TextBox 6">
+            <a:extLst>
+              <a:ext uri="{FF2B5EF4-FFF2-40B4-BE49-F238E27FC236}">
+                <a16:creationId xmlns:a16="http://schemas.microsoft.com/office/drawing/2014/main" id="{506DB218-E38D-4339-AE09-D52E29119E4D}"/>
+              </a:ext>
+            </a:extLst>
+          </p:cNvPr>
+          <p:cNvSpPr txBox="1"/>
+          <p:nvPr/>
+        </p:nvSpPr>
+        <p:spPr>
+          <a:xfrm>
+            <a:off x="1187586" y="3849888"/>
+            <a:ext cx="573241" cy="369332"/>
+          </a:xfrm>
+          <a:prstGeom prst="rect">
+            <a:avLst/>
+          </a:prstGeom>
+          <a:noFill/>
+        </p:spPr>
+        <p:txBody>
+          <a:bodyPr wrap="square" rtlCol="0">
+            <a:spAutoFit/>
+          </a:bodyPr>
+          <a:lstStyle/>
+          <a:p>
+            <a:r>
+              <a:rPr lang="en-US" b="1" dirty="0">
+                <a:solidFill>
+                  <a:srgbClr val="FF0000"/>
+                </a:solidFill>
+              </a:rPr>
+              <a:t>3</a:t>
+            </a:r>
+          </a:p>
+        </p:txBody>
+      </p:sp>
+      <p:sp>
+        <p:nvSpPr>
+          <p:cNvPr id="8" name="Oval 7">
+            <a:extLst>
+              <a:ext uri="{FF2B5EF4-FFF2-40B4-BE49-F238E27FC236}">
+                <a16:creationId xmlns:a16="http://schemas.microsoft.com/office/drawing/2014/main" id="{A70E7026-37BB-4C3A-A1EB-C7228B3F74C2}"/>
+              </a:ext>
+            </a:extLst>
+          </p:cNvPr>
+          <p:cNvSpPr/>
+          <p:nvPr/>
+        </p:nvSpPr>
+        <p:spPr>
+          <a:xfrm>
+            <a:off x="4218598" y="3710918"/>
+            <a:ext cx="657546" cy="647272"/>
+          </a:xfrm>
+          <a:prstGeom prst="ellipse">
+            <a:avLst/>
+          </a:prstGeom>
+          <a:solidFill>
+            <a:schemeClr val="bg1"/>
+          </a:solidFill>
+          <a:ln w="28575"/>
+        </p:spPr>
+        <p:style>
+          <a:lnRef idx="2">
+            <a:schemeClr val="accent1">
+              <a:shade val="50000"/>
+            </a:schemeClr>
+          </a:lnRef>
+          <a:fillRef idx="1">
+            <a:schemeClr val="accent1"/>
+          </a:fillRef>
+          <a:effectRef idx="0">
+            <a:schemeClr val="accent1"/>
+          </a:effectRef>
+          <a:fontRef idx="minor">
+            <a:schemeClr val="lt1"/>
+          </a:fontRef>
+        </p:style>
+        <p:txBody>
+          <a:bodyPr rtlCol="0" anchor="ctr"/>
+          <a:lstStyle/>
+          <a:p>
+            <a:pPr algn="ctr"/>
+            <a:endParaRPr lang="en-US"/>
+          </a:p>
+        </p:txBody>
+      </p:sp>
+      <p:sp>
+        <p:nvSpPr>
+          <p:cNvPr id="9" name="TextBox 8">
+            <a:extLst>
+              <a:ext uri="{FF2B5EF4-FFF2-40B4-BE49-F238E27FC236}">
+                <a16:creationId xmlns:a16="http://schemas.microsoft.com/office/drawing/2014/main" id="{E13149B9-DEC7-4E45-930A-443FA763FCD4}"/>
+              </a:ext>
+            </a:extLst>
+          </p:cNvPr>
+          <p:cNvSpPr txBox="1"/>
+          <p:nvPr/>
+        </p:nvSpPr>
+        <p:spPr>
+          <a:xfrm>
+            <a:off x="4410781" y="3872736"/>
+            <a:ext cx="573241" cy="369332"/>
+          </a:xfrm>
+          <a:prstGeom prst="rect">
+            <a:avLst/>
+          </a:prstGeom>
+          <a:noFill/>
+        </p:spPr>
+        <p:txBody>
+          <a:bodyPr wrap="square" rtlCol="0">
+            <a:spAutoFit/>
+          </a:bodyPr>
+          <a:lstStyle/>
+          <a:p>
+            <a:r>
+              <a:rPr lang="en-US" b="1" dirty="0">
+                <a:solidFill>
+                  <a:srgbClr val="FF0000"/>
+                </a:solidFill>
+              </a:rPr>
+              <a:t>4</a:t>
+            </a:r>
+          </a:p>
+        </p:txBody>
+      </p:sp>
+      <p:sp>
+        <p:nvSpPr>
+          <p:cNvPr id="12" name="Oval 11">
+            <a:extLst>
+              <a:ext uri="{FF2B5EF4-FFF2-40B4-BE49-F238E27FC236}">
+                <a16:creationId xmlns:a16="http://schemas.microsoft.com/office/drawing/2014/main" id="{957EECFB-60DD-4CE8-926F-BDCF491653D3}"/>
+              </a:ext>
+            </a:extLst>
+          </p:cNvPr>
+          <p:cNvSpPr/>
+          <p:nvPr/>
+        </p:nvSpPr>
+        <p:spPr>
+          <a:xfrm>
+            <a:off x="2613720" y="2292426"/>
+            <a:ext cx="657546" cy="647272"/>
+          </a:xfrm>
+          <a:prstGeom prst="ellipse">
+            <a:avLst/>
+          </a:prstGeom>
+          <a:solidFill>
+            <a:schemeClr val="bg1"/>
+          </a:solidFill>
+          <a:ln w="28575"/>
+        </p:spPr>
+        <p:style>
+          <a:lnRef idx="2">
+            <a:schemeClr val="accent1">
+              <a:shade val="50000"/>
+            </a:schemeClr>
+          </a:lnRef>
+          <a:fillRef idx="1">
+            <a:schemeClr val="accent1"/>
+          </a:fillRef>
+          <a:effectRef idx="0">
+            <a:schemeClr val="accent1"/>
+          </a:effectRef>
+          <a:fontRef idx="minor">
+            <a:schemeClr val="lt1"/>
+          </a:fontRef>
+        </p:style>
+        <p:txBody>
+          <a:bodyPr rtlCol="0" anchor="ctr"/>
+          <a:lstStyle/>
+          <a:p>
+            <a:pPr algn="ctr"/>
+            <a:endParaRPr lang="en-US"/>
+          </a:p>
+        </p:txBody>
+      </p:sp>
+      <p:sp>
+        <p:nvSpPr>
+          <p:cNvPr id="13" name="TextBox 12">
+            <a:extLst>
+              <a:ext uri="{FF2B5EF4-FFF2-40B4-BE49-F238E27FC236}">
+                <a16:creationId xmlns:a16="http://schemas.microsoft.com/office/drawing/2014/main" id="{70BD7BA8-2EC1-4160-A7BC-75D7D62A13DB}"/>
+              </a:ext>
+            </a:extLst>
+          </p:cNvPr>
+          <p:cNvSpPr txBox="1"/>
+          <p:nvPr/>
+        </p:nvSpPr>
+        <p:spPr>
+          <a:xfrm>
+            <a:off x="2805903" y="2454244"/>
+            <a:ext cx="573241" cy="369332"/>
+          </a:xfrm>
+          <a:prstGeom prst="rect">
+            <a:avLst/>
+          </a:prstGeom>
+          <a:noFill/>
+        </p:spPr>
+        <p:txBody>
+          <a:bodyPr wrap="square" rtlCol="0">
+            <a:spAutoFit/>
+          </a:bodyPr>
+          <a:lstStyle/>
+          <a:p>
+            <a:r>
+              <a:rPr lang="en-US" b="1" dirty="0">
+                <a:solidFill>
+                  <a:srgbClr val="FF0000"/>
+                </a:solidFill>
+              </a:rPr>
+              <a:t>2</a:t>
+            </a:r>
+          </a:p>
+        </p:txBody>
+      </p:sp>
+      <p:cxnSp>
+        <p:nvCxnSpPr>
+          <p:cNvPr id="14" name="Straight Connector 13">
+            <a:extLst>
+              <a:ext uri="{FF2B5EF4-FFF2-40B4-BE49-F238E27FC236}">
+                <a16:creationId xmlns:a16="http://schemas.microsoft.com/office/drawing/2014/main" id="{8265B5C9-B7A0-42F7-A48D-E1B900718F06}"/>
+              </a:ext>
+            </a:extLst>
+          </p:cNvPr>
+          <p:cNvCxnSpPr>
+            <a:cxnSpLocks/>
+            <a:stCxn id="8" idx="0"/>
+            <a:endCxn id="4" idx="5"/>
+          </p:cNvCxnSpPr>
+          <p:nvPr/>
+        </p:nvCxnSpPr>
+        <p:spPr>
+          <a:xfrm flipH="1" flipV="1">
+            <a:off x="3174971" y="1367799"/>
+            <a:ext cx="1372400" cy="2343119"/>
+          </a:xfrm>
+          <a:prstGeom prst="line">
+            <a:avLst/>
+          </a:prstGeom>
+          <a:ln w="28575">
+            <a:prstDash val="dash"/>
+          </a:ln>
+        </p:spPr>
+        <p:style>
+          <a:lnRef idx="1">
+            <a:schemeClr val="accent1"/>
+          </a:lnRef>
+          <a:fillRef idx="0">
+            <a:schemeClr val="accent1"/>
+          </a:fillRef>
+          <a:effectRef idx="0">
+            <a:schemeClr val="accent1"/>
+          </a:effectRef>
+          <a:fontRef idx="minor">
+            <a:schemeClr val="tx1"/>
+          </a:fontRef>
+        </p:style>
+      </p:cxnSp>
+      <p:cxnSp>
+        <p:nvCxnSpPr>
+          <p:cNvPr id="15" name="Straight Connector 14">
+            <a:extLst>
+              <a:ext uri="{FF2B5EF4-FFF2-40B4-BE49-F238E27FC236}">
+                <a16:creationId xmlns:a16="http://schemas.microsoft.com/office/drawing/2014/main" id="{A3E90F63-27DB-4C90-A085-34CF6AC7D1BE}"/>
+              </a:ext>
+            </a:extLst>
+          </p:cNvPr>
+          <p:cNvCxnSpPr>
+            <a:cxnSpLocks/>
+            <a:stCxn id="4" idx="3"/>
+            <a:endCxn id="6" idx="0"/>
+          </p:cNvCxnSpPr>
+          <p:nvPr/>
+        </p:nvCxnSpPr>
+        <p:spPr>
+          <a:xfrm flipH="1">
+            <a:off x="1337617" y="1367799"/>
+            <a:ext cx="1372398" cy="2343119"/>
+          </a:xfrm>
+          <a:prstGeom prst="line">
+            <a:avLst/>
+          </a:prstGeom>
+          <a:ln w="28575">
+            <a:prstDash val="dash"/>
+          </a:ln>
+        </p:spPr>
+        <p:style>
+          <a:lnRef idx="1">
+            <a:schemeClr val="accent1"/>
+          </a:lnRef>
+          <a:fillRef idx="0">
+            <a:schemeClr val="accent1"/>
+          </a:fillRef>
+          <a:effectRef idx="0">
+            <a:schemeClr val="accent1"/>
+          </a:effectRef>
+          <a:fontRef idx="minor">
+            <a:schemeClr val="tx1"/>
+          </a:fontRef>
+        </p:style>
+      </p:cxnSp>
+      <p:cxnSp>
+        <p:nvCxnSpPr>
+          <p:cNvPr id="16" name="Straight Connector 15">
+            <a:extLst>
+              <a:ext uri="{FF2B5EF4-FFF2-40B4-BE49-F238E27FC236}">
+                <a16:creationId xmlns:a16="http://schemas.microsoft.com/office/drawing/2014/main" id="{071A440E-9B2A-45CD-8133-CACB840C3110}"/>
+              </a:ext>
+            </a:extLst>
+          </p:cNvPr>
+          <p:cNvCxnSpPr>
+            <a:cxnSpLocks/>
+            <a:stCxn id="4" idx="4"/>
+            <a:endCxn id="12" idx="0"/>
+          </p:cNvCxnSpPr>
+          <p:nvPr/>
+        </p:nvCxnSpPr>
+        <p:spPr>
+          <a:xfrm>
+            <a:off x="2942493" y="1462590"/>
+            <a:ext cx="0" cy="829836"/>
+          </a:xfrm>
+          <a:prstGeom prst="line">
+            <a:avLst/>
+          </a:prstGeom>
+          <a:ln w="28575"/>
+        </p:spPr>
+        <p:style>
+          <a:lnRef idx="1">
+            <a:schemeClr val="accent1"/>
+          </a:lnRef>
+          <a:fillRef idx="0">
+            <a:schemeClr val="accent1"/>
+          </a:fillRef>
+          <a:effectRef idx="0">
+            <a:schemeClr val="accent1"/>
+          </a:effectRef>
+          <a:fontRef idx="minor">
+            <a:schemeClr val="tx1"/>
+          </a:fontRef>
+        </p:style>
+      </p:cxnSp>
+      <p:cxnSp>
+        <p:nvCxnSpPr>
+          <p:cNvPr id="17" name="Straight Connector 16">
+            <a:extLst>
+              <a:ext uri="{FF2B5EF4-FFF2-40B4-BE49-F238E27FC236}">
+                <a16:creationId xmlns:a16="http://schemas.microsoft.com/office/drawing/2014/main" id="{9433CFEE-6D65-43FB-9ABF-1A2043285ED1}"/>
+              </a:ext>
+            </a:extLst>
+          </p:cNvPr>
+          <p:cNvCxnSpPr>
+            <a:cxnSpLocks/>
+            <a:stCxn id="8" idx="1"/>
+            <a:endCxn id="12" idx="5"/>
+          </p:cNvCxnSpPr>
+          <p:nvPr/>
+        </p:nvCxnSpPr>
+        <p:spPr>
+          <a:xfrm flipH="1" flipV="1">
+            <a:off x="3174971" y="2844907"/>
+            <a:ext cx="1139922" cy="960802"/>
+          </a:xfrm>
+          <a:prstGeom prst="line">
+            <a:avLst/>
+          </a:prstGeom>
+          <a:ln w="28575">
+            <a:prstDash val="dash"/>
+          </a:ln>
+        </p:spPr>
+        <p:style>
+          <a:lnRef idx="1">
+            <a:schemeClr val="accent1"/>
+          </a:lnRef>
+          <a:fillRef idx="0">
+            <a:schemeClr val="accent1"/>
+          </a:fillRef>
+          <a:effectRef idx="0">
+            <a:schemeClr val="accent1"/>
+          </a:effectRef>
+          <a:fontRef idx="minor">
+            <a:schemeClr val="tx1"/>
+          </a:fontRef>
+        </p:style>
+      </p:cxnSp>
+      <p:cxnSp>
+        <p:nvCxnSpPr>
+          <p:cNvPr id="18" name="Straight Connector 17">
+            <a:extLst>
+              <a:ext uri="{FF2B5EF4-FFF2-40B4-BE49-F238E27FC236}">
+                <a16:creationId xmlns:a16="http://schemas.microsoft.com/office/drawing/2014/main" id="{8E5014BE-6416-4F3A-8B7F-C797C7F74A1F}"/>
+              </a:ext>
+            </a:extLst>
+          </p:cNvPr>
+          <p:cNvCxnSpPr>
+            <a:cxnSpLocks/>
+            <a:stCxn id="12" idx="3"/>
+            <a:endCxn id="6" idx="7"/>
+          </p:cNvCxnSpPr>
+          <p:nvPr/>
+        </p:nvCxnSpPr>
+        <p:spPr>
+          <a:xfrm flipH="1">
+            <a:off x="1570095" y="2844907"/>
+            <a:ext cx="1139920" cy="960802"/>
+          </a:xfrm>
+          <a:prstGeom prst="line">
+            <a:avLst/>
+          </a:prstGeom>
+          <a:ln w="28575"/>
+        </p:spPr>
+        <p:style>
+          <a:lnRef idx="1">
+            <a:schemeClr val="accent1"/>
+          </a:lnRef>
+          <a:fillRef idx="0">
+            <a:schemeClr val="accent1"/>
+          </a:fillRef>
+          <a:effectRef idx="0">
+            <a:schemeClr val="accent1"/>
+          </a:effectRef>
+          <a:fontRef idx="minor">
+            <a:schemeClr val="tx1"/>
+          </a:fontRef>
+        </p:style>
+      </p:cxnSp>
+      <p:cxnSp>
+        <p:nvCxnSpPr>
+          <p:cNvPr id="19" name="Straight Connector 18">
+            <a:extLst>
+              <a:ext uri="{FF2B5EF4-FFF2-40B4-BE49-F238E27FC236}">
+                <a16:creationId xmlns:a16="http://schemas.microsoft.com/office/drawing/2014/main" id="{33B86C5D-73AB-4B84-85F6-00542B49E85B}"/>
+              </a:ext>
+            </a:extLst>
+          </p:cNvPr>
+          <p:cNvCxnSpPr>
+            <a:cxnSpLocks/>
+            <a:stCxn id="6" idx="6"/>
+            <a:endCxn id="8" idx="2"/>
+          </p:cNvCxnSpPr>
+          <p:nvPr/>
+        </p:nvCxnSpPr>
+        <p:spPr>
+          <a:xfrm>
+            <a:off x="1666390" y="4034554"/>
+            <a:ext cx="2552208" cy="0"/>
+          </a:xfrm>
+          <a:prstGeom prst="line">
+            <a:avLst/>
+          </a:prstGeom>
+          <a:ln w="28575"/>
+        </p:spPr>
+        <p:style>
+          <a:lnRef idx="1">
+            <a:schemeClr val="accent1"/>
+          </a:lnRef>
+          <a:fillRef idx="0">
+            <a:schemeClr val="accent1"/>
+          </a:fillRef>
+          <a:effectRef idx="0">
+            <a:schemeClr val="accent1"/>
+          </a:effectRef>
+          <a:fontRef idx="minor">
+            <a:schemeClr val="tx1"/>
+          </a:fontRef>
+        </p:style>
+      </p:cxnSp>
+      <p:sp>
+        <p:nvSpPr>
+          <p:cNvPr id="37" name="TextBox 36">
+            <a:extLst>
+              <a:ext uri="{FF2B5EF4-FFF2-40B4-BE49-F238E27FC236}">
+                <a16:creationId xmlns:a16="http://schemas.microsoft.com/office/drawing/2014/main" id="{378B18D5-C894-49CB-B32F-CD5B58122131}"/>
+              </a:ext>
+            </a:extLst>
+          </p:cNvPr>
+          <p:cNvSpPr txBox="1"/>
+          <p:nvPr/>
+        </p:nvSpPr>
+        <p:spPr>
+          <a:xfrm>
+            <a:off x="1805287" y="2049412"/>
+            <a:ext cx="573241" cy="338554"/>
+          </a:xfrm>
+          <a:prstGeom prst="rect">
+            <a:avLst/>
+          </a:prstGeom>
+          <a:noFill/>
+        </p:spPr>
+        <p:txBody>
+          <a:bodyPr wrap="square" rtlCol="0">
+            <a:spAutoFit/>
+          </a:bodyPr>
+          <a:lstStyle/>
+          <a:p>
+            <a:r>
+              <a:rPr lang="en-US" sz="1600" b="1" dirty="0"/>
+              <a:t>5</a:t>
+            </a:r>
+          </a:p>
+        </p:txBody>
+      </p:sp>
+      <p:sp>
+        <p:nvSpPr>
+          <p:cNvPr id="38" name="TextBox 37">
+            <a:extLst>
+              <a:ext uri="{FF2B5EF4-FFF2-40B4-BE49-F238E27FC236}">
+                <a16:creationId xmlns:a16="http://schemas.microsoft.com/office/drawing/2014/main" id="{C3CB3A1D-3BEE-48F9-8F77-9F1DB5C7C09C}"/>
+              </a:ext>
+            </a:extLst>
+          </p:cNvPr>
+          <p:cNvSpPr txBox="1"/>
+          <p:nvPr/>
+        </p:nvSpPr>
+        <p:spPr>
+          <a:xfrm>
+            <a:off x="3931977" y="2049412"/>
+            <a:ext cx="573241" cy="338554"/>
+          </a:xfrm>
+          <a:prstGeom prst="rect">
+            <a:avLst/>
+          </a:prstGeom>
+          <a:noFill/>
+        </p:spPr>
+        <p:txBody>
+          <a:bodyPr wrap="square" rtlCol="0">
+            <a:spAutoFit/>
+          </a:bodyPr>
+          <a:lstStyle/>
+          <a:p>
+            <a:r>
+              <a:rPr lang="en-US" sz="1600" b="1" dirty="0"/>
+              <a:t>7</a:t>
+            </a:r>
+          </a:p>
+        </p:txBody>
+      </p:sp>
+      <p:sp>
+        <p:nvSpPr>
+          <p:cNvPr id="39" name="TextBox 38">
+            <a:extLst>
+              <a:ext uri="{FF2B5EF4-FFF2-40B4-BE49-F238E27FC236}">
+                <a16:creationId xmlns:a16="http://schemas.microsoft.com/office/drawing/2014/main" id="{8EE93484-2E5D-4DC7-998C-D2EA647C1112}"/>
+              </a:ext>
+            </a:extLst>
+          </p:cNvPr>
+          <p:cNvSpPr txBox="1"/>
+          <p:nvPr/>
+        </p:nvSpPr>
+        <p:spPr>
+          <a:xfrm>
+            <a:off x="2804454" y="4167859"/>
+            <a:ext cx="573241" cy="338554"/>
+          </a:xfrm>
+          <a:prstGeom prst="rect">
+            <a:avLst/>
+          </a:prstGeom>
+          <a:noFill/>
+        </p:spPr>
+        <p:txBody>
+          <a:bodyPr wrap="square" rtlCol="0">
+            <a:spAutoFit/>
+          </a:bodyPr>
+          <a:lstStyle/>
+          <a:p>
+            <a:r>
+              <a:rPr lang="en-US" sz="1600" b="1" dirty="0"/>
+              <a:t>40</a:t>
+            </a:r>
+          </a:p>
+        </p:txBody>
+      </p:sp>
+      <p:sp>
+        <p:nvSpPr>
+          <p:cNvPr id="40" name="TextBox 39">
+            <a:extLst>
+              <a:ext uri="{FF2B5EF4-FFF2-40B4-BE49-F238E27FC236}">
+                <a16:creationId xmlns:a16="http://schemas.microsoft.com/office/drawing/2014/main" id="{627694C8-91FD-4315-8410-FF84501E77A2}"/>
+              </a:ext>
+            </a:extLst>
+          </p:cNvPr>
+          <p:cNvSpPr txBox="1"/>
+          <p:nvPr/>
+        </p:nvSpPr>
+        <p:spPr>
+          <a:xfrm>
+            <a:off x="2140055" y="3394454"/>
+            <a:ext cx="573241" cy="338554"/>
+          </a:xfrm>
+          <a:prstGeom prst="rect">
+            <a:avLst/>
+          </a:prstGeom>
+          <a:noFill/>
+        </p:spPr>
+        <p:txBody>
+          <a:bodyPr wrap="square" rtlCol="0">
+            <a:spAutoFit/>
+          </a:bodyPr>
+          <a:lstStyle/>
+          <a:p>
+            <a:r>
+              <a:rPr lang="en-US" sz="1600" b="1" dirty="0"/>
+              <a:t>15</a:t>
+            </a:r>
+          </a:p>
+        </p:txBody>
+      </p:sp>
+      <p:sp>
+        <p:nvSpPr>
+          <p:cNvPr id="41" name="TextBox 40">
+            <a:extLst>
+              <a:ext uri="{FF2B5EF4-FFF2-40B4-BE49-F238E27FC236}">
+                <a16:creationId xmlns:a16="http://schemas.microsoft.com/office/drawing/2014/main" id="{CB6EE935-1757-40E6-ABA9-D026EA0EB3A3}"/>
+              </a:ext>
+            </a:extLst>
+          </p:cNvPr>
+          <p:cNvSpPr txBox="1"/>
+          <p:nvPr/>
+        </p:nvSpPr>
+        <p:spPr>
+          <a:xfrm>
+            <a:off x="3489545" y="3394454"/>
+            <a:ext cx="573241" cy="338554"/>
+          </a:xfrm>
+          <a:prstGeom prst="rect">
+            <a:avLst/>
+          </a:prstGeom>
+          <a:noFill/>
+        </p:spPr>
+        <p:txBody>
+          <a:bodyPr wrap="square" rtlCol="0">
+            <a:spAutoFit/>
+          </a:bodyPr>
+          <a:lstStyle/>
+          <a:p>
+            <a:r>
+              <a:rPr lang="en-US" sz="1600" b="1" dirty="0"/>
+              <a:t>2</a:t>
+            </a:r>
+          </a:p>
+        </p:txBody>
+      </p:sp>
+      <p:sp>
+        <p:nvSpPr>
+          <p:cNvPr id="42" name="TextBox 41">
+            <a:extLst>
+              <a:ext uri="{FF2B5EF4-FFF2-40B4-BE49-F238E27FC236}">
+                <a16:creationId xmlns:a16="http://schemas.microsoft.com/office/drawing/2014/main" id="{A81D0936-031D-4D5D-8B2D-AB3AD40F5729}"/>
+              </a:ext>
+            </a:extLst>
+          </p:cNvPr>
+          <p:cNvSpPr txBox="1"/>
+          <p:nvPr/>
+        </p:nvSpPr>
+        <p:spPr>
+          <a:xfrm>
+            <a:off x="2980233" y="1729066"/>
+            <a:ext cx="573241" cy="338554"/>
+          </a:xfrm>
+          <a:prstGeom prst="rect">
+            <a:avLst/>
+          </a:prstGeom>
+          <a:noFill/>
+        </p:spPr>
+        <p:txBody>
+          <a:bodyPr wrap="square" rtlCol="0">
+            <a:spAutoFit/>
+          </a:bodyPr>
+          <a:lstStyle/>
+          <a:p>
+            <a:r>
+              <a:rPr lang="en-US" sz="1600" b="1" dirty="0"/>
+              <a:t>10</a:t>
+            </a:r>
+          </a:p>
+        </p:txBody>
+      </p:sp>
+      <p:grpSp>
+        <p:nvGrpSpPr>
+          <p:cNvPr id="125" name="Group 124">
+            <a:extLst>
+              <a:ext uri="{FF2B5EF4-FFF2-40B4-BE49-F238E27FC236}">
+                <a16:creationId xmlns:a16="http://schemas.microsoft.com/office/drawing/2014/main" id="{9A6AD521-5775-4F7A-A255-F37311C27A53}"/>
+              </a:ext>
+            </a:extLst>
+          </p:cNvPr>
+          <p:cNvGrpSpPr/>
+          <p:nvPr/>
+        </p:nvGrpSpPr>
+        <p:grpSpPr>
+          <a:xfrm rot="16200000">
+            <a:off x="6741170" y="-89477"/>
+            <a:ext cx="3942640" cy="4954886"/>
+            <a:chOff x="6293971" y="815318"/>
+            <a:chExt cx="3942640" cy="4954886"/>
+          </a:xfrm>
+        </p:grpSpPr>
+        <p:sp>
+          <p:nvSpPr>
+            <p:cNvPr id="126" name="Oval 125">
+              <a:extLst>
+                <a:ext uri="{FF2B5EF4-FFF2-40B4-BE49-F238E27FC236}">
+                  <a16:creationId xmlns:a16="http://schemas.microsoft.com/office/drawing/2014/main" id="{CDA3F712-03FD-4E13-A103-0F8BF145D2DA}"/>
+                </a:ext>
+              </a:extLst>
+            </p:cNvPr>
+            <p:cNvSpPr/>
+            <p:nvPr/>
+          </p:nvSpPr>
+          <p:spPr>
+            <a:xfrm>
+              <a:off x="6293971" y="815318"/>
+              <a:ext cx="657546" cy="647272"/>
+            </a:xfrm>
+            <a:prstGeom prst="ellipse">
+              <a:avLst/>
+            </a:prstGeom>
+            <a:solidFill>
+              <a:schemeClr val="bg1"/>
+            </a:solidFill>
+            <a:ln w="28575"/>
+          </p:spPr>
+          <p:style>
+            <a:lnRef idx="2">
+              <a:schemeClr val="accent1">
+                <a:shade val="50000"/>
+              </a:schemeClr>
+            </a:lnRef>
+            <a:fillRef idx="1">
+              <a:schemeClr val="accent1"/>
+            </a:fillRef>
+            <a:effectRef idx="0">
+              <a:schemeClr val="accent1"/>
+            </a:effectRef>
+            <a:fontRef idx="minor">
+              <a:schemeClr val="lt1"/>
+            </a:fontRef>
+          </p:style>
+          <p:txBody>
+            <a:bodyPr rtlCol="0" anchor="ctr"/>
+            <a:lstStyle/>
+            <a:p>
+              <a:pPr algn="ctr"/>
+              <a:endParaRPr lang="en-US"/>
+            </a:p>
+          </p:txBody>
+        </p:sp>
+        <p:sp>
+          <p:nvSpPr>
+            <p:cNvPr id="127" name="Oval 126">
+              <a:extLst>
+                <a:ext uri="{FF2B5EF4-FFF2-40B4-BE49-F238E27FC236}">
+                  <a16:creationId xmlns:a16="http://schemas.microsoft.com/office/drawing/2014/main" id="{4CE1D1B9-7DFC-4CA0-8E3C-3437A57665B7}"/>
+                </a:ext>
+              </a:extLst>
+            </p:cNvPr>
+            <p:cNvSpPr/>
+            <p:nvPr/>
+          </p:nvSpPr>
+          <p:spPr>
+            <a:xfrm>
+              <a:off x="6293971" y="1806972"/>
+              <a:ext cx="657546" cy="647272"/>
+            </a:xfrm>
+            <a:prstGeom prst="ellipse">
+              <a:avLst/>
+            </a:prstGeom>
+            <a:solidFill>
+              <a:schemeClr val="bg1"/>
+            </a:solidFill>
+            <a:ln w="28575"/>
+          </p:spPr>
+          <p:style>
+            <a:lnRef idx="2">
+              <a:schemeClr val="accent1">
+                <a:shade val="50000"/>
+              </a:schemeClr>
+            </a:lnRef>
+            <a:fillRef idx="1">
+              <a:schemeClr val="accent1"/>
+            </a:fillRef>
+            <a:effectRef idx="0">
+              <a:schemeClr val="accent1"/>
+            </a:effectRef>
+            <a:fontRef idx="minor">
+              <a:schemeClr val="lt1"/>
+            </a:fontRef>
+          </p:style>
+          <p:txBody>
+            <a:bodyPr rtlCol="0" anchor="ctr"/>
+            <a:lstStyle/>
+            <a:p>
+              <a:pPr algn="ctr"/>
+              <a:endParaRPr lang="en-US"/>
+            </a:p>
+          </p:txBody>
+        </p:sp>
+        <p:sp>
+          <p:nvSpPr>
+            <p:cNvPr id="128" name="Oval 127">
+              <a:extLst>
+                <a:ext uri="{FF2B5EF4-FFF2-40B4-BE49-F238E27FC236}">
+                  <a16:creationId xmlns:a16="http://schemas.microsoft.com/office/drawing/2014/main" id="{6EDDFD23-81C9-48C7-9E6B-72A0CBE05A00}"/>
+                </a:ext>
+              </a:extLst>
+            </p:cNvPr>
+            <p:cNvSpPr/>
+            <p:nvPr/>
+          </p:nvSpPr>
+          <p:spPr>
+            <a:xfrm>
+              <a:off x="6293971" y="2844322"/>
+              <a:ext cx="657546" cy="647272"/>
+            </a:xfrm>
+            <a:prstGeom prst="ellipse">
+              <a:avLst/>
+            </a:prstGeom>
+            <a:solidFill>
+              <a:schemeClr val="bg1"/>
+            </a:solidFill>
+            <a:ln w="28575"/>
+          </p:spPr>
+          <p:style>
+            <a:lnRef idx="2">
+              <a:schemeClr val="accent1">
+                <a:shade val="50000"/>
+              </a:schemeClr>
+            </a:lnRef>
+            <a:fillRef idx="1">
+              <a:schemeClr val="accent1"/>
+            </a:fillRef>
+            <a:effectRef idx="0">
+              <a:schemeClr val="accent1"/>
+            </a:effectRef>
+            <a:fontRef idx="minor">
+              <a:schemeClr val="lt1"/>
+            </a:fontRef>
+          </p:style>
+          <p:txBody>
+            <a:bodyPr rtlCol="0" anchor="ctr"/>
+            <a:lstStyle/>
+            <a:p>
+              <a:pPr algn="ctr"/>
+              <a:endParaRPr lang="en-US"/>
+            </a:p>
+          </p:txBody>
+        </p:sp>
+        <p:sp>
+          <p:nvSpPr>
+            <p:cNvPr id="129" name="Oval 128">
+              <a:extLst>
+                <a:ext uri="{FF2B5EF4-FFF2-40B4-BE49-F238E27FC236}">
+                  <a16:creationId xmlns:a16="http://schemas.microsoft.com/office/drawing/2014/main" id="{987BB0BC-658B-4FD6-AF37-A7C16E00C622}"/>
+                </a:ext>
+              </a:extLst>
+            </p:cNvPr>
+            <p:cNvSpPr/>
+            <p:nvPr/>
+          </p:nvSpPr>
+          <p:spPr>
+            <a:xfrm>
+              <a:off x="6293971" y="3881672"/>
+              <a:ext cx="657546" cy="647272"/>
+            </a:xfrm>
+            <a:prstGeom prst="ellipse">
+              <a:avLst/>
+            </a:prstGeom>
+            <a:solidFill>
+              <a:schemeClr val="bg1"/>
+            </a:solidFill>
+            <a:ln w="28575"/>
+          </p:spPr>
+          <p:style>
+            <a:lnRef idx="2">
+              <a:schemeClr val="accent1">
+                <a:shade val="50000"/>
+              </a:schemeClr>
+            </a:lnRef>
+            <a:fillRef idx="1">
+              <a:schemeClr val="accent1"/>
+            </a:fillRef>
+            <a:effectRef idx="0">
+              <a:schemeClr val="accent1"/>
+            </a:effectRef>
+            <a:fontRef idx="minor">
+              <a:schemeClr val="lt1"/>
+            </a:fontRef>
+          </p:style>
+          <p:txBody>
+            <a:bodyPr rtlCol="0" anchor="ctr"/>
+            <a:lstStyle/>
+            <a:p>
+              <a:pPr algn="ctr"/>
+              <a:endParaRPr lang="en-US"/>
+            </a:p>
+          </p:txBody>
+        </p:sp>
+        <p:sp>
+          <p:nvSpPr>
+            <p:cNvPr id="130" name="Oval 129">
+              <a:extLst>
+                <a:ext uri="{FF2B5EF4-FFF2-40B4-BE49-F238E27FC236}">
+                  <a16:creationId xmlns:a16="http://schemas.microsoft.com/office/drawing/2014/main" id="{F62D594A-66A7-4996-B830-530A20DCE45A}"/>
+                </a:ext>
+              </a:extLst>
+            </p:cNvPr>
+            <p:cNvSpPr/>
+            <p:nvPr/>
+          </p:nvSpPr>
+          <p:spPr>
+            <a:xfrm>
+              <a:off x="6293971" y="5035144"/>
+              <a:ext cx="657546" cy="647272"/>
+            </a:xfrm>
+            <a:prstGeom prst="ellipse">
+              <a:avLst/>
+            </a:prstGeom>
+            <a:solidFill>
+              <a:schemeClr val="bg1"/>
+            </a:solidFill>
+            <a:ln w="28575"/>
+          </p:spPr>
+          <p:style>
+            <a:lnRef idx="2">
+              <a:schemeClr val="accent1">
+                <a:shade val="50000"/>
+              </a:schemeClr>
+            </a:lnRef>
+            <a:fillRef idx="1">
+              <a:schemeClr val="accent1"/>
+            </a:fillRef>
+            <a:effectRef idx="0">
+              <a:schemeClr val="accent1"/>
+            </a:effectRef>
+            <a:fontRef idx="minor">
+              <a:schemeClr val="lt1"/>
+            </a:fontRef>
+          </p:style>
+          <p:txBody>
+            <a:bodyPr rtlCol="0" anchor="ctr"/>
+            <a:lstStyle/>
+            <a:p>
+              <a:pPr algn="ctr"/>
+              <a:endParaRPr lang="en-US"/>
+            </a:p>
+          </p:txBody>
+        </p:sp>
+        <p:sp>
+          <p:nvSpPr>
+            <p:cNvPr id="131" name="Oval 130">
+              <a:extLst>
+                <a:ext uri="{FF2B5EF4-FFF2-40B4-BE49-F238E27FC236}">
+                  <a16:creationId xmlns:a16="http://schemas.microsoft.com/office/drawing/2014/main" id="{E015E647-380E-43A7-BDC0-4EA83BF6982F}"/>
+                </a:ext>
+              </a:extLst>
+            </p:cNvPr>
+            <p:cNvSpPr/>
+            <p:nvPr/>
+          </p:nvSpPr>
+          <p:spPr>
+            <a:xfrm>
+              <a:off x="8812856" y="815318"/>
+              <a:ext cx="657546" cy="647272"/>
+            </a:xfrm>
+            <a:prstGeom prst="ellipse">
+              <a:avLst/>
+            </a:prstGeom>
+            <a:solidFill>
+              <a:schemeClr val="bg1"/>
+            </a:solidFill>
+            <a:ln w="28575"/>
+          </p:spPr>
+          <p:style>
+            <a:lnRef idx="2">
+              <a:schemeClr val="accent1">
+                <a:shade val="50000"/>
+              </a:schemeClr>
+            </a:lnRef>
+            <a:fillRef idx="1">
+              <a:schemeClr val="accent1"/>
+            </a:fillRef>
+            <a:effectRef idx="0">
+              <a:schemeClr val="accent1"/>
+            </a:effectRef>
+            <a:fontRef idx="minor">
+              <a:schemeClr val="lt1"/>
+            </a:fontRef>
+          </p:style>
+          <p:txBody>
+            <a:bodyPr rtlCol="0" anchor="ctr"/>
+            <a:lstStyle/>
+            <a:p>
+              <a:pPr algn="ctr"/>
+              <a:endParaRPr lang="en-US"/>
+            </a:p>
+          </p:txBody>
+        </p:sp>
+        <p:sp>
+          <p:nvSpPr>
+            <p:cNvPr id="132" name="TextBox 131">
+              <a:extLst>
+                <a:ext uri="{FF2B5EF4-FFF2-40B4-BE49-F238E27FC236}">
+                  <a16:creationId xmlns:a16="http://schemas.microsoft.com/office/drawing/2014/main" id="{C0E24B39-66CF-4194-868F-1D092C081C3B}"/>
+                </a:ext>
+              </a:extLst>
+            </p:cNvPr>
+            <p:cNvSpPr txBox="1"/>
+            <p:nvPr/>
+          </p:nvSpPr>
+          <p:spPr>
+            <a:xfrm rot="5400000">
+              <a:off x="8884376" y="1079092"/>
+              <a:ext cx="573241" cy="369332"/>
+            </a:xfrm>
+            <a:prstGeom prst="rect">
+              <a:avLst/>
+            </a:prstGeom>
+            <a:noFill/>
+          </p:spPr>
+          <p:txBody>
+            <a:bodyPr wrap="square" rtlCol="0">
+              <a:spAutoFit/>
+            </a:bodyPr>
+            <a:lstStyle/>
+            <a:p>
+              <a:r>
+                <a:rPr lang="en-US" b="1" dirty="0">
+                  <a:solidFill>
+                    <a:srgbClr val="FF0000"/>
+                  </a:solidFill>
+                </a:rPr>
+                <a:t>a</a:t>
+              </a:r>
+            </a:p>
+          </p:txBody>
+        </p:sp>
+        <p:sp>
+          <p:nvSpPr>
+            <p:cNvPr id="133" name="Oval 132">
+              <a:extLst>
+                <a:ext uri="{FF2B5EF4-FFF2-40B4-BE49-F238E27FC236}">
+                  <a16:creationId xmlns:a16="http://schemas.microsoft.com/office/drawing/2014/main" id="{55FF7CDF-49C4-4A53-933C-CCEC703D83A0}"/>
+                </a:ext>
+              </a:extLst>
+            </p:cNvPr>
+            <p:cNvSpPr/>
+            <p:nvPr/>
+          </p:nvSpPr>
+          <p:spPr>
+            <a:xfrm>
+              <a:off x="8812856" y="1806972"/>
+              <a:ext cx="657546" cy="647272"/>
+            </a:xfrm>
+            <a:prstGeom prst="ellipse">
+              <a:avLst/>
+            </a:prstGeom>
+            <a:solidFill>
+              <a:schemeClr val="bg1"/>
+            </a:solidFill>
+            <a:ln w="28575"/>
+          </p:spPr>
+          <p:style>
+            <a:lnRef idx="2">
+              <a:schemeClr val="accent1">
+                <a:shade val="50000"/>
+              </a:schemeClr>
+            </a:lnRef>
+            <a:fillRef idx="1">
+              <a:schemeClr val="accent1"/>
+            </a:fillRef>
+            <a:effectRef idx="0">
+              <a:schemeClr val="accent1"/>
+            </a:effectRef>
+            <a:fontRef idx="minor">
+              <a:schemeClr val="lt1"/>
+            </a:fontRef>
+          </p:style>
+          <p:txBody>
+            <a:bodyPr rtlCol="0" anchor="ctr"/>
+            <a:lstStyle/>
+            <a:p>
+              <a:pPr algn="ctr"/>
+              <a:endParaRPr lang="en-US"/>
+            </a:p>
+          </p:txBody>
+        </p:sp>
+        <p:sp>
+          <p:nvSpPr>
+            <p:cNvPr id="134" name="TextBox 133">
+              <a:extLst>
+                <a:ext uri="{FF2B5EF4-FFF2-40B4-BE49-F238E27FC236}">
+                  <a16:creationId xmlns:a16="http://schemas.microsoft.com/office/drawing/2014/main" id="{9EBA14D3-8A34-430C-A23E-C83C2F31CD87}"/>
+                </a:ext>
+              </a:extLst>
+            </p:cNvPr>
+            <p:cNvSpPr txBox="1"/>
+            <p:nvPr/>
+          </p:nvSpPr>
+          <p:spPr>
+            <a:xfrm rot="5400000">
+              <a:off x="8884376" y="2070746"/>
+              <a:ext cx="573241" cy="369332"/>
+            </a:xfrm>
+            <a:prstGeom prst="rect">
+              <a:avLst/>
+            </a:prstGeom>
+            <a:noFill/>
+          </p:spPr>
+          <p:txBody>
+            <a:bodyPr wrap="square" rtlCol="0">
+              <a:spAutoFit/>
+            </a:bodyPr>
+            <a:lstStyle/>
+            <a:p>
+              <a:r>
+                <a:rPr lang="en-US" b="1" dirty="0">
+                  <a:solidFill>
+                    <a:srgbClr val="FF0000"/>
+                  </a:solidFill>
+                </a:rPr>
+                <a:t>b</a:t>
+              </a:r>
+            </a:p>
+          </p:txBody>
+        </p:sp>
+        <p:sp>
+          <p:nvSpPr>
+            <p:cNvPr id="135" name="Oval 134">
+              <a:extLst>
+                <a:ext uri="{FF2B5EF4-FFF2-40B4-BE49-F238E27FC236}">
+                  <a16:creationId xmlns:a16="http://schemas.microsoft.com/office/drawing/2014/main" id="{83BCEF39-8D49-45B9-A303-DE6B2BC692F0}"/>
+                </a:ext>
+              </a:extLst>
+            </p:cNvPr>
+            <p:cNvSpPr/>
+            <p:nvPr/>
+          </p:nvSpPr>
+          <p:spPr>
+            <a:xfrm>
+              <a:off x="8812856" y="2844322"/>
+              <a:ext cx="657546" cy="647272"/>
+            </a:xfrm>
+            <a:prstGeom prst="ellipse">
+              <a:avLst/>
+            </a:prstGeom>
+            <a:solidFill>
+              <a:schemeClr val="bg1"/>
+            </a:solidFill>
+            <a:ln w="28575"/>
+          </p:spPr>
+          <p:style>
+            <a:lnRef idx="2">
+              <a:schemeClr val="accent1">
+                <a:shade val="50000"/>
+              </a:schemeClr>
+            </a:lnRef>
+            <a:fillRef idx="1">
+              <a:schemeClr val="accent1"/>
+            </a:fillRef>
+            <a:effectRef idx="0">
+              <a:schemeClr val="accent1"/>
+            </a:effectRef>
+            <a:fontRef idx="minor">
+              <a:schemeClr val="lt1"/>
+            </a:fontRef>
+          </p:style>
+          <p:txBody>
+            <a:bodyPr rtlCol="0" anchor="ctr"/>
+            <a:lstStyle/>
+            <a:p>
+              <a:pPr algn="ctr"/>
+              <a:endParaRPr lang="en-US"/>
+            </a:p>
+          </p:txBody>
+        </p:sp>
+        <p:sp>
+          <p:nvSpPr>
+            <p:cNvPr id="136" name="TextBox 135">
+              <a:extLst>
+                <a:ext uri="{FF2B5EF4-FFF2-40B4-BE49-F238E27FC236}">
+                  <a16:creationId xmlns:a16="http://schemas.microsoft.com/office/drawing/2014/main" id="{E01D319E-D69F-45A5-B8A7-D70DDCC35CCA}"/>
+                </a:ext>
+              </a:extLst>
+            </p:cNvPr>
+            <p:cNvSpPr txBox="1"/>
+            <p:nvPr/>
+          </p:nvSpPr>
+          <p:spPr>
+            <a:xfrm rot="5400000">
+              <a:off x="8884376" y="3108096"/>
+              <a:ext cx="573241" cy="369332"/>
+            </a:xfrm>
+            <a:prstGeom prst="rect">
+              <a:avLst/>
+            </a:prstGeom>
+            <a:noFill/>
+          </p:spPr>
+          <p:txBody>
+            <a:bodyPr wrap="square" rtlCol="0">
+              <a:spAutoFit/>
+            </a:bodyPr>
+            <a:lstStyle/>
+            <a:p>
+              <a:r>
+                <a:rPr lang="en-US" b="1" dirty="0">
+                  <a:solidFill>
+                    <a:srgbClr val="FF0000"/>
+                  </a:solidFill>
+                </a:rPr>
+                <a:t>c</a:t>
+              </a:r>
+            </a:p>
+          </p:txBody>
+        </p:sp>
+        <p:sp>
+          <p:nvSpPr>
+            <p:cNvPr id="137" name="Oval 136">
+              <a:extLst>
+                <a:ext uri="{FF2B5EF4-FFF2-40B4-BE49-F238E27FC236}">
+                  <a16:creationId xmlns:a16="http://schemas.microsoft.com/office/drawing/2014/main" id="{74FF29C4-44A0-49C7-9721-0E7004D045CC}"/>
+                </a:ext>
+              </a:extLst>
+            </p:cNvPr>
+            <p:cNvSpPr/>
+            <p:nvPr/>
+          </p:nvSpPr>
+          <p:spPr>
+            <a:xfrm>
+              <a:off x="8812856" y="3881672"/>
+              <a:ext cx="657546" cy="647272"/>
+            </a:xfrm>
+            <a:prstGeom prst="ellipse">
+              <a:avLst/>
+            </a:prstGeom>
+            <a:solidFill>
+              <a:schemeClr val="bg1"/>
+            </a:solidFill>
+            <a:ln w="28575"/>
+          </p:spPr>
+          <p:style>
+            <a:lnRef idx="2">
+              <a:schemeClr val="accent1">
+                <a:shade val="50000"/>
+              </a:schemeClr>
+            </a:lnRef>
+            <a:fillRef idx="1">
+              <a:schemeClr val="accent1"/>
+            </a:fillRef>
+            <a:effectRef idx="0">
+              <a:schemeClr val="accent1"/>
+            </a:effectRef>
+            <a:fontRef idx="minor">
+              <a:schemeClr val="lt1"/>
+            </a:fontRef>
+          </p:style>
+          <p:txBody>
+            <a:bodyPr rtlCol="0" anchor="ctr"/>
+            <a:lstStyle/>
+            <a:p>
+              <a:pPr algn="ctr"/>
+              <a:endParaRPr lang="en-US"/>
+            </a:p>
+          </p:txBody>
+        </p:sp>
+        <p:sp>
+          <p:nvSpPr>
+            <p:cNvPr id="138" name="TextBox 137">
+              <a:extLst>
+                <a:ext uri="{FF2B5EF4-FFF2-40B4-BE49-F238E27FC236}">
+                  <a16:creationId xmlns:a16="http://schemas.microsoft.com/office/drawing/2014/main" id="{3859DFAD-AB9C-4F67-8DD3-AAE16DE043E6}"/>
+                </a:ext>
+              </a:extLst>
+            </p:cNvPr>
+            <p:cNvSpPr txBox="1"/>
+            <p:nvPr/>
+          </p:nvSpPr>
+          <p:spPr>
+            <a:xfrm rot="5400000">
+              <a:off x="8884376" y="4145446"/>
+              <a:ext cx="573241" cy="369332"/>
+            </a:xfrm>
+            <a:prstGeom prst="rect">
+              <a:avLst/>
+            </a:prstGeom>
+            <a:noFill/>
+          </p:spPr>
+          <p:txBody>
+            <a:bodyPr wrap="square" rtlCol="0">
+              <a:spAutoFit/>
+            </a:bodyPr>
+            <a:lstStyle/>
+            <a:p>
+              <a:r>
+                <a:rPr lang="en-US" b="1" dirty="0">
+                  <a:solidFill>
+                    <a:srgbClr val="FF0000"/>
+                  </a:solidFill>
+                </a:rPr>
+                <a:t>d</a:t>
+              </a:r>
+            </a:p>
+          </p:txBody>
+        </p:sp>
+        <p:sp>
+          <p:nvSpPr>
+            <p:cNvPr id="139" name="Oval 138">
+              <a:extLst>
+                <a:ext uri="{FF2B5EF4-FFF2-40B4-BE49-F238E27FC236}">
+                  <a16:creationId xmlns:a16="http://schemas.microsoft.com/office/drawing/2014/main" id="{FE295DF4-F5B9-4979-95F5-0C998CEA739C}"/>
+                </a:ext>
+              </a:extLst>
+            </p:cNvPr>
+            <p:cNvSpPr/>
+            <p:nvPr/>
+          </p:nvSpPr>
+          <p:spPr>
+            <a:xfrm>
+              <a:off x="8812856" y="5035144"/>
+              <a:ext cx="657546" cy="647272"/>
+            </a:xfrm>
+            <a:prstGeom prst="ellipse">
+              <a:avLst/>
+            </a:prstGeom>
+            <a:solidFill>
+              <a:schemeClr val="bg1"/>
+            </a:solidFill>
+            <a:ln w="28575"/>
+          </p:spPr>
+          <p:style>
+            <a:lnRef idx="2">
+              <a:schemeClr val="accent1">
+                <a:shade val="50000"/>
+              </a:schemeClr>
+            </a:lnRef>
+            <a:fillRef idx="1">
+              <a:schemeClr val="accent1"/>
+            </a:fillRef>
+            <a:effectRef idx="0">
+              <a:schemeClr val="accent1"/>
+            </a:effectRef>
+            <a:fontRef idx="minor">
+              <a:schemeClr val="lt1"/>
+            </a:fontRef>
+          </p:style>
+          <p:txBody>
+            <a:bodyPr rtlCol="0" anchor="ctr"/>
+            <a:lstStyle/>
+            <a:p>
+              <a:pPr algn="ctr"/>
+              <a:endParaRPr lang="en-US"/>
+            </a:p>
+          </p:txBody>
+        </p:sp>
+        <p:sp>
+          <p:nvSpPr>
+            <p:cNvPr id="140" name="TextBox 139">
+              <a:extLst>
+                <a:ext uri="{FF2B5EF4-FFF2-40B4-BE49-F238E27FC236}">
+                  <a16:creationId xmlns:a16="http://schemas.microsoft.com/office/drawing/2014/main" id="{0678067E-0908-4ACA-A437-3C98201E3567}"/>
+                </a:ext>
+              </a:extLst>
+            </p:cNvPr>
+            <p:cNvSpPr txBox="1"/>
+            <p:nvPr/>
+          </p:nvSpPr>
+          <p:spPr>
+            <a:xfrm rot="5400000">
+              <a:off x="8884376" y="5298918"/>
+              <a:ext cx="573241" cy="369332"/>
+            </a:xfrm>
+            <a:prstGeom prst="rect">
+              <a:avLst/>
+            </a:prstGeom>
+            <a:noFill/>
+          </p:spPr>
+          <p:txBody>
+            <a:bodyPr wrap="square" rtlCol="0">
+              <a:spAutoFit/>
+            </a:bodyPr>
+            <a:lstStyle/>
+            <a:p>
+              <a:r>
+                <a:rPr lang="en-US" b="1" dirty="0">
+                  <a:solidFill>
+                    <a:srgbClr val="FF0000"/>
+                  </a:solidFill>
+                </a:rPr>
+                <a:t>e</a:t>
+              </a:r>
+            </a:p>
+          </p:txBody>
+        </p:sp>
+        <p:cxnSp>
+          <p:nvCxnSpPr>
+            <p:cNvPr id="141" name="Straight Connector 140">
+              <a:extLst>
+                <a:ext uri="{FF2B5EF4-FFF2-40B4-BE49-F238E27FC236}">
+                  <a16:creationId xmlns:a16="http://schemas.microsoft.com/office/drawing/2014/main" id="{DFBAF5D6-16C1-4520-A8F7-02CC482E4B47}"/>
+                </a:ext>
+              </a:extLst>
+            </p:cNvPr>
+            <p:cNvCxnSpPr>
+              <a:cxnSpLocks/>
+              <a:stCxn id="131" idx="2"/>
+              <a:endCxn id="126" idx="6"/>
+            </p:cNvCxnSpPr>
+            <p:nvPr/>
+          </p:nvCxnSpPr>
+          <p:spPr>
+            <a:xfrm flipH="1">
+              <a:off x="6951517" y="1138954"/>
+              <a:ext cx="1861339" cy="0"/>
+            </a:xfrm>
+            <a:prstGeom prst="line">
+              <a:avLst/>
+            </a:prstGeom>
+            <a:ln w="28575"/>
+          </p:spPr>
+          <p:style>
+            <a:lnRef idx="1">
+              <a:schemeClr val="accent1"/>
+            </a:lnRef>
+            <a:fillRef idx="0">
+              <a:schemeClr val="accent1"/>
+            </a:fillRef>
+            <a:effectRef idx="0">
+              <a:schemeClr val="accent1"/>
+            </a:effectRef>
+            <a:fontRef idx="minor">
+              <a:schemeClr val="tx1"/>
+            </a:fontRef>
+          </p:style>
+        </p:cxnSp>
+        <p:cxnSp>
+          <p:nvCxnSpPr>
+            <p:cNvPr id="142" name="Straight Connector 141">
+              <a:extLst>
+                <a:ext uri="{FF2B5EF4-FFF2-40B4-BE49-F238E27FC236}">
+                  <a16:creationId xmlns:a16="http://schemas.microsoft.com/office/drawing/2014/main" id="{216291EF-0937-4C5E-8E9C-81859EEA9CE9}"/>
+                </a:ext>
+              </a:extLst>
+            </p:cNvPr>
+            <p:cNvCxnSpPr>
+              <a:cxnSpLocks/>
+              <a:stCxn id="135" idx="2"/>
+              <a:endCxn id="127" idx="6"/>
+            </p:cNvCxnSpPr>
+            <p:nvPr/>
+          </p:nvCxnSpPr>
+          <p:spPr>
+            <a:xfrm flipH="1" flipV="1">
+              <a:off x="6951517" y="2130608"/>
+              <a:ext cx="1861339" cy="1037350"/>
+            </a:xfrm>
+            <a:prstGeom prst="line">
+              <a:avLst/>
+            </a:prstGeom>
+            <a:ln w="28575"/>
+          </p:spPr>
+          <p:style>
+            <a:lnRef idx="1">
+              <a:schemeClr val="accent1"/>
+            </a:lnRef>
+            <a:fillRef idx="0">
+              <a:schemeClr val="accent1"/>
+            </a:fillRef>
+            <a:effectRef idx="0">
+              <a:schemeClr val="accent1"/>
+            </a:effectRef>
+            <a:fontRef idx="minor">
+              <a:schemeClr val="tx1"/>
+            </a:fontRef>
+          </p:style>
+        </p:cxnSp>
+        <p:cxnSp>
+          <p:nvCxnSpPr>
+            <p:cNvPr id="143" name="Straight Connector 142">
+              <a:extLst>
+                <a:ext uri="{FF2B5EF4-FFF2-40B4-BE49-F238E27FC236}">
+                  <a16:creationId xmlns:a16="http://schemas.microsoft.com/office/drawing/2014/main" id="{20812496-93D3-4EF0-8AB2-A1576E7BFA57}"/>
+                </a:ext>
+              </a:extLst>
+            </p:cNvPr>
+            <p:cNvCxnSpPr>
+              <a:cxnSpLocks/>
+              <a:stCxn id="131" idx="2"/>
+              <a:endCxn id="127" idx="6"/>
+            </p:cNvCxnSpPr>
+            <p:nvPr/>
+          </p:nvCxnSpPr>
+          <p:spPr>
+            <a:xfrm flipH="1">
+              <a:off x="6951517" y="1138954"/>
+              <a:ext cx="1861339" cy="991654"/>
+            </a:xfrm>
+            <a:prstGeom prst="line">
+              <a:avLst/>
+            </a:prstGeom>
+            <a:ln w="28575"/>
+          </p:spPr>
+          <p:style>
+            <a:lnRef idx="1">
+              <a:schemeClr val="accent1"/>
+            </a:lnRef>
+            <a:fillRef idx="0">
+              <a:schemeClr val="accent1"/>
+            </a:fillRef>
+            <a:effectRef idx="0">
+              <a:schemeClr val="accent1"/>
+            </a:effectRef>
+            <a:fontRef idx="minor">
+              <a:schemeClr val="tx1"/>
+            </a:fontRef>
+          </p:style>
+        </p:cxnSp>
+        <p:cxnSp>
+          <p:nvCxnSpPr>
+            <p:cNvPr id="144" name="Straight Connector 143">
+              <a:extLst>
+                <a:ext uri="{FF2B5EF4-FFF2-40B4-BE49-F238E27FC236}">
+                  <a16:creationId xmlns:a16="http://schemas.microsoft.com/office/drawing/2014/main" id="{CD697E76-DAA2-4C2C-873A-B2E049525939}"/>
+                </a:ext>
+              </a:extLst>
+            </p:cNvPr>
+            <p:cNvCxnSpPr>
+              <a:cxnSpLocks/>
+              <a:stCxn id="137" idx="2"/>
+              <a:endCxn id="128" idx="6"/>
+            </p:cNvCxnSpPr>
+            <p:nvPr/>
+          </p:nvCxnSpPr>
+          <p:spPr>
+            <a:xfrm flipH="1" flipV="1">
+              <a:off x="6951517" y="3167958"/>
+              <a:ext cx="1861339" cy="1037350"/>
+            </a:xfrm>
+            <a:prstGeom prst="line">
+              <a:avLst/>
+            </a:prstGeom>
+            <a:ln w="28575"/>
+          </p:spPr>
+          <p:style>
+            <a:lnRef idx="1">
+              <a:schemeClr val="accent1"/>
+            </a:lnRef>
+            <a:fillRef idx="0">
+              <a:schemeClr val="accent1"/>
+            </a:fillRef>
+            <a:effectRef idx="0">
+              <a:schemeClr val="accent1"/>
+            </a:effectRef>
+            <a:fontRef idx="minor">
+              <a:schemeClr val="tx1"/>
+            </a:fontRef>
+          </p:style>
+        </p:cxnSp>
+        <p:cxnSp>
+          <p:nvCxnSpPr>
+            <p:cNvPr id="145" name="Straight Connector 144">
+              <a:extLst>
+                <a:ext uri="{FF2B5EF4-FFF2-40B4-BE49-F238E27FC236}">
+                  <a16:creationId xmlns:a16="http://schemas.microsoft.com/office/drawing/2014/main" id="{AE99EF47-0363-4182-AE24-B7C9F27BD071}"/>
+                </a:ext>
+              </a:extLst>
+            </p:cNvPr>
+            <p:cNvCxnSpPr>
+              <a:cxnSpLocks/>
+              <a:stCxn id="133" idx="2"/>
+              <a:endCxn id="126" idx="6"/>
+            </p:cNvCxnSpPr>
+            <p:nvPr/>
+          </p:nvCxnSpPr>
+          <p:spPr>
+            <a:xfrm flipH="1" flipV="1">
+              <a:off x="6951517" y="1138954"/>
+              <a:ext cx="1861339" cy="991654"/>
+            </a:xfrm>
+            <a:prstGeom prst="line">
+              <a:avLst/>
+            </a:prstGeom>
+            <a:ln w="28575"/>
+          </p:spPr>
+          <p:style>
+            <a:lnRef idx="1">
+              <a:schemeClr val="accent1"/>
+            </a:lnRef>
+            <a:fillRef idx="0">
+              <a:schemeClr val="accent1"/>
+            </a:fillRef>
+            <a:effectRef idx="0">
+              <a:schemeClr val="accent1"/>
+            </a:effectRef>
+            <a:fontRef idx="minor">
+              <a:schemeClr val="tx1"/>
+            </a:fontRef>
+          </p:style>
+        </p:cxnSp>
+        <p:cxnSp>
+          <p:nvCxnSpPr>
+            <p:cNvPr id="146" name="Straight Connector 145">
+              <a:extLst>
+                <a:ext uri="{FF2B5EF4-FFF2-40B4-BE49-F238E27FC236}">
+                  <a16:creationId xmlns:a16="http://schemas.microsoft.com/office/drawing/2014/main" id="{8C850CB3-DB30-49C8-BDA6-4E59830C9630}"/>
+                </a:ext>
+              </a:extLst>
+            </p:cNvPr>
+            <p:cNvCxnSpPr>
+              <a:cxnSpLocks/>
+              <a:stCxn id="133" idx="2"/>
+              <a:endCxn id="127" idx="6"/>
+            </p:cNvCxnSpPr>
+            <p:nvPr/>
+          </p:nvCxnSpPr>
+          <p:spPr>
+            <a:xfrm flipH="1">
+              <a:off x="6951517" y="2130608"/>
+              <a:ext cx="1861339" cy="0"/>
+            </a:xfrm>
+            <a:prstGeom prst="line">
+              <a:avLst/>
+            </a:prstGeom>
+            <a:ln w="28575"/>
+          </p:spPr>
+          <p:style>
+            <a:lnRef idx="1">
+              <a:schemeClr val="accent1"/>
+            </a:lnRef>
+            <a:fillRef idx="0">
+              <a:schemeClr val="accent1"/>
+            </a:fillRef>
+            <a:effectRef idx="0">
+              <a:schemeClr val="accent1"/>
+            </a:effectRef>
+            <a:fontRef idx="minor">
+              <a:schemeClr val="tx1"/>
+            </a:fontRef>
+          </p:style>
+        </p:cxnSp>
+        <p:cxnSp>
+          <p:nvCxnSpPr>
+            <p:cNvPr id="147" name="Straight Connector 146">
+              <a:extLst>
+                <a:ext uri="{FF2B5EF4-FFF2-40B4-BE49-F238E27FC236}">
+                  <a16:creationId xmlns:a16="http://schemas.microsoft.com/office/drawing/2014/main" id="{C9D98B98-11F1-4420-8482-1ECE93B9FBAD}"/>
+                </a:ext>
+              </a:extLst>
+            </p:cNvPr>
+            <p:cNvCxnSpPr>
+              <a:cxnSpLocks/>
+              <a:stCxn id="133" idx="2"/>
+              <a:endCxn id="128" idx="6"/>
+            </p:cNvCxnSpPr>
+            <p:nvPr/>
+          </p:nvCxnSpPr>
+          <p:spPr>
+            <a:xfrm flipH="1">
+              <a:off x="6951517" y="2130608"/>
+              <a:ext cx="1861339" cy="1037350"/>
+            </a:xfrm>
+            <a:prstGeom prst="line">
+              <a:avLst/>
+            </a:prstGeom>
+            <a:ln w="28575"/>
+          </p:spPr>
+          <p:style>
+            <a:lnRef idx="1">
+              <a:schemeClr val="accent1"/>
+            </a:lnRef>
+            <a:fillRef idx="0">
+              <a:schemeClr val="accent1"/>
+            </a:fillRef>
+            <a:effectRef idx="0">
+              <a:schemeClr val="accent1"/>
+            </a:effectRef>
+            <a:fontRef idx="minor">
+              <a:schemeClr val="tx1"/>
+            </a:fontRef>
+          </p:style>
+        </p:cxnSp>
+        <p:cxnSp>
+          <p:nvCxnSpPr>
+            <p:cNvPr id="148" name="Straight Connector 147">
+              <a:extLst>
+                <a:ext uri="{FF2B5EF4-FFF2-40B4-BE49-F238E27FC236}">
+                  <a16:creationId xmlns:a16="http://schemas.microsoft.com/office/drawing/2014/main" id="{05D55B92-BCA4-4E69-AD92-611D0620850F}"/>
+                </a:ext>
+              </a:extLst>
+            </p:cNvPr>
+            <p:cNvCxnSpPr>
+              <a:cxnSpLocks/>
+              <a:stCxn id="139" idx="2"/>
+              <a:endCxn id="129" idx="6"/>
+            </p:cNvCxnSpPr>
+            <p:nvPr/>
+          </p:nvCxnSpPr>
+          <p:spPr>
+            <a:xfrm flipH="1" flipV="1">
+              <a:off x="6951517" y="4205308"/>
+              <a:ext cx="1861339" cy="1153472"/>
+            </a:xfrm>
+            <a:prstGeom prst="line">
+              <a:avLst/>
+            </a:prstGeom>
+            <a:ln w="28575"/>
+          </p:spPr>
+          <p:style>
+            <a:lnRef idx="1">
+              <a:schemeClr val="accent1"/>
+            </a:lnRef>
+            <a:fillRef idx="0">
+              <a:schemeClr val="accent1"/>
+            </a:fillRef>
+            <a:effectRef idx="0">
+              <a:schemeClr val="accent1"/>
+            </a:effectRef>
+            <a:fontRef idx="minor">
+              <a:schemeClr val="tx1"/>
+            </a:fontRef>
+          </p:style>
+        </p:cxnSp>
+        <p:cxnSp>
+          <p:nvCxnSpPr>
+            <p:cNvPr id="149" name="Straight Connector 148">
+              <a:extLst>
+                <a:ext uri="{FF2B5EF4-FFF2-40B4-BE49-F238E27FC236}">
+                  <a16:creationId xmlns:a16="http://schemas.microsoft.com/office/drawing/2014/main" id="{ACFD2056-300D-4C49-86C7-28DC517F99A3}"/>
+                </a:ext>
+              </a:extLst>
+            </p:cNvPr>
+            <p:cNvCxnSpPr>
+              <a:cxnSpLocks/>
+              <a:stCxn id="139" idx="2"/>
+              <a:endCxn id="130" idx="6"/>
+            </p:cNvCxnSpPr>
+            <p:nvPr/>
+          </p:nvCxnSpPr>
+          <p:spPr>
+            <a:xfrm flipH="1">
+              <a:off x="6951517" y="5358780"/>
+              <a:ext cx="1861339" cy="0"/>
+            </a:xfrm>
+            <a:prstGeom prst="line">
+              <a:avLst/>
+            </a:prstGeom>
+            <a:ln w="28575"/>
+          </p:spPr>
+          <p:style>
+            <a:lnRef idx="1">
+              <a:schemeClr val="accent1"/>
+            </a:lnRef>
+            <a:fillRef idx="0">
+              <a:schemeClr val="accent1"/>
+            </a:fillRef>
+            <a:effectRef idx="0">
+              <a:schemeClr val="accent1"/>
+            </a:effectRef>
+            <a:fontRef idx="minor">
+              <a:schemeClr val="tx1"/>
+            </a:fontRef>
+          </p:style>
+        </p:cxnSp>
+        <p:cxnSp>
+          <p:nvCxnSpPr>
+            <p:cNvPr id="150" name="Straight Connector 149">
+              <a:extLst>
+                <a:ext uri="{FF2B5EF4-FFF2-40B4-BE49-F238E27FC236}">
+                  <a16:creationId xmlns:a16="http://schemas.microsoft.com/office/drawing/2014/main" id="{9F2763B5-47C8-4257-A080-D38A84A22059}"/>
+                </a:ext>
+              </a:extLst>
+            </p:cNvPr>
+            <p:cNvCxnSpPr>
+              <a:cxnSpLocks/>
+              <a:stCxn id="133" idx="2"/>
+              <a:endCxn id="129" idx="6"/>
+            </p:cNvCxnSpPr>
+            <p:nvPr/>
+          </p:nvCxnSpPr>
+          <p:spPr>
+            <a:xfrm flipH="1">
+              <a:off x="6951517" y="2130608"/>
+              <a:ext cx="1861339" cy="2074700"/>
+            </a:xfrm>
+            <a:prstGeom prst="line">
+              <a:avLst/>
+            </a:prstGeom>
+            <a:ln w="28575"/>
+          </p:spPr>
+          <p:style>
+            <a:lnRef idx="1">
+              <a:schemeClr val="accent1"/>
+            </a:lnRef>
+            <a:fillRef idx="0">
+              <a:schemeClr val="accent1"/>
+            </a:fillRef>
+            <a:effectRef idx="0">
+              <a:schemeClr val="accent1"/>
+            </a:effectRef>
+            <a:fontRef idx="minor">
+              <a:schemeClr val="tx1"/>
+            </a:fontRef>
+          </p:style>
+        </p:cxnSp>
+        <p:cxnSp>
+          <p:nvCxnSpPr>
+            <p:cNvPr id="151" name="Straight Connector 150">
+              <a:extLst>
+                <a:ext uri="{FF2B5EF4-FFF2-40B4-BE49-F238E27FC236}">
+                  <a16:creationId xmlns:a16="http://schemas.microsoft.com/office/drawing/2014/main" id="{EDDCE5DA-2B32-4036-A5E9-02E72C87CBB7}"/>
+                </a:ext>
+              </a:extLst>
+            </p:cNvPr>
+            <p:cNvCxnSpPr>
+              <a:cxnSpLocks/>
+              <a:stCxn id="137" idx="2"/>
+              <a:endCxn id="130" idx="6"/>
+            </p:cNvCxnSpPr>
+            <p:nvPr/>
+          </p:nvCxnSpPr>
+          <p:spPr>
+            <a:xfrm flipH="1">
+              <a:off x="6951517" y="4205308"/>
+              <a:ext cx="1861339" cy="1153472"/>
+            </a:xfrm>
+            <a:prstGeom prst="line">
+              <a:avLst/>
+            </a:prstGeom>
+            <a:ln w="28575"/>
+          </p:spPr>
+          <p:style>
+            <a:lnRef idx="1">
+              <a:schemeClr val="accent1"/>
+            </a:lnRef>
+            <a:fillRef idx="0">
+              <a:schemeClr val="accent1"/>
+            </a:fillRef>
+            <a:effectRef idx="0">
+              <a:schemeClr val="accent1"/>
+            </a:effectRef>
+            <a:fontRef idx="minor">
+              <a:schemeClr val="tx1"/>
+            </a:fontRef>
+          </p:style>
+        </p:cxnSp>
+        <p:sp>
+          <p:nvSpPr>
+            <p:cNvPr id="152" name="TextBox 151">
+              <a:extLst>
+                <a:ext uri="{FF2B5EF4-FFF2-40B4-BE49-F238E27FC236}">
+                  <a16:creationId xmlns:a16="http://schemas.microsoft.com/office/drawing/2014/main" id="{7921B677-0FA4-4E2D-A7D3-361334F9723D}"/>
+                </a:ext>
+              </a:extLst>
+            </p:cNvPr>
+            <p:cNvSpPr txBox="1"/>
+            <p:nvPr/>
+          </p:nvSpPr>
+          <p:spPr>
+            <a:xfrm rot="5400000">
+              <a:off x="6371398" y="1079091"/>
+              <a:ext cx="573241" cy="369332"/>
+            </a:xfrm>
+            <a:prstGeom prst="rect">
+              <a:avLst/>
+            </a:prstGeom>
+            <a:noFill/>
+          </p:spPr>
+          <p:txBody>
+            <a:bodyPr wrap="square" rtlCol="0">
+              <a:spAutoFit/>
+            </a:bodyPr>
+            <a:lstStyle/>
+            <a:p>
+              <a:r>
+                <a:rPr lang="en-US" b="1" dirty="0">
+                  <a:solidFill>
+                    <a:srgbClr val="FF0000"/>
+                  </a:solidFill>
+                </a:rPr>
+                <a:t>1</a:t>
+              </a:r>
+            </a:p>
+          </p:txBody>
+        </p:sp>
+        <p:sp>
+          <p:nvSpPr>
+            <p:cNvPr id="153" name="TextBox 152">
+              <a:extLst>
+                <a:ext uri="{FF2B5EF4-FFF2-40B4-BE49-F238E27FC236}">
+                  <a16:creationId xmlns:a16="http://schemas.microsoft.com/office/drawing/2014/main" id="{F136177F-0BD6-494C-AFB3-6D82FB37ECB2}"/>
+                </a:ext>
+              </a:extLst>
+            </p:cNvPr>
+            <p:cNvSpPr txBox="1"/>
+            <p:nvPr/>
+          </p:nvSpPr>
+          <p:spPr>
+            <a:xfrm rot="5400000">
+              <a:off x="6371398" y="2070745"/>
+              <a:ext cx="573241" cy="369332"/>
+            </a:xfrm>
+            <a:prstGeom prst="rect">
+              <a:avLst/>
+            </a:prstGeom>
+            <a:noFill/>
+          </p:spPr>
+          <p:txBody>
+            <a:bodyPr wrap="square" rtlCol="0">
+              <a:spAutoFit/>
+            </a:bodyPr>
+            <a:lstStyle/>
+            <a:p>
+              <a:r>
+                <a:rPr lang="en-US" b="1" dirty="0">
+                  <a:solidFill>
+                    <a:srgbClr val="FF0000"/>
+                  </a:solidFill>
+                </a:rPr>
+                <a:t>2</a:t>
+              </a:r>
+            </a:p>
+          </p:txBody>
+        </p:sp>
+        <p:sp>
+          <p:nvSpPr>
+            <p:cNvPr id="154" name="TextBox 153">
+              <a:extLst>
+                <a:ext uri="{FF2B5EF4-FFF2-40B4-BE49-F238E27FC236}">
+                  <a16:creationId xmlns:a16="http://schemas.microsoft.com/office/drawing/2014/main" id="{A5CA6549-3908-4042-9620-C27B4D81C012}"/>
+                </a:ext>
+              </a:extLst>
+            </p:cNvPr>
+            <p:cNvSpPr txBox="1"/>
+            <p:nvPr/>
+          </p:nvSpPr>
+          <p:spPr>
+            <a:xfrm rot="5400000">
+              <a:off x="6371398" y="3108095"/>
+              <a:ext cx="573241" cy="369332"/>
+            </a:xfrm>
+            <a:prstGeom prst="rect">
+              <a:avLst/>
+            </a:prstGeom>
+            <a:noFill/>
+          </p:spPr>
+          <p:txBody>
+            <a:bodyPr wrap="square" rtlCol="0">
+              <a:spAutoFit/>
+            </a:bodyPr>
+            <a:lstStyle/>
+            <a:p>
+              <a:r>
+                <a:rPr lang="en-US" b="1" dirty="0">
+                  <a:solidFill>
+                    <a:srgbClr val="FF0000"/>
+                  </a:solidFill>
+                </a:rPr>
+                <a:t>3</a:t>
+              </a:r>
+            </a:p>
+          </p:txBody>
+        </p:sp>
+        <p:sp>
+          <p:nvSpPr>
+            <p:cNvPr id="155" name="TextBox 154">
+              <a:extLst>
+                <a:ext uri="{FF2B5EF4-FFF2-40B4-BE49-F238E27FC236}">
+                  <a16:creationId xmlns:a16="http://schemas.microsoft.com/office/drawing/2014/main" id="{E373AA8D-9921-4294-BC5D-A57E711727A3}"/>
+                </a:ext>
+              </a:extLst>
+            </p:cNvPr>
+            <p:cNvSpPr txBox="1"/>
+            <p:nvPr/>
+          </p:nvSpPr>
+          <p:spPr>
+            <a:xfrm rot="5400000">
+              <a:off x="6371398" y="4145445"/>
+              <a:ext cx="573241" cy="369332"/>
+            </a:xfrm>
+            <a:prstGeom prst="rect">
+              <a:avLst/>
+            </a:prstGeom>
+            <a:noFill/>
+          </p:spPr>
+          <p:txBody>
+            <a:bodyPr wrap="square" rtlCol="0">
+              <a:spAutoFit/>
+            </a:bodyPr>
+            <a:lstStyle/>
+            <a:p>
+              <a:r>
+                <a:rPr lang="en-US" b="1" dirty="0">
+                  <a:solidFill>
+                    <a:srgbClr val="FF0000"/>
+                  </a:solidFill>
+                </a:rPr>
+                <a:t>4</a:t>
+              </a:r>
+            </a:p>
+          </p:txBody>
+        </p:sp>
+        <p:sp>
+          <p:nvSpPr>
+            <p:cNvPr id="156" name="TextBox 155">
+              <a:extLst>
+                <a:ext uri="{FF2B5EF4-FFF2-40B4-BE49-F238E27FC236}">
+                  <a16:creationId xmlns:a16="http://schemas.microsoft.com/office/drawing/2014/main" id="{34D00289-2599-4461-83AB-AF242FBB0448}"/>
+                </a:ext>
+              </a:extLst>
+            </p:cNvPr>
+            <p:cNvSpPr txBox="1"/>
+            <p:nvPr/>
+          </p:nvSpPr>
+          <p:spPr>
+            <a:xfrm rot="5400000">
+              <a:off x="6371398" y="5298917"/>
+              <a:ext cx="573241" cy="369332"/>
+            </a:xfrm>
+            <a:prstGeom prst="rect">
+              <a:avLst/>
+            </a:prstGeom>
+            <a:noFill/>
+          </p:spPr>
+          <p:txBody>
+            <a:bodyPr wrap="square" rtlCol="0">
+              <a:spAutoFit/>
+            </a:bodyPr>
+            <a:lstStyle/>
+            <a:p>
+              <a:r>
+                <a:rPr lang="en-US" b="1" dirty="0">
+                  <a:solidFill>
+                    <a:srgbClr val="FF0000"/>
+                  </a:solidFill>
+                </a:rPr>
+                <a:t>5</a:t>
+              </a:r>
+            </a:p>
+          </p:txBody>
+        </p:sp>
+        <p:sp>
+          <p:nvSpPr>
+            <p:cNvPr id="157" name="TextBox 156">
+              <a:extLst>
+                <a:ext uri="{FF2B5EF4-FFF2-40B4-BE49-F238E27FC236}">
+                  <a16:creationId xmlns:a16="http://schemas.microsoft.com/office/drawing/2014/main" id="{0B450813-164F-40E1-B541-B9941EBDA8F5}"/>
+                </a:ext>
+              </a:extLst>
+            </p:cNvPr>
+            <p:cNvSpPr txBox="1"/>
+            <p:nvPr/>
+          </p:nvSpPr>
+          <p:spPr>
+            <a:xfrm rot="5400000">
+              <a:off x="9308191" y="2983291"/>
+              <a:ext cx="1487507" cy="369332"/>
+            </a:xfrm>
+            <a:prstGeom prst="rect">
+              <a:avLst/>
+            </a:prstGeom>
+            <a:noFill/>
+          </p:spPr>
+          <p:txBody>
+            <a:bodyPr wrap="square" rtlCol="0">
+              <a:spAutoFit/>
+            </a:bodyPr>
+            <a:lstStyle/>
+            <a:p>
+              <a:r>
+                <a:rPr lang="en-US" b="1" dirty="0">
+                  <a:solidFill>
+                    <a:srgbClr val="FF0000"/>
+                  </a:solidFill>
+                </a:rPr>
+                <a:t>1   3   4   c   d</a:t>
+              </a:r>
+            </a:p>
+          </p:txBody>
+        </p:sp>
+      </p:grpSp>
+    </p:spTree>
+    <p:extLst>
+      <p:ext uri="{BB962C8B-B14F-4D97-AF65-F5344CB8AC3E}">
+        <p14:creationId xmlns:p14="http://schemas.microsoft.com/office/powerpoint/2010/main" val="2285086702"/>
+      </p:ext>
+    </p:extLst>
+  </p:cSld>
+  <p:clrMapOvr>
+    <a:masterClrMapping/>
+  </p:clrMapOvr>
+</p:sld>
+</file>
+
 <file path=ppt/theme/theme1.xml><?xml version="1.0" encoding="utf-8"?>
 <a:theme xmlns:a="http://schemas.openxmlformats.org/drawingml/2006/main" name="Office Theme">
   <a:themeElements>
